--- a/docs/Presentation.pptx
+++ b/docs/Presentation.pptx
@@ -7,7 +7,19 @@
   <p:sldIdLst>
     <p:sldId id="258" r:id="rId2"/>
     <p:sldId id="256" r:id="rId3"/>
-    <p:sldId id="257" r:id="rId4"/>
+    <p:sldId id="259" r:id="rId4"/>
+    <p:sldId id="260" r:id="rId5"/>
+    <p:sldId id="261" r:id="rId6"/>
+    <p:sldId id="262" r:id="rId7"/>
+    <p:sldId id="263" r:id="rId8"/>
+    <p:sldId id="264" r:id="rId9"/>
+    <p:sldId id="265" r:id="rId10"/>
+    <p:sldId id="266" r:id="rId11"/>
+    <p:sldId id="267" r:id="rId12"/>
+    <p:sldId id="268" r:id="rId13"/>
+    <p:sldId id="269" r:id="rId14"/>
+    <p:sldId id="270" r:id="rId15"/>
+    <p:sldId id="257" r:id="rId16"/>
   </p:sldIdLst>
   <p:sldSz cx="12192000" cy="6858000"/>
   <p:notesSz cx="6858000" cy="9144000"/>
@@ -3013,7 +3025,7 @@
               <a:buNone/>
             </a:pPr>
             <a:r>
-              <a:rPr lang="en-US" dirty="0" smtClean="0"/>
+              <a:rPr lang="en-US" b="1" dirty="0" smtClean="0"/>
               <a:t>Task completed</a:t>
             </a:r>
           </a:p>
@@ -3071,7 +3083,7 @@
 </p:sld>
 </file>
 
-<file path=ppt/slides/slide2.xml><?xml version="1.0" encoding="utf-8"?>
+<file path=ppt/slides/slide10.xml><?xml version="1.0" encoding="utf-8"?>
 <p:sld xmlns:a="http://schemas.openxmlformats.org/drawingml/2006/main" xmlns:r="http://schemas.openxmlformats.org/officeDocument/2006/relationships" xmlns:p="http://schemas.openxmlformats.org/presentationml/2006/main">
   <p:cSld>
     <p:spTree>
@@ -3090,838 +3102,280 @@
       </p:grpSpPr>
       <p:sp>
         <p:nvSpPr>
-          <p:cNvPr id="4" name="Rounded Rectangle 3"/>
-          <p:cNvSpPr/>
-          <p:nvPr/>
-        </p:nvSpPr>
-        <p:spPr>
-          <a:xfrm>
-            <a:off x="2623125" y="3140364"/>
-            <a:ext cx="1801091" cy="591128"/>
-          </a:xfrm>
-          <a:prstGeom prst="roundRect">
-            <a:avLst/>
-          </a:prstGeom>
-        </p:spPr>
-        <p:style>
-          <a:lnRef idx="2">
-            <a:schemeClr val="dk1"/>
-          </a:lnRef>
-          <a:fillRef idx="1">
-            <a:schemeClr val="lt1"/>
-          </a:fillRef>
-          <a:effectRef idx="0">
-            <a:schemeClr val="dk1"/>
-          </a:effectRef>
-          <a:fontRef idx="minor">
-            <a:schemeClr val="dk1"/>
-          </a:fontRef>
-        </p:style>
-        <p:txBody>
-          <a:bodyPr rtlCol="0" anchor="ctr"/>
-          <a:lstStyle/>
-          <a:p>
-            <a:pPr algn="ctr"/>
+          <p:cNvPr id="2" name="Title 1"/>
+          <p:cNvSpPr>
+            <a:spLocks noGrp="1"/>
+          </p:cNvSpPr>
+          <p:nvPr>
+            <p:ph type="title"/>
+          </p:nvPr>
+        </p:nvSpPr>
+        <p:spPr/>
+        <p:txBody>
+          <a:bodyPr/>
+          <a:lstStyle/>
+          <a:p>
             <a:r>
               <a:rPr lang="en-US" dirty="0" smtClean="0"/>
-              <a:t>Data Analysis</a:t>
+              <a:t>Feature Importance</a:t>
             </a:r>
             <a:endParaRPr lang="en-US" dirty="0"/>
           </a:p>
         </p:txBody>
       </p:sp>
-      <p:cxnSp>
-        <p:nvCxnSpPr>
-          <p:cNvPr id="6" name="Straight Arrow Connector 5"/>
-          <p:cNvCxnSpPr>
-            <a:stCxn id="4" idx="3"/>
-            <a:endCxn id="7" idx="1"/>
-          </p:cNvCxnSpPr>
-          <p:nvPr/>
-        </p:nvCxnSpPr>
-        <p:spPr>
-          <a:xfrm flipV="1">
-            <a:off x="4424216" y="3426692"/>
-            <a:ext cx="1288474" cy="9236"/>
-          </a:xfrm>
-          <a:prstGeom prst="straightConnector1">
-            <a:avLst/>
-          </a:prstGeom>
-          <a:ln>
-            <a:tailEnd type="triangle"/>
-          </a:ln>
-        </p:spPr>
-        <p:style>
-          <a:lnRef idx="1">
-            <a:schemeClr val="dk1"/>
-          </a:lnRef>
-          <a:fillRef idx="0">
-            <a:schemeClr val="dk1"/>
-          </a:fillRef>
-          <a:effectRef idx="0">
-            <a:schemeClr val="dk1"/>
-          </a:effectRef>
-          <a:fontRef idx="minor">
-            <a:schemeClr val="tx1"/>
-          </a:fontRef>
-        </p:style>
-      </p:cxnSp>
-      <p:sp>
-        <p:nvSpPr>
-          <p:cNvPr id="7" name="Rounded Rectangle 6"/>
-          <p:cNvSpPr/>
-          <p:nvPr/>
-        </p:nvSpPr>
-        <p:spPr>
-          <a:xfrm>
-            <a:off x="5712690" y="3131128"/>
-            <a:ext cx="1801091" cy="591128"/>
-          </a:xfrm>
-          <a:prstGeom prst="roundRect">
-            <a:avLst/>
-          </a:prstGeom>
-        </p:spPr>
-        <p:style>
-          <a:lnRef idx="2">
-            <a:schemeClr val="dk1"/>
-          </a:lnRef>
-          <a:fillRef idx="1">
-            <a:schemeClr val="lt1"/>
-          </a:fillRef>
-          <a:effectRef idx="0">
-            <a:schemeClr val="dk1"/>
-          </a:effectRef>
-          <a:fontRef idx="minor">
-            <a:schemeClr val="dk1"/>
-          </a:fontRef>
-        </p:style>
-        <p:txBody>
-          <a:bodyPr rtlCol="0" anchor="ctr"/>
-          <a:lstStyle/>
-          <a:p>
-            <a:pPr algn="ctr"/>
-            <a:r>
-              <a:rPr lang="en-US" dirty="0" smtClean="0"/>
-              <a:t>Modeling</a:t>
-            </a:r>
-            <a:endParaRPr lang="en-US" dirty="0"/>
-          </a:p>
-        </p:txBody>
-      </p:sp>
-      <p:cxnSp>
-        <p:nvCxnSpPr>
-          <p:cNvPr id="11" name="Straight Connector 10"/>
-          <p:cNvCxnSpPr>
-            <a:stCxn id="4" idx="2"/>
-            <a:endCxn id="12" idx="0"/>
-          </p:cNvCxnSpPr>
-          <p:nvPr/>
-        </p:nvCxnSpPr>
-        <p:spPr>
-          <a:xfrm flipH="1">
-            <a:off x="2630054" y="3731492"/>
-            <a:ext cx="893617" cy="591127"/>
-          </a:xfrm>
-          <a:prstGeom prst="line">
-            <a:avLst/>
-          </a:prstGeom>
-        </p:spPr>
-        <p:style>
-          <a:lnRef idx="1">
-            <a:schemeClr val="dk1"/>
-          </a:lnRef>
-          <a:fillRef idx="0">
-            <a:schemeClr val="dk1"/>
-          </a:fillRef>
-          <a:effectRef idx="0">
-            <a:schemeClr val="dk1"/>
-          </a:effectRef>
-          <a:fontRef idx="minor">
-            <a:schemeClr val="tx1"/>
-          </a:fontRef>
-        </p:style>
-      </p:cxnSp>
-      <p:sp>
-        <p:nvSpPr>
-          <p:cNvPr id="12" name="Rounded Rectangle 11"/>
-          <p:cNvSpPr/>
-          <p:nvPr/>
-        </p:nvSpPr>
-        <p:spPr>
-          <a:xfrm>
-            <a:off x="2032000" y="4322619"/>
-            <a:ext cx="1196108" cy="563417"/>
-          </a:xfrm>
-          <a:prstGeom prst="roundRect">
-            <a:avLst/>
-          </a:prstGeom>
-        </p:spPr>
-        <p:style>
-          <a:lnRef idx="2">
-            <a:schemeClr val="dk1"/>
-          </a:lnRef>
-          <a:fillRef idx="1">
-            <a:schemeClr val="lt1"/>
-          </a:fillRef>
-          <a:effectRef idx="0">
-            <a:schemeClr val="dk1"/>
-          </a:effectRef>
-          <a:fontRef idx="minor">
-            <a:schemeClr val="dk1"/>
-          </a:fontRef>
-        </p:style>
-        <p:txBody>
-          <a:bodyPr rtlCol="0" anchor="ctr"/>
-          <a:lstStyle/>
-          <a:p>
-            <a:pPr algn="ctr"/>
-            <a:r>
-              <a:rPr lang="en-US" sz="1400" dirty="0" smtClean="0"/>
-              <a:t>Feature Analysis</a:t>
-            </a:r>
-            <a:endParaRPr lang="en-US" sz="1400" dirty="0"/>
-          </a:p>
-        </p:txBody>
-      </p:sp>
-      <p:cxnSp>
-        <p:nvCxnSpPr>
-          <p:cNvPr id="15" name="Straight Connector 14"/>
-          <p:cNvCxnSpPr>
-            <a:stCxn id="4" idx="2"/>
-            <a:endCxn id="16" idx="0"/>
-          </p:cNvCxnSpPr>
-          <p:nvPr/>
-        </p:nvCxnSpPr>
-        <p:spPr>
-          <a:xfrm>
-            <a:off x="3523671" y="3731492"/>
-            <a:ext cx="651163" cy="591127"/>
-          </a:xfrm>
-          <a:prstGeom prst="line">
-            <a:avLst/>
-          </a:prstGeom>
-        </p:spPr>
-        <p:style>
-          <a:lnRef idx="1">
-            <a:schemeClr val="dk1"/>
-          </a:lnRef>
-          <a:fillRef idx="0">
-            <a:schemeClr val="dk1"/>
-          </a:fillRef>
-          <a:effectRef idx="0">
-            <a:schemeClr val="dk1"/>
-          </a:effectRef>
-          <a:fontRef idx="minor">
-            <a:schemeClr val="tx1"/>
-          </a:fontRef>
-        </p:style>
-      </p:cxnSp>
-      <p:sp>
-        <p:nvSpPr>
-          <p:cNvPr id="16" name="Rounded Rectangle 15"/>
-          <p:cNvSpPr/>
-          <p:nvPr/>
-        </p:nvSpPr>
-        <p:spPr>
-          <a:xfrm>
-            <a:off x="3537522" y="4322619"/>
-            <a:ext cx="1274623" cy="563417"/>
-          </a:xfrm>
-          <a:prstGeom prst="roundRect">
-            <a:avLst/>
-          </a:prstGeom>
-        </p:spPr>
-        <p:style>
-          <a:lnRef idx="2">
-            <a:schemeClr val="dk1"/>
-          </a:lnRef>
-          <a:fillRef idx="1">
-            <a:schemeClr val="lt1"/>
-          </a:fillRef>
-          <a:effectRef idx="0">
-            <a:schemeClr val="dk1"/>
-          </a:effectRef>
-          <a:fontRef idx="minor">
-            <a:schemeClr val="dk1"/>
-          </a:fontRef>
-        </p:style>
-        <p:txBody>
-          <a:bodyPr rtlCol="0" anchor="ctr"/>
-          <a:lstStyle/>
-          <a:p>
-            <a:pPr algn="ctr"/>
-            <a:r>
-              <a:rPr lang="en-US" sz="1400" dirty="0" smtClean="0"/>
-              <a:t>Feature Engineering</a:t>
-            </a:r>
-            <a:endParaRPr lang="en-US" sz="1400" dirty="0"/>
-          </a:p>
-        </p:txBody>
-      </p:sp>
-      <p:cxnSp>
-        <p:nvCxnSpPr>
-          <p:cNvPr id="19" name="Straight Connector 18"/>
-          <p:cNvCxnSpPr>
-            <a:stCxn id="20" idx="2"/>
-            <a:endCxn id="4" idx="0"/>
-          </p:cNvCxnSpPr>
-          <p:nvPr/>
-        </p:nvCxnSpPr>
-        <p:spPr>
-          <a:xfrm>
-            <a:off x="2630054" y="2549237"/>
-            <a:ext cx="893617" cy="591127"/>
-          </a:xfrm>
-          <a:prstGeom prst="line">
-            <a:avLst/>
-          </a:prstGeom>
-        </p:spPr>
-        <p:style>
-          <a:lnRef idx="1">
-            <a:schemeClr val="dk1"/>
-          </a:lnRef>
-          <a:fillRef idx="0">
-            <a:schemeClr val="dk1"/>
-          </a:fillRef>
-          <a:effectRef idx="0">
-            <a:schemeClr val="dk1"/>
-          </a:effectRef>
-          <a:fontRef idx="minor">
-            <a:schemeClr val="tx1"/>
-          </a:fontRef>
-        </p:style>
-      </p:cxnSp>
-      <p:sp>
-        <p:nvSpPr>
-          <p:cNvPr id="20" name="Rounded Rectangle 19"/>
-          <p:cNvSpPr/>
-          <p:nvPr/>
-        </p:nvSpPr>
-        <p:spPr>
-          <a:xfrm>
-            <a:off x="2032000" y="2032000"/>
-            <a:ext cx="1196108" cy="517237"/>
-          </a:xfrm>
-          <a:prstGeom prst="roundRect">
-            <a:avLst/>
-          </a:prstGeom>
-        </p:spPr>
-        <p:style>
-          <a:lnRef idx="2">
-            <a:schemeClr val="dk1"/>
-          </a:lnRef>
-          <a:fillRef idx="1">
-            <a:schemeClr val="lt1"/>
-          </a:fillRef>
-          <a:effectRef idx="0">
-            <a:schemeClr val="dk1"/>
-          </a:effectRef>
-          <a:fontRef idx="minor">
-            <a:schemeClr val="dk1"/>
-          </a:fontRef>
-        </p:style>
-        <p:txBody>
-          <a:bodyPr rtlCol="0" anchor="ctr"/>
-          <a:lstStyle/>
-          <a:p>
-            <a:pPr algn="ctr"/>
-            <a:r>
-              <a:rPr lang="en-US" sz="1400" dirty="0" smtClean="0"/>
-              <a:t>Feature Selection</a:t>
-            </a:r>
-            <a:endParaRPr lang="en-US" sz="1400" dirty="0"/>
-          </a:p>
-        </p:txBody>
-      </p:sp>
-      <p:sp>
-        <p:nvSpPr>
-          <p:cNvPr id="23" name="Rounded Rectangle 22"/>
-          <p:cNvSpPr/>
-          <p:nvPr/>
-        </p:nvSpPr>
-        <p:spPr>
-          <a:xfrm>
-            <a:off x="3537522" y="2032000"/>
-            <a:ext cx="1274623" cy="517237"/>
-          </a:xfrm>
-          <a:prstGeom prst="roundRect">
-            <a:avLst/>
-          </a:prstGeom>
-        </p:spPr>
-        <p:style>
-          <a:lnRef idx="2">
-            <a:schemeClr val="dk1"/>
-          </a:lnRef>
-          <a:fillRef idx="1">
-            <a:schemeClr val="lt1"/>
-          </a:fillRef>
-          <a:effectRef idx="0">
-            <a:schemeClr val="dk1"/>
-          </a:effectRef>
-          <a:fontRef idx="minor">
-            <a:schemeClr val="dk1"/>
-          </a:fontRef>
-        </p:style>
-        <p:txBody>
-          <a:bodyPr rtlCol="0" anchor="ctr"/>
-          <a:lstStyle/>
-          <a:p>
-            <a:pPr algn="ctr"/>
-            <a:r>
-              <a:rPr lang="en-US" sz="1400" dirty="0" smtClean="0"/>
-              <a:t>Data Preprocessing</a:t>
-            </a:r>
-            <a:endParaRPr lang="en-US" sz="1400" dirty="0"/>
-          </a:p>
-        </p:txBody>
-      </p:sp>
-      <p:cxnSp>
-        <p:nvCxnSpPr>
-          <p:cNvPr id="24" name="Straight Connector 23"/>
-          <p:cNvCxnSpPr>
-            <a:stCxn id="23" idx="2"/>
-            <a:endCxn id="4" idx="0"/>
-          </p:cNvCxnSpPr>
-          <p:nvPr/>
-        </p:nvCxnSpPr>
-        <p:spPr>
-          <a:xfrm flipH="1">
-            <a:off x="3523671" y="2549237"/>
-            <a:ext cx="651163" cy="591127"/>
-          </a:xfrm>
-          <a:prstGeom prst="line">
-            <a:avLst/>
-          </a:prstGeom>
-        </p:spPr>
-        <p:style>
-          <a:lnRef idx="1">
-            <a:schemeClr val="dk1"/>
-          </a:lnRef>
-          <a:fillRef idx="0">
-            <a:schemeClr val="dk1"/>
-          </a:fillRef>
-          <a:effectRef idx="0">
-            <a:schemeClr val="dk1"/>
-          </a:effectRef>
-          <a:fontRef idx="minor">
-            <a:schemeClr val="tx1"/>
-          </a:fontRef>
-        </p:style>
-      </p:cxnSp>
-      <p:cxnSp>
-        <p:nvCxnSpPr>
-          <p:cNvPr id="41" name="Straight Connector 40"/>
-          <p:cNvCxnSpPr>
-            <a:endCxn id="42" idx="0"/>
-          </p:cNvCxnSpPr>
-          <p:nvPr/>
-        </p:nvCxnSpPr>
-        <p:spPr>
-          <a:xfrm flipH="1">
-            <a:off x="5705768" y="3731492"/>
-            <a:ext cx="893617" cy="591127"/>
-          </a:xfrm>
-          <a:prstGeom prst="line">
-            <a:avLst/>
-          </a:prstGeom>
-        </p:spPr>
-        <p:style>
-          <a:lnRef idx="1">
-            <a:schemeClr val="dk1"/>
-          </a:lnRef>
-          <a:fillRef idx="0">
-            <a:schemeClr val="dk1"/>
-          </a:fillRef>
-          <a:effectRef idx="0">
-            <a:schemeClr val="dk1"/>
-          </a:effectRef>
-          <a:fontRef idx="minor">
-            <a:schemeClr val="tx1"/>
-          </a:fontRef>
-        </p:style>
-      </p:cxnSp>
-      <p:sp>
-        <p:nvSpPr>
-          <p:cNvPr id="42" name="Rounded Rectangle 41"/>
-          <p:cNvSpPr/>
-          <p:nvPr/>
-        </p:nvSpPr>
-        <p:spPr>
-          <a:xfrm>
-            <a:off x="5107714" y="4322619"/>
-            <a:ext cx="1196108" cy="563417"/>
-          </a:xfrm>
-          <a:prstGeom prst="roundRect">
-            <a:avLst/>
-          </a:prstGeom>
-        </p:spPr>
-        <p:style>
-          <a:lnRef idx="2">
-            <a:schemeClr val="dk1"/>
-          </a:lnRef>
-          <a:fillRef idx="1">
-            <a:schemeClr val="lt1"/>
-          </a:fillRef>
-          <a:effectRef idx="0">
-            <a:schemeClr val="dk1"/>
-          </a:effectRef>
-          <a:fontRef idx="minor">
-            <a:schemeClr val="dk1"/>
-          </a:fontRef>
-        </p:style>
-        <p:txBody>
-          <a:bodyPr rtlCol="0" anchor="ctr"/>
-          <a:lstStyle/>
-          <a:p>
-            <a:pPr algn="ctr"/>
-            <a:r>
-              <a:rPr lang="en-US" sz="1400" dirty="0" smtClean="0"/>
-              <a:t>Model Training</a:t>
-            </a:r>
-            <a:endParaRPr lang="en-US" sz="1400" dirty="0"/>
-          </a:p>
-        </p:txBody>
-      </p:sp>
-      <p:cxnSp>
-        <p:nvCxnSpPr>
-          <p:cNvPr id="43" name="Straight Connector 42"/>
-          <p:cNvCxnSpPr>
-            <a:endCxn id="44" idx="0"/>
-          </p:cNvCxnSpPr>
-          <p:nvPr/>
-        </p:nvCxnSpPr>
-        <p:spPr>
-          <a:xfrm>
-            <a:off x="6599385" y="3731492"/>
-            <a:ext cx="651163" cy="591127"/>
-          </a:xfrm>
-          <a:prstGeom prst="line">
-            <a:avLst/>
-          </a:prstGeom>
-        </p:spPr>
-        <p:style>
-          <a:lnRef idx="1">
-            <a:schemeClr val="dk1"/>
-          </a:lnRef>
-          <a:fillRef idx="0">
-            <a:schemeClr val="dk1"/>
-          </a:fillRef>
-          <a:effectRef idx="0">
-            <a:schemeClr val="dk1"/>
-          </a:effectRef>
-          <a:fontRef idx="minor">
-            <a:schemeClr val="tx1"/>
-          </a:fontRef>
-        </p:style>
-      </p:cxnSp>
-      <p:sp>
-        <p:nvSpPr>
-          <p:cNvPr id="44" name="Rounded Rectangle 43"/>
-          <p:cNvSpPr/>
-          <p:nvPr/>
-        </p:nvSpPr>
-        <p:spPr>
-          <a:xfrm>
-            <a:off x="6613236" y="4322619"/>
-            <a:ext cx="1274623" cy="563417"/>
-          </a:xfrm>
-          <a:prstGeom prst="roundRect">
-            <a:avLst/>
-          </a:prstGeom>
-        </p:spPr>
-        <p:style>
-          <a:lnRef idx="2">
-            <a:schemeClr val="dk1"/>
-          </a:lnRef>
-          <a:fillRef idx="1">
-            <a:schemeClr val="lt1"/>
-          </a:fillRef>
-          <a:effectRef idx="0">
-            <a:schemeClr val="dk1"/>
-          </a:effectRef>
-          <a:fontRef idx="minor">
-            <a:schemeClr val="dk1"/>
-          </a:fontRef>
-        </p:style>
-        <p:txBody>
-          <a:bodyPr rtlCol="0" anchor="ctr"/>
-          <a:lstStyle/>
-          <a:p>
-            <a:pPr algn="ctr"/>
-            <a:r>
-              <a:rPr lang="en-US" sz="1400" dirty="0" err="1" smtClean="0"/>
-              <a:t>Hyperparams</a:t>
-            </a:r>
-            <a:endParaRPr lang="en-US" sz="1400" dirty="0" smtClean="0"/>
-          </a:p>
-          <a:p>
-            <a:pPr algn="ctr"/>
-            <a:r>
-              <a:rPr lang="en-US" sz="1400" dirty="0" smtClean="0"/>
-              <a:t>Optimization</a:t>
-            </a:r>
-            <a:endParaRPr lang="en-US" sz="1400" dirty="0"/>
-          </a:p>
-        </p:txBody>
-      </p:sp>
-      <p:sp>
-        <p:nvSpPr>
-          <p:cNvPr id="45" name="Rounded Rectangle 44"/>
-          <p:cNvSpPr/>
-          <p:nvPr/>
-        </p:nvSpPr>
-        <p:spPr>
-          <a:xfrm>
-            <a:off x="5107714" y="2022764"/>
-            <a:ext cx="1196108" cy="517237"/>
-          </a:xfrm>
-          <a:prstGeom prst="roundRect">
-            <a:avLst/>
-          </a:prstGeom>
-        </p:spPr>
-        <p:style>
-          <a:lnRef idx="2">
-            <a:schemeClr val="dk1"/>
-          </a:lnRef>
-          <a:fillRef idx="1">
-            <a:schemeClr val="lt1"/>
-          </a:fillRef>
-          <a:effectRef idx="0">
-            <a:schemeClr val="dk1"/>
-          </a:effectRef>
-          <a:fontRef idx="minor">
-            <a:schemeClr val="dk1"/>
-          </a:fontRef>
-        </p:style>
-        <p:txBody>
-          <a:bodyPr rtlCol="0" anchor="ctr"/>
-          <a:lstStyle/>
-          <a:p>
-            <a:pPr algn="ctr"/>
-            <a:r>
-              <a:rPr lang="en-US" sz="1400" dirty="0" smtClean="0"/>
-              <a:t>Model Comparison</a:t>
-            </a:r>
-            <a:endParaRPr lang="en-US" sz="1400" dirty="0"/>
-          </a:p>
-        </p:txBody>
-      </p:sp>
-      <p:sp>
-        <p:nvSpPr>
-          <p:cNvPr id="46" name="Rounded Rectangle 45"/>
-          <p:cNvSpPr/>
-          <p:nvPr/>
-        </p:nvSpPr>
-        <p:spPr>
-          <a:xfrm>
-            <a:off x="6613236" y="2022764"/>
-            <a:ext cx="1274623" cy="517237"/>
-          </a:xfrm>
-          <a:prstGeom prst="roundRect">
-            <a:avLst/>
-          </a:prstGeom>
-        </p:spPr>
-        <p:style>
-          <a:lnRef idx="2">
-            <a:schemeClr val="dk1"/>
-          </a:lnRef>
-          <a:fillRef idx="1">
-            <a:schemeClr val="lt1"/>
-          </a:fillRef>
-          <a:effectRef idx="0">
-            <a:schemeClr val="dk1"/>
-          </a:effectRef>
-          <a:fontRef idx="minor">
-            <a:schemeClr val="dk1"/>
-          </a:fontRef>
-        </p:style>
-        <p:txBody>
-          <a:bodyPr rtlCol="0" anchor="ctr"/>
-          <a:lstStyle/>
-          <a:p>
-            <a:pPr algn="ctr"/>
-            <a:r>
-              <a:rPr lang="en-US" sz="1400" dirty="0" smtClean="0"/>
-              <a:t>Model Selection</a:t>
-            </a:r>
-            <a:endParaRPr lang="en-US" sz="1400" dirty="0"/>
-          </a:p>
-        </p:txBody>
-      </p:sp>
-      <p:cxnSp>
-        <p:nvCxnSpPr>
-          <p:cNvPr id="48" name="Straight Connector 47"/>
-          <p:cNvCxnSpPr/>
-          <p:nvPr/>
-        </p:nvCxnSpPr>
-        <p:spPr>
-          <a:xfrm>
-            <a:off x="5736935" y="2535383"/>
-            <a:ext cx="893617" cy="591127"/>
-          </a:xfrm>
-          <a:prstGeom prst="line">
-            <a:avLst/>
-          </a:prstGeom>
-        </p:spPr>
-        <p:style>
-          <a:lnRef idx="1">
-            <a:schemeClr val="dk1"/>
-          </a:lnRef>
-          <a:fillRef idx="0">
-            <a:schemeClr val="dk1"/>
-          </a:fillRef>
-          <a:effectRef idx="0">
-            <a:schemeClr val="dk1"/>
-          </a:effectRef>
-          <a:fontRef idx="minor">
-            <a:schemeClr val="tx1"/>
-          </a:fontRef>
-        </p:style>
-      </p:cxnSp>
-      <p:cxnSp>
-        <p:nvCxnSpPr>
-          <p:cNvPr id="49" name="Straight Connector 48"/>
-          <p:cNvCxnSpPr/>
-          <p:nvPr/>
-        </p:nvCxnSpPr>
-        <p:spPr>
-          <a:xfrm flipH="1">
-            <a:off x="6630552" y="2535383"/>
-            <a:ext cx="651163" cy="591127"/>
-          </a:xfrm>
-          <a:prstGeom prst="line">
-            <a:avLst/>
-          </a:prstGeom>
-        </p:spPr>
-        <p:style>
-          <a:lnRef idx="1">
-            <a:schemeClr val="dk1"/>
-          </a:lnRef>
-          <a:fillRef idx="0">
-            <a:schemeClr val="dk1"/>
-          </a:fillRef>
-          <a:effectRef idx="0">
-            <a:schemeClr val="dk1"/>
-          </a:effectRef>
-          <a:fontRef idx="minor">
-            <a:schemeClr val="tx1"/>
-          </a:fontRef>
-        </p:style>
-      </p:cxnSp>
-      <p:cxnSp>
-        <p:nvCxnSpPr>
-          <p:cNvPr id="52" name="Straight Arrow Connector 51"/>
-          <p:cNvCxnSpPr>
-            <a:endCxn id="53" idx="1"/>
-          </p:cNvCxnSpPr>
-          <p:nvPr/>
-        </p:nvCxnSpPr>
-        <p:spPr>
-          <a:xfrm flipV="1">
-            <a:off x="7513781" y="3417456"/>
-            <a:ext cx="1288474" cy="9236"/>
-          </a:xfrm>
-          <a:prstGeom prst="straightConnector1">
-            <a:avLst/>
-          </a:prstGeom>
-          <a:ln>
-            <a:tailEnd type="triangle"/>
-          </a:ln>
-        </p:spPr>
-        <p:style>
-          <a:lnRef idx="1">
-            <a:schemeClr val="dk1"/>
-          </a:lnRef>
-          <a:fillRef idx="0">
-            <a:schemeClr val="dk1"/>
-          </a:fillRef>
-          <a:effectRef idx="0">
-            <a:schemeClr val="dk1"/>
-          </a:effectRef>
-          <a:fontRef idx="minor">
-            <a:schemeClr val="tx1"/>
-          </a:fontRef>
-        </p:style>
-      </p:cxnSp>
-      <p:sp>
-        <p:nvSpPr>
-          <p:cNvPr id="53" name="Rounded Rectangle 52"/>
-          <p:cNvSpPr/>
-          <p:nvPr/>
-        </p:nvSpPr>
-        <p:spPr>
-          <a:xfrm>
-            <a:off x="8802255" y="3121892"/>
-            <a:ext cx="1801091" cy="591128"/>
-          </a:xfrm>
-          <a:prstGeom prst="roundRect">
-            <a:avLst/>
-          </a:prstGeom>
-        </p:spPr>
-        <p:style>
-          <a:lnRef idx="2">
-            <a:schemeClr val="dk1"/>
-          </a:lnRef>
-          <a:fillRef idx="1">
-            <a:schemeClr val="lt1"/>
-          </a:fillRef>
-          <a:effectRef idx="0">
-            <a:schemeClr val="dk1"/>
-          </a:effectRef>
-          <a:fontRef idx="minor">
-            <a:schemeClr val="dk1"/>
-          </a:fontRef>
-        </p:style>
-        <p:txBody>
-          <a:bodyPr rtlCol="0" anchor="ctr"/>
-          <a:lstStyle/>
-          <a:p>
-            <a:pPr algn="ctr"/>
-            <a:r>
-              <a:rPr lang="en-US" dirty="0" smtClean="0"/>
-              <a:t>Model Save</a:t>
-            </a:r>
-            <a:endParaRPr lang="en-US" dirty="0"/>
-          </a:p>
-        </p:txBody>
-      </p:sp>
-      <p:sp>
-        <p:nvSpPr>
-          <p:cNvPr id="54" name="TextBox 53"/>
-          <p:cNvSpPr txBox="1"/>
-          <p:nvPr/>
-        </p:nvSpPr>
-        <p:spPr>
-          <a:xfrm>
-            <a:off x="785094" y="619220"/>
-            <a:ext cx="11296073" cy="707886"/>
+      <p:pic>
+        <p:nvPicPr>
+          <p:cNvPr id="4" name="Content Placeholder 3"/>
+          <p:cNvPicPr>
+            <a:picLocks noGrp="1" noChangeAspect="1"/>
+          </p:cNvPicPr>
+          <p:nvPr>
+            <p:ph idx="1"/>
+          </p:nvPr>
+        </p:nvPicPr>
+        <p:blipFill>
+          <a:blip r:embed="rId2"/>
+          <a:stretch>
+            <a:fillRect/>
+          </a:stretch>
+        </p:blipFill>
+        <p:spPr>
+          <a:xfrm>
+            <a:off x="6251508" y="1357745"/>
+            <a:ext cx="4538283" cy="2574781"/>
           </a:xfrm>
           <a:prstGeom prst="rect">
             <a:avLst/>
           </a:prstGeom>
-          <a:noFill/>
-        </p:spPr>
-        <p:txBody>
-          <a:bodyPr wrap="square" rtlCol="0">
-            <a:spAutoFit/>
+        </p:spPr>
+      </p:pic>
+      <p:pic>
+        <p:nvPicPr>
+          <p:cNvPr id="5" name="Picture 4"/>
+          <p:cNvPicPr>
+            <a:picLocks noChangeAspect="1"/>
+          </p:cNvPicPr>
+          <p:nvPr/>
+        </p:nvPicPr>
+        <p:blipFill>
+          <a:blip r:embed="rId3"/>
+          <a:stretch>
+            <a:fillRect/>
+          </a:stretch>
+        </p:blipFill>
+        <p:spPr>
+          <a:xfrm>
+            <a:off x="6251509" y="4394509"/>
+            <a:ext cx="4538283" cy="2332881"/>
+          </a:xfrm>
+          <a:prstGeom prst="rect">
+            <a:avLst/>
+          </a:prstGeom>
+        </p:spPr>
+      </p:pic>
+      <p:sp>
+        <p:nvSpPr>
+          <p:cNvPr id="6" name="Content Placeholder 4"/>
+          <p:cNvSpPr txBox="1">
+            <a:spLocks/>
+          </p:cNvSpPr>
+          <p:nvPr/>
+        </p:nvSpPr>
+        <p:spPr>
+          <a:xfrm>
+            <a:off x="629105" y="1690688"/>
+            <a:ext cx="2744108" cy="4383411"/>
+          </a:xfrm>
+          <a:prstGeom prst="rect">
+            <a:avLst/>
+          </a:prstGeom>
+        </p:spPr>
+        <p:txBody>
+          <a:bodyPr vert="horz" lIns="91440" tIns="45720" rIns="91440" bIns="45720" rtlCol="0">
+            <a:noAutofit/>
           </a:bodyPr>
-          <a:lstStyle/>
-          <a:p>
-            <a:r>
-              <a:rPr lang="en-US" sz="4000" dirty="0">
-                <a:latin typeface="+mj-lt"/>
-                <a:ea typeface="+mj-ea"/>
-                <a:cs typeface="+mj-cs"/>
-              </a:rPr>
-              <a:t>Data Analysis &amp; Model Development</a:t>
-            </a:r>
+          <a:lstStyle>
+            <a:lvl1pPr marL="228600" indent="-228600" algn="l" defTabSz="914400" rtl="0" eaLnBrk="1" latinLnBrk="0" hangingPunct="1">
+              <a:lnSpc>
+                <a:spcPct val="90000"/>
+              </a:lnSpc>
+              <a:spcBef>
+                <a:spcPts val="1000"/>
+              </a:spcBef>
+              <a:buFont typeface="Arial" panose="020B0604020202020204" pitchFamily="34" charset="0"/>
+              <a:buChar char="•"/>
+              <a:defRPr sz="2800" kern="1200">
+                <a:solidFill>
+                  <a:schemeClr val="tx1"/>
+                </a:solidFill>
+                <a:latin typeface="+mn-lt"/>
+                <a:ea typeface="+mn-ea"/>
+                <a:cs typeface="+mn-cs"/>
+              </a:defRPr>
+            </a:lvl1pPr>
+            <a:lvl2pPr marL="685800" indent="-228600" algn="l" defTabSz="914400" rtl="0" eaLnBrk="1" latinLnBrk="0" hangingPunct="1">
+              <a:lnSpc>
+                <a:spcPct val="90000"/>
+              </a:lnSpc>
+              <a:spcBef>
+                <a:spcPts val="500"/>
+              </a:spcBef>
+              <a:buFont typeface="Arial" panose="020B0604020202020204" pitchFamily="34" charset="0"/>
+              <a:buChar char="•"/>
+              <a:defRPr sz="2400" kern="1200">
+                <a:solidFill>
+                  <a:schemeClr val="tx1"/>
+                </a:solidFill>
+                <a:latin typeface="+mn-lt"/>
+                <a:ea typeface="+mn-ea"/>
+                <a:cs typeface="+mn-cs"/>
+              </a:defRPr>
+            </a:lvl2pPr>
+            <a:lvl3pPr marL="1143000" indent="-228600" algn="l" defTabSz="914400" rtl="0" eaLnBrk="1" latinLnBrk="0" hangingPunct="1">
+              <a:lnSpc>
+                <a:spcPct val="90000"/>
+              </a:lnSpc>
+              <a:spcBef>
+                <a:spcPts val="500"/>
+              </a:spcBef>
+              <a:buFont typeface="Arial" panose="020B0604020202020204" pitchFamily="34" charset="0"/>
+              <a:buChar char="•"/>
+              <a:defRPr sz="2000" kern="1200">
+                <a:solidFill>
+                  <a:schemeClr val="tx1"/>
+                </a:solidFill>
+                <a:latin typeface="+mn-lt"/>
+                <a:ea typeface="+mn-ea"/>
+                <a:cs typeface="+mn-cs"/>
+              </a:defRPr>
+            </a:lvl3pPr>
+            <a:lvl4pPr marL="1600200" indent="-228600" algn="l" defTabSz="914400" rtl="0" eaLnBrk="1" latinLnBrk="0" hangingPunct="1">
+              <a:lnSpc>
+                <a:spcPct val="90000"/>
+              </a:lnSpc>
+              <a:spcBef>
+                <a:spcPts val="500"/>
+              </a:spcBef>
+              <a:buFont typeface="Arial" panose="020B0604020202020204" pitchFamily="34" charset="0"/>
+              <a:buChar char="•"/>
+              <a:defRPr sz="1800" kern="1200">
+                <a:solidFill>
+                  <a:schemeClr val="tx1"/>
+                </a:solidFill>
+                <a:latin typeface="+mn-lt"/>
+                <a:ea typeface="+mn-ea"/>
+                <a:cs typeface="+mn-cs"/>
+              </a:defRPr>
+            </a:lvl4pPr>
+            <a:lvl5pPr marL="2057400" indent="-228600" algn="l" defTabSz="914400" rtl="0" eaLnBrk="1" latinLnBrk="0" hangingPunct="1">
+              <a:lnSpc>
+                <a:spcPct val="90000"/>
+              </a:lnSpc>
+              <a:spcBef>
+                <a:spcPts val="500"/>
+              </a:spcBef>
+              <a:buFont typeface="Arial" panose="020B0604020202020204" pitchFamily="34" charset="0"/>
+              <a:buChar char="•"/>
+              <a:defRPr sz="1800" kern="1200">
+                <a:solidFill>
+                  <a:schemeClr val="tx1"/>
+                </a:solidFill>
+                <a:latin typeface="+mn-lt"/>
+                <a:ea typeface="+mn-ea"/>
+                <a:cs typeface="+mn-cs"/>
+              </a:defRPr>
+            </a:lvl5pPr>
+            <a:lvl6pPr marL="2514600" indent="-228600" algn="l" defTabSz="914400" rtl="0" eaLnBrk="1" latinLnBrk="0" hangingPunct="1">
+              <a:lnSpc>
+                <a:spcPct val="90000"/>
+              </a:lnSpc>
+              <a:spcBef>
+                <a:spcPts val="500"/>
+              </a:spcBef>
+              <a:buFont typeface="Arial" panose="020B0604020202020204" pitchFamily="34" charset="0"/>
+              <a:buChar char="•"/>
+              <a:defRPr sz="1800" kern="1200">
+                <a:solidFill>
+                  <a:schemeClr val="tx1"/>
+                </a:solidFill>
+                <a:latin typeface="+mn-lt"/>
+                <a:ea typeface="+mn-ea"/>
+                <a:cs typeface="+mn-cs"/>
+              </a:defRPr>
+            </a:lvl6pPr>
+            <a:lvl7pPr marL="2971800" indent="-228600" algn="l" defTabSz="914400" rtl="0" eaLnBrk="1" latinLnBrk="0" hangingPunct="1">
+              <a:lnSpc>
+                <a:spcPct val="90000"/>
+              </a:lnSpc>
+              <a:spcBef>
+                <a:spcPts val="500"/>
+              </a:spcBef>
+              <a:buFont typeface="Arial" panose="020B0604020202020204" pitchFamily="34" charset="0"/>
+              <a:buChar char="•"/>
+              <a:defRPr sz="1800" kern="1200">
+                <a:solidFill>
+                  <a:schemeClr val="tx1"/>
+                </a:solidFill>
+                <a:latin typeface="+mn-lt"/>
+                <a:ea typeface="+mn-ea"/>
+                <a:cs typeface="+mn-cs"/>
+              </a:defRPr>
+            </a:lvl7pPr>
+            <a:lvl8pPr marL="3429000" indent="-228600" algn="l" defTabSz="914400" rtl="0" eaLnBrk="1" latinLnBrk="0" hangingPunct="1">
+              <a:lnSpc>
+                <a:spcPct val="90000"/>
+              </a:lnSpc>
+              <a:spcBef>
+                <a:spcPts val="500"/>
+              </a:spcBef>
+              <a:buFont typeface="Arial" panose="020B0604020202020204" pitchFamily="34" charset="0"/>
+              <a:buChar char="•"/>
+              <a:defRPr sz="1800" kern="1200">
+                <a:solidFill>
+                  <a:schemeClr val="tx1"/>
+                </a:solidFill>
+                <a:latin typeface="+mn-lt"/>
+                <a:ea typeface="+mn-ea"/>
+                <a:cs typeface="+mn-cs"/>
+              </a:defRPr>
+            </a:lvl8pPr>
+            <a:lvl9pPr marL="3886200" indent="-228600" algn="l" defTabSz="914400" rtl="0" eaLnBrk="1" latinLnBrk="0" hangingPunct="1">
+              <a:lnSpc>
+                <a:spcPct val="90000"/>
+              </a:lnSpc>
+              <a:spcBef>
+                <a:spcPts val="500"/>
+              </a:spcBef>
+              <a:buFont typeface="Arial" panose="020B0604020202020204" pitchFamily="34" charset="0"/>
+              <a:buChar char="•"/>
+              <a:defRPr sz="1800" kern="1200">
+                <a:solidFill>
+                  <a:schemeClr val="tx1"/>
+                </a:solidFill>
+                <a:latin typeface="+mn-lt"/>
+                <a:ea typeface="+mn-ea"/>
+                <a:cs typeface="+mn-cs"/>
+              </a:defRPr>
+            </a:lvl9pPr>
+          </a:lstStyle>
+          <a:p>
+            <a:r>
+              <a:rPr lang="en-US" sz="1800" dirty="0" smtClean="0"/>
+              <a:t>Although both techniques rank the same features with high importance, i.e., cut off at first 2 features from top, but I would include 17 features for modeling as the data is overlapping for the dependent variable</a:t>
+            </a:r>
+          </a:p>
+          <a:p>
+            <a:pPr marL="0" indent="0">
+              <a:buNone/>
+            </a:pPr>
+            <a:endParaRPr lang="en-US" sz="1800" dirty="0"/>
           </a:p>
         </p:txBody>
       </p:sp>
     </p:spTree>
     <p:extLst>
       <p:ext uri="{BB962C8B-B14F-4D97-AF65-F5344CB8AC3E}">
-        <p14:creationId xmlns:p14="http://schemas.microsoft.com/office/powerpoint/2010/main" val="1475865652"/>
+        <p14:creationId xmlns:p14="http://schemas.microsoft.com/office/powerpoint/2010/main" val="2303032485"/>
       </p:ext>
     </p:extLst>
   </p:cSld>
@@ -3931,7 +3385,659 @@
 </p:sld>
 </file>
 
-<file path=ppt/slides/slide3.xml><?xml version="1.0" encoding="utf-8"?>
+<file path=ppt/slides/slide11.xml><?xml version="1.0" encoding="utf-8"?>
+<p:sld xmlns:a="http://schemas.openxmlformats.org/drawingml/2006/main" xmlns:r="http://schemas.openxmlformats.org/officeDocument/2006/relationships" xmlns:p="http://schemas.openxmlformats.org/presentationml/2006/main">
+  <p:cSld>
+    <p:spTree>
+      <p:nvGrpSpPr>
+        <p:cNvPr id="1" name=""/>
+        <p:cNvGrpSpPr/>
+        <p:nvPr/>
+      </p:nvGrpSpPr>
+      <p:grpSpPr>
+        <a:xfrm>
+          <a:off x="0" y="0"/>
+          <a:ext cx="0" cy="0"/>
+          <a:chOff x="0" y="0"/>
+          <a:chExt cx="0" cy="0"/>
+        </a:xfrm>
+      </p:grpSpPr>
+      <p:sp>
+        <p:nvSpPr>
+          <p:cNvPr id="2" name="Title 1"/>
+          <p:cNvSpPr>
+            <a:spLocks noGrp="1"/>
+          </p:cNvSpPr>
+          <p:nvPr>
+            <p:ph type="title"/>
+          </p:nvPr>
+        </p:nvSpPr>
+        <p:spPr/>
+        <p:txBody>
+          <a:bodyPr/>
+          <a:lstStyle/>
+          <a:p>
+            <a:r>
+              <a:rPr lang="en-US" dirty="0" smtClean="0"/>
+              <a:t>Modeling</a:t>
+            </a:r>
+            <a:endParaRPr lang="en-US" dirty="0"/>
+          </a:p>
+        </p:txBody>
+      </p:sp>
+      <p:sp>
+        <p:nvSpPr>
+          <p:cNvPr id="3" name="Content Placeholder 2"/>
+          <p:cNvSpPr>
+            <a:spLocks noGrp="1"/>
+          </p:cNvSpPr>
+          <p:nvPr>
+            <p:ph idx="1"/>
+          </p:nvPr>
+        </p:nvSpPr>
+        <p:spPr>
+          <a:xfrm>
+            <a:off x="838200" y="1825625"/>
+            <a:ext cx="3798455" cy="4351338"/>
+          </a:xfrm>
+        </p:spPr>
+        <p:txBody>
+          <a:bodyPr/>
+          <a:lstStyle/>
+          <a:p>
+            <a:endParaRPr lang="en-US" dirty="0" smtClean="0"/>
+          </a:p>
+          <a:p>
+            <a:r>
+              <a:rPr lang="en-US" dirty="0" smtClean="0"/>
+              <a:t>Train, Validation, Test</a:t>
+            </a:r>
+          </a:p>
+          <a:p>
+            <a:r>
+              <a:rPr lang="en-US" dirty="0" smtClean="0"/>
+              <a:t>Standardization</a:t>
+            </a:r>
+          </a:p>
+          <a:p>
+            <a:r>
+              <a:rPr lang="en-US" dirty="0" smtClean="0"/>
+              <a:t>10-Fold cross validation</a:t>
+            </a:r>
+            <a:endParaRPr lang="en-US" dirty="0"/>
+          </a:p>
+        </p:txBody>
+      </p:sp>
+      <p:pic>
+        <p:nvPicPr>
+          <p:cNvPr id="4" name="Picture 3"/>
+          <p:cNvPicPr>
+            <a:picLocks noChangeAspect="1"/>
+          </p:cNvPicPr>
+          <p:nvPr/>
+        </p:nvPicPr>
+        <p:blipFill>
+          <a:blip r:embed="rId2"/>
+          <a:stretch>
+            <a:fillRect/>
+          </a:stretch>
+        </p:blipFill>
+        <p:spPr>
+          <a:xfrm>
+            <a:off x="5430981" y="2361749"/>
+            <a:ext cx="5190837" cy="4227777"/>
+          </a:xfrm>
+          <a:prstGeom prst="rect">
+            <a:avLst/>
+          </a:prstGeom>
+        </p:spPr>
+      </p:pic>
+      <p:sp>
+        <p:nvSpPr>
+          <p:cNvPr id="5" name="TextBox 4"/>
+          <p:cNvSpPr txBox="1"/>
+          <p:nvPr/>
+        </p:nvSpPr>
+        <p:spPr>
+          <a:xfrm>
+            <a:off x="7527636" y="1758341"/>
+            <a:ext cx="2004291" cy="461665"/>
+          </a:xfrm>
+          <a:prstGeom prst="rect">
+            <a:avLst/>
+          </a:prstGeom>
+          <a:noFill/>
+        </p:spPr>
+        <p:txBody>
+          <a:bodyPr wrap="square" rtlCol="0">
+            <a:spAutoFit/>
+          </a:bodyPr>
+          <a:lstStyle/>
+          <a:p>
+            <a:r>
+              <a:rPr lang="en-US" sz="2400" dirty="0" smtClean="0"/>
+              <a:t>Baselines</a:t>
+            </a:r>
+            <a:endParaRPr lang="en-US" sz="2400" dirty="0"/>
+          </a:p>
+        </p:txBody>
+      </p:sp>
+    </p:spTree>
+    <p:extLst>
+      <p:ext uri="{BB962C8B-B14F-4D97-AF65-F5344CB8AC3E}">
+        <p14:creationId xmlns:p14="http://schemas.microsoft.com/office/powerpoint/2010/main" val="964798958"/>
+      </p:ext>
+    </p:extLst>
+  </p:cSld>
+  <p:clrMapOvr>
+    <a:masterClrMapping/>
+  </p:clrMapOvr>
+</p:sld>
+</file>
+
+<file path=ppt/slides/slide12.xml><?xml version="1.0" encoding="utf-8"?>
+<p:sld xmlns:a="http://schemas.openxmlformats.org/drawingml/2006/main" xmlns:r="http://schemas.openxmlformats.org/officeDocument/2006/relationships" xmlns:p="http://schemas.openxmlformats.org/presentationml/2006/main">
+  <p:cSld>
+    <p:spTree>
+      <p:nvGrpSpPr>
+        <p:cNvPr id="1" name=""/>
+        <p:cNvGrpSpPr/>
+        <p:nvPr/>
+      </p:nvGrpSpPr>
+      <p:grpSpPr>
+        <a:xfrm>
+          <a:off x="0" y="0"/>
+          <a:ext cx="0" cy="0"/>
+          <a:chOff x="0" y="0"/>
+          <a:chExt cx="0" cy="0"/>
+        </a:xfrm>
+      </p:grpSpPr>
+      <p:sp>
+        <p:nvSpPr>
+          <p:cNvPr id="2" name="Title 1"/>
+          <p:cNvSpPr>
+            <a:spLocks noGrp="1"/>
+          </p:cNvSpPr>
+          <p:nvPr>
+            <p:ph type="title"/>
+          </p:nvPr>
+        </p:nvSpPr>
+        <p:spPr/>
+        <p:txBody>
+          <a:bodyPr/>
+          <a:lstStyle/>
+          <a:p>
+            <a:r>
+              <a:rPr lang="en-US" dirty="0" smtClean="0"/>
+              <a:t>Sampling without fine tuning</a:t>
+            </a:r>
+            <a:endParaRPr lang="en-US" dirty="0"/>
+          </a:p>
+        </p:txBody>
+      </p:sp>
+      <p:sp>
+        <p:nvSpPr>
+          <p:cNvPr id="3" name="Content Placeholder 2"/>
+          <p:cNvSpPr>
+            <a:spLocks noGrp="1"/>
+          </p:cNvSpPr>
+          <p:nvPr>
+            <p:ph idx="1"/>
+          </p:nvPr>
+        </p:nvSpPr>
+        <p:spPr/>
+        <p:txBody>
+          <a:bodyPr/>
+          <a:lstStyle/>
+          <a:p>
+            <a:r>
+              <a:rPr lang="en-US" dirty="0" smtClean="0"/>
+              <a:t>Up Sampling (SMOTE)</a:t>
+            </a:r>
+          </a:p>
+          <a:p>
+            <a:pPr lvl="1"/>
+            <a:r>
+              <a:rPr lang="en-US" dirty="0" smtClean="0"/>
+              <a:t>F1 Scores:</a:t>
+            </a:r>
+          </a:p>
+          <a:p>
+            <a:pPr lvl="2"/>
+            <a:r>
+              <a:rPr lang="en-US" dirty="0" smtClean="0"/>
+              <a:t>Logistic Regression: 0.38</a:t>
+            </a:r>
+          </a:p>
+          <a:p>
+            <a:pPr lvl="2"/>
+            <a:r>
+              <a:rPr lang="en-US" dirty="0" smtClean="0"/>
+              <a:t>Random Forest: 0.48</a:t>
+            </a:r>
+          </a:p>
+          <a:p>
+            <a:pPr lvl="2"/>
+            <a:r>
+              <a:rPr lang="en-US" dirty="0" smtClean="0"/>
+              <a:t>Support Vector Classifier: 0.42</a:t>
+            </a:r>
+          </a:p>
+          <a:p>
+            <a:r>
+              <a:rPr lang="en-US" dirty="0" smtClean="0"/>
+              <a:t>Under </a:t>
+            </a:r>
+            <a:r>
+              <a:rPr lang="en-US" dirty="0"/>
+              <a:t>Sampling </a:t>
+            </a:r>
+            <a:r>
+              <a:rPr lang="en-US" dirty="0" smtClean="0"/>
+              <a:t>(</a:t>
+            </a:r>
+            <a:r>
+              <a:rPr lang="en-US" dirty="0" err="1" smtClean="0"/>
+              <a:t>Tomek</a:t>
+            </a:r>
+            <a:r>
+              <a:rPr lang="en-US" dirty="0" smtClean="0"/>
+              <a:t>-Links)</a:t>
+            </a:r>
+            <a:endParaRPr lang="en-US" dirty="0"/>
+          </a:p>
+          <a:p>
+            <a:pPr lvl="1"/>
+            <a:r>
+              <a:rPr lang="en-US" dirty="0"/>
+              <a:t>F1 Scores:</a:t>
+            </a:r>
+          </a:p>
+          <a:p>
+            <a:pPr lvl="2"/>
+            <a:r>
+              <a:rPr lang="en-US" dirty="0"/>
+              <a:t>Logistic Regression: </a:t>
+            </a:r>
+            <a:r>
+              <a:rPr lang="en-US" dirty="0" smtClean="0"/>
+              <a:t>0.48</a:t>
+            </a:r>
+            <a:endParaRPr lang="en-US" dirty="0"/>
+          </a:p>
+          <a:p>
+            <a:pPr lvl="2"/>
+            <a:r>
+              <a:rPr lang="en-US" dirty="0"/>
+              <a:t>Random Forest: 0.48</a:t>
+            </a:r>
+          </a:p>
+          <a:p>
+            <a:pPr lvl="2"/>
+            <a:r>
+              <a:rPr lang="en-US" dirty="0"/>
+              <a:t>Support Vector Classifier: </a:t>
+            </a:r>
+            <a:r>
+              <a:rPr lang="en-US" dirty="0" smtClean="0"/>
+              <a:t>0.37</a:t>
+            </a:r>
+          </a:p>
+        </p:txBody>
+      </p:sp>
+    </p:spTree>
+    <p:extLst>
+      <p:ext uri="{BB962C8B-B14F-4D97-AF65-F5344CB8AC3E}">
+        <p14:creationId xmlns:p14="http://schemas.microsoft.com/office/powerpoint/2010/main" val="3906548878"/>
+      </p:ext>
+    </p:extLst>
+  </p:cSld>
+  <p:clrMapOvr>
+    <a:masterClrMapping/>
+  </p:clrMapOvr>
+</p:sld>
+</file>
+
+<file path=ppt/slides/slide13.xml><?xml version="1.0" encoding="utf-8"?>
+<p:sld xmlns:a="http://schemas.openxmlformats.org/drawingml/2006/main" xmlns:r="http://schemas.openxmlformats.org/officeDocument/2006/relationships" xmlns:p="http://schemas.openxmlformats.org/presentationml/2006/main">
+  <p:cSld>
+    <p:spTree>
+      <p:nvGrpSpPr>
+        <p:cNvPr id="1" name=""/>
+        <p:cNvGrpSpPr/>
+        <p:nvPr/>
+      </p:nvGrpSpPr>
+      <p:grpSpPr>
+        <a:xfrm>
+          <a:off x="0" y="0"/>
+          <a:ext cx="0" cy="0"/>
+          <a:chOff x="0" y="0"/>
+          <a:chExt cx="0" cy="0"/>
+        </a:xfrm>
+      </p:grpSpPr>
+      <p:sp>
+        <p:nvSpPr>
+          <p:cNvPr id="2" name="Title 1"/>
+          <p:cNvSpPr>
+            <a:spLocks noGrp="1"/>
+          </p:cNvSpPr>
+          <p:nvPr>
+            <p:ph type="title"/>
+          </p:nvPr>
+        </p:nvSpPr>
+        <p:spPr/>
+        <p:txBody>
+          <a:bodyPr/>
+          <a:lstStyle/>
+          <a:p>
+            <a:r>
+              <a:rPr lang="en-US" dirty="0" smtClean="0"/>
+              <a:t>Random forest with Up Sampling and Fine tuning</a:t>
+            </a:r>
+            <a:endParaRPr lang="en-US" dirty="0"/>
+          </a:p>
+        </p:txBody>
+      </p:sp>
+      <p:sp>
+        <p:nvSpPr>
+          <p:cNvPr id="3" name="Content Placeholder 2"/>
+          <p:cNvSpPr>
+            <a:spLocks noGrp="1"/>
+          </p:cNvSpPr>
+          <p:nvPr>
+            <p:ph idx="1"/>
+          </p:nvPr>
+        </p:nvSpPr>
+        <p:spPr/>
+        <p:txBody>
+          <a:bodyPr>
+            <a:normAutofit/>
+          </a:bodyPr>
+          <a:lstStyle/>
+          <a:p>
+            <a:r>
+              <a:rPr lang="en-US" dirty="0" err="1" smtClean="0"/>
+              <a:t>Ranomized</a:t>
+            </a:r>
+            <a:r>
+              <a:rPr lang="en-US" dirty="0" smtClean="0"/>
+              <a:t> Search Cross Validation</a:t>
+            </a:r>
+          </a:p>
+          <a:p>
+            <a:r>
+              <a:rPr lang="en-US" dirty="0" smtClean="0"/>
+              <a:t>SMOTE</a:t>
+            </a:r>
+          </a:p>
+        </p:txBody>
+      </p:sp>
+      <p:pic>
+        <p:nvPicPr>
+          <p:cNvPr id="4" name="Picture 3"/>
+          <p:cNvPicPr>
+            <a:picLocks noChangeAspect="1"/>
+          </p:cNvPicPr>
+          <p:nvPr/>
+        </p:nvPicPr>
+        <p:blipFill>
+          <a:blip r:embed="rId2"/>
+          <a:stretch>
+            <a:fillRect/>
+          </a:stretch>
+        </p:blipFill>
+        <p:spPr>
+          <a:xfrm>
+            <a:off x="676275" y="3119871"/>
+            <a:ext cx="11515725" cy="3333750"/>
+          </a:xfrm>
+          <a:prstGeom prst="rect">
+            <a:avLst/>
+          </a:prstGeom>
+        </p:spPr>
+      </p:pic>
+    </p:spTree>
+    <p:extLst>
+      <p:ext uri="{BB962C8B-B14F-4D97-AF65-F5344CB8AC3E}">
+        <p14:creationId xmlns:p14="http://schemas.microsoft.com/office/powerpoint/2010/main" val="3709338763"/>
+      </p:ext>
+    </p:extLst>
+  </p:cSld>
+  <p:clrMapOvr>
+    <a:masterClrMapping/>
+  </p:clrMapOvr>
+</p:sld>
+</file>
+
+<file path=ppt/slides/slide14.xml><?xml version="1.0" encoding="utf-8"?>
+<p:sld xmlns:a="http://schemas.openxmlformats.org/drawingml/2006/main" xmlns:r="http://schemas.openxmlformats.org/officeDocument/2006/relationships" xmlns:p="http://schemas.openxmlformats.org/presentationml/2006/main">
+  <p:cSld>
+    <p:spTree>
+      <p:nvGrpSpPr>
+        <p:cNvPr id="1" name=""/>
+        <p:cNvGrpSpPr/>
+        <p:nvPr/>
+      </p:nvGrpSpPr>
+      <p:grpSpPr>
+        <a:xfrm>
+          <a:off x="0" y="0"/>
+          <a:ext cx="0" cy="0"/>
+          <a:chOff x="0" y="0"/>
+          <a:chExt cx="0" cy="0"/>
+        </a:xfrm>
+      </p:grpSpPr>
+      <p:sp>
+        <p:nvSpPr>
+          <p:cNvPr id="2" name="Title 1"/>
+          <p:cNvSpPr>
+            <a:spLocks noGrp="1"/>
+          </p:cNvSpPr>
+          <p:nvPr>
+            <p:ph type="title"/>
+          </p:nvPr>
+        </p:nvSpPr>
+        <p:spPr/>
+        <p:txBody>
+          <a:bodyPr/>
+          <a:lstStyle/>
+          <a:p>
+            <a:r>
+              <a:rPr lang="en-US" dirty="0" smtClean="0"/>
+              <a:t>Cost Analysis</a:t>
+            </a:r>
+            <a:endParaRPr lang="en-US" dirty="0"/>
+          </a:p>
+        </p:txBody>
+      </p:sp>
+      <p:sp>
+        <p:nvSpPr>
+          <p:cNvPr id="3" name="Content Placeholder 2"/>
+          <p:cNvSpPr>
+            <a:spLocks noGrp="1"/>
+          </p:cNvSpPr>
+          <p:nvPr>
+            <p:ph idx="1"/>
+          </p:nvPr>
+        </p:nvSpPr>
+        <p:spPr/>
+        <p:txBody>
+          <a:bodyPr>
+            <a:normAutofit/>
+          </a:bodyPr>
+          <a:lstStyle/>
+          <a:p>
+            <a:r>
+              <a:rPr lang="en-US" sz="1800" dirty="0"/>
+              <a:t>Total Vehicles came for inspection: </a:t>
+            </a:r>
+            <a:r>
+              <a:rPr lang="en-US" sz="1800" dirty="0" smtClean="0"/>
+              <a:t>1156</a:t>
+            </a:r>
+          </a:p>
+          <a:p>
+            <a:r>
+              <a:rPr lang="en-US" sz="1800" dirty="0" smtClean="0"/>
+              <a:t>False Positives: 13</a:t>
+            </a:r>
+          </a:p>
+          <a:p>
+            <a:r>
+              <a:rPr lang="en-US" sz="1800" dirty="0" smtClean="0"/>
+              <a:t>True Positive: 23</a:t>
+            </a:r>
+          </a:p>
+          <a:p>
+            <a:r>
+              <a:rPr lang="en-US" sz="1800" dirty="0" smtClean="0"/>
+              <a:t>False Negatives: 47</a:t>
+            </a:r>
+          </a:p>
+          <a:p>
+            <a:r>
+              <a:rPr lang="en-US" sz="1800" dirty="0" smtClean="0"/>
+              <a:t>True Negatives: 1073</a:t>
+            </a:r>
+          </a:p>
+          <a:p>
+            <a:pPr marL="0" indent="0">
+              <a:buNone/>
+            </a:pPr>
+            <a:endParaRPr lang="en-US" sz="1800" dirty="0" smtClean="0"/>
+          </a:p>
+          <a:p>
+            <a:r>
+              <a:rPr lang="en-US" sz="1800" dirty="0" smtClean="0"/>
+              <a:t>Amount Saved (</a:t>
+            </a:r>
+            <a:r>
+              <a:rPr lang="en-US" sz="1800" dirty="0" err="1" smtClean="0"/>
+              <a:t>AmS</a:t>
+            </a:r>
+            <a:r>
+              <a:rPr lang="en-US" sz="1800" dirty="0" smtClean="0"/>
+              <a:t>): (1073*600) + (23*2600) = </a:t>
+            </a:r>
+            <a:r>
+              <a:rPr lang="en-GB" sz="1800" b="1" dirty="0"/>
+              <a:t>€ </a:t>
+            </a:r>
+            <a:r>
+              <a:rPr lang="en-US" sz="1800" dirty="0" smtClean="0"/>
+              <a:t>703,600</a:t>
+            </a:r>
+          </a:p>
+          <a:p>
+            <a:r>
+              <a:rPr lang="en-US" sz="1800" dirty="0" smtClean="0"/>
+              <a:t>Amount Wasted Technical Action (</a:t>
+            </a:r>
+            <a:r>
+              <a:rPr lang="en-US" sz="1800" dirty="0" err="1" smtClean="0"/>
+              <a:t>AmWT</a:t>
+            </a:r>
+            <a:r>
+              <a:rPr lang="en-US" sz="1800" dirty="0" smtClean="0"/>
+              <a:t>): 13*600 = </a:t>
+            </a:r>
+            <a:r>
+              <a:rPr lang="en-GB" sz="1800" b="1" dirty="0" smtClean="0"/>
+              <a:t>€ </a:t>
+            </a:r>
+            <a:r>
+              <a:rPr lang="en-GB" sz="1800" dirty="0" smtClean="0"/>
+              <a:t>7,800 </a:t>
+            </a:r>
+            <a:r>
+              <a:rPr lang="en-GB" sz="1200" dirty="0" smtClean="0"/>
+              <a:t>( I am assuming vehicle which are flagged damaged will turn out to be non-damage during technical action phase)</a:t>
+            </a:r>
+          </a:p>
+          <a:p>
+            <a:r>
+              <a:rPr lang="en-GB" sz="1800" dirty="0" smtClean="0"/>
+              <a:t>Amount </a:t>
+            </a:r>
+            <a:r>
+              <a:rPr lang="en-GB" sz="1800" dirty="0"/>
+              <a:t>Wasted Technical Action and Repair (</a:t>
+            </a:r>
+            <a:r>
+              <a:rPr lang="en-GB" sz="1800" dirty="0" err="1"/>
+              <a:t>AmWTR</a:t>
+            </a:r>
+            <a:r>
+              <a:rPr lang="en-GB" sz="1800" dirty="0"/>
+              <a:t>): 47*2600 = </a:t>
+            </a:r>
+            <a:r>
+              <a:rPr lang="en-GB" sz="1800" dirty="0"/>
+              <a:t>€ </a:t>
+            </a:r>
+            <a:r>
+              <a:rPr lang="en-GB" sz="1800" dirty="0"/>
+              <a:t>122,200</a:t>
+            </a:r>
+          </a:p>
+          <a:p>
+            <a:r>
+              <a:rPr lang="en-GB" sz="2000" b="1" dirty="0" smtClean="0"/>
+              <a:t>Total Amount Saved: </a:t>
+            </a:r>
+            <a:r>
+              <a:rPr lang="en-GB" sz="2000" dirty="0" err="1" smtClean="0"/>
+              <a:t>AmS</a:t>
+            </a:r>
+            <a:r>
+              <a:rPr lang="en-GB" sz="2000" dirty="0" smtClean="0"/>
+              <a:t> </a:t>
+            </a:r>
+            <a:r>
+              <a:rPr lang="en-AT" sz="2000" dirty="0" smtClean="0"/>
+              <a:t>–</a:t>
+            </a:r>
+            <a:r>
+              <a:rPr lang="en-GB" sz="2000" dirty="0" smtClean="0"/>
+              <a:t> (</a:t>
+            </a:r>
+            <a:r>
+              <a:rPr lang="en-GB" sz="2000" dirty="0" err="1" smtClean="0"/>
+              <a:t>AmWT</a:t>
+            </a:r>
+            <a:r>
+              <a:rPr lang="en-GB" sz="2000" dirty="0" smtClean="0"/>
+              <a:t> + </a:t>
+            </a:r>
+            <a:r>
+              <a:rPr lang="en-GB" sz="2000" dirty="0" err="1" smtClean="0"/>
+              <a:t>AmWTR</a:t>
+            </a:r>
+            <a:r>
+              <a:rPr lang="en-GB" sz="2000" dirty="0" smtClean="0"/>
+              <a:t>) = </a:t>
+            </a:r>
+            <a:r>
+              <a:rPr lang="en-GB" sz="2000" b="1" dirty="0" smtClean="0"/>
+              <a:t>€ 573,600</a:t>
+            </a:r>
+            <a:endParaRPr lang="en-US" sz="2000" dirty="0"/>
+          </a:p>
+        </p:txBody>
+      </p:sp>
+    </p:spTree>
+    <p:extLst>
+      <p:ext uri="{BB962C8B-B14F-4D97-AF65-F5344CB8AC3E}">
+        <p14:creationId xmlns:p14="http://schemas.microsoft.com/office/powerpoint/2010/main" val="3039817953"/>
+      </p:ext>
+    </p:extLst>
+  </p:cSld>
+  <p:clrMapOvr>
+    <a:masterClrMapping/>
+  </p:clrMapOvr>
+</p:sld>
+</file>
+
+<file path=ppt/slides/slide15.xml><?xml version="1.0" encoding="utf-8"?>
 <p:sld xmlns:a="http://schemas.openxmlformats.org/drawingml/2006/main" xmlns:r="http://schemas.openxmlformats.org/officeDocument/2006/relationships" xmlns:p="http://schemas.openxmlformats.org/presentationml/2006/main">
   <p:cSld>
     <p:spTree>
@@ -4297,6 +4403,2789 @@
     <p:extLst>
       <p:ext uri="{BB962C8B-B14F-4D97-AF65-F5344CB8AC3E}">
         <p14:creationId xmlns:p14="http://schemas.microsoft.com/office/powerpoint/2010/main" val="412275791"/>
+      </p:ext>
+    </p:extLst>
+  </p:cSld>
+  <p:clrMapOvr>
+    <a:masterClrMapping/>
+  </p:clrMapOvr>
+</p:sld>
+</file>
+
+<file path=ppt/slides/slide2.xml><?xml version="1.0" encoding="utf-8"?>
+<p:sld xmlns:a="http://schemas.openxmlformats.org/drawingml/2006/main" xmlns:r="http://schemas.openxmlformats.org/officeDocument/2006/relationships" xmlns:p="http://schemas.openxmlformats.org/presentationml/2006/main">
+  <p:cSld>
+    <p:spTree>
+      <p:nvGrpSpPr>
+        <p:cNvPr id="1" name=""/>
+        <p:cNvGrpSpPr/>
+        <p:nvPr/>
+      </p:nvGrpSpPr>
+      <p:grpSpPr>
+        <a:xfrm>
+          <a:off x="0" y="0"/>
+          <a:ext cx="0" cy="0"/>
+          <a:chOff x="0" y="0"/>
+          <a:chExt cx="0" cy="0"/>
+        </a:xfrm>
+      </p:grpSpPr>
+      <p:sp>
+        <p:nvSpPr>
+          <p:cNvPr id="4" name="Rounded Rectangle 3"/>
+          <p:cNvSpPr/>
+          <p:nvPr/>
+        </p:nvSpPr>
+        <p:spPr>
+          <a:xfrm>
+            <a:off x="2623125" y="3140364"/>
+            <a:ext cx="1801091" cy="591128"/>
+          </a:xfrm>
+          <a:prstGeom prst="roundRect">
+            <a:avLst/>
+          </a:prstGeom>
+        </p:spPr>
+        <p:style>
+          <a:lnRef idx="2">
+            <a:schemeClr val="dk1"/>
+          </a:lnRef>
+          <a:fillRef idx="1">
+            <a:schemeClr val="lt1"/>
+          </a:fillRef>
+          <a:effectRef idx="0">
+            <a:schemeClr val="dk1"/>
+          </a:effectRef>
+          <a:fontRef idx="minor">
+            <a:schemeClr val="dk1"/>
+          </a:fontRef>
+        </p:style>
+        <p:txBody>
+          <a:bodyPr rtlCol="0" anchor="ctr"/>
+          <a:lstStyle/>
+          <a:p>
+            <a:pPr algn="ctr"/>
+            <a:r>
+              <a:rPr lang="en-US" dirty="0" smtClean="0"/>
+              <a:t>Data Analysis</a:t>
+            </a:r>
+            <a:endParaRPr lang="en-US" dirty="0"/>
+          </a:p>
+        </p:txBody>
+      </p:sp>
+      <p:cxnSp>
+        <p:nvCxnSpPr>
+          <p:cNvPr id="6" name="Straight Arrow Connector 5"/>
+          <p:cNvCxnSpPr>
+            <a:stCxn id="4" idx="3"/>
+            <a:endCxn id="7" idx="1"/>
+          </p:cNvCxnSpPr>
+          <p:nvPr/>
+        </p:nvCxnSpPr>
+        <p:spPr>
+          <a:xfrm flipV="1">
+            <a:off x="4424216" y="3426692"/>
+            <a:ext cx="1288474" cy="9236"/>
+          </a:xfrm>
+          <a:prstGeom prst="straightConnector1">
+            <a:avLst/>
+          </a:prstGeom>
+          <a:ln>
+            <a:tailEnd type="triangle"/>
+          </a:ln>
+        </p:spPr>
+        <p:style>
+          <a:lnRef idx="1">
+            <a:schemeClr val="dk1"/>
+          </a:lnRef>
+          <a:fillRef idx="0">
+            <a:schemeClr val="dk1"/>
+          </a:fillRef>
+          <a:effectRef idx="0">
+            <a:schemeClr val="dk1"/>
+          </a:effectRef>
+          <a:fontRef idx="minor">
+            <a:schemeClr val="tx1"/>
+          </a:fontRef>
+        </p:style>
+      </p:cxnSp>
+      <p:sp>
+        <p:nvSpPr>
+          <p:cNvPr id="7" name="Rounded Rectangle 6"/>
+          <p:cNvSpPr/>
+          <p:nvPr/>
+        </p:nvSpPr>
+        <p:spPr>
+          <a:xfrm>
+            <a:off x="5712690" y="3131128"/>
+            <a:ext cx="1801091" cy="591128"/>
+          </a:xfrm>
+          <a:prstGeom prst="roundRect">
+            <a:avLst/>
+          </a:prstGeom>
+        </p:spPr>
+        <p:style>
+          <a:lnRef idx="2">
+            <a:schemeClr val="dk1"/>
+          </a:lnRef>
+          <a:fillRef idx="1">
+            <a:schemeClr val="lt1"/>
+          </a:fillRef>
+          <a:effectRef idx="0">
+            <a:schemeClr val="dk1"/>
+          </a:effectRef>
+          <a:fontRef idx="minor">
+            <a:schemeClr val="dk1"/>
+          </a:fontRef>
+        </p:style>
+        <p:txBody>
+          <a:bodyPr rtlCol="0" anchor="ctr"/>
+          <a:lstStyle/>
+          <a:p>
+            <a:pPr algn="ctr"/>
+            <a:r>
+              <a:rPr lang="en-US" dirty="0" smtClean="0"/>
+              <a:t>Modeling</a:t>
+            </a:r>
+            <a:endParaRPr lang="en-US" dirty="0"/>
+          </a:p>
+        </p:txBody>
+      </p:sp>
+      <p:cxnSp>
+        <p:nvCxnSpPr>
+          <p:cNvPr id="11" name="Straight Connector 10"/>
+          <p:cNvCxnSpPr>
+            <a:stCxn id="4" idx="2"/>
+            <a:endCxn id="12" idx="0"/>
+          </p:cNvCxnSpPr>
+          <p:nvPr/>
+        </p:nvCxnSpPr>
+        <p:spPr>
+          <a:xfrm flipH="1">
+            <a:off x="2630054" y="3731492"/>
+            <a:ext cx="893617" cy="591127"/>
+          </a:xfrm>
+          <a:prstGeom prst="line">
+            <a:avLst/>
+          </a:prstGeom>
+        </p:spPr>
+        <p:style>
+          <a:lnRef idx="1">
+            <a:schemeClr val="dk1"/>
+          </a:lnRef>
+          <a:fillRef idx="0">
+            <a:schemeClr val="dk1"/>
+          </a:fillRef>
+          <a:effectRef idx="0">
+            <a:schemeClr val="dk1"/>
+          </a:effectRef>
+          <a:fontRef idx="minor">
+            <a:schemeClr val="tx1"/>
+          </a:fontRef>
+        </p:style>
+      </p:cxnSp>
+      <p:sp>
+        <p:nvSpPr>
+          <p:cNvPr id="12" name="Rounded Rectangle 11"/>
+          <p:cNvSpPr/>
+          <p:nvPr/>
+        </p:nvSpPr>
+        <p:spPr>
+          <a:xfrm>
+            <a:off x="2032000" y="4322619"/>
+            <a:ext cx="1196108" cy="563417"/>
+          </a:xfrm>
+          <a:prstGeom prst="roundRect">
+            <a:avLst/>
+          </a:prstGeom>
+        </p:spPr>
+        <p:style>
+          <a:lnRef idx="2">
+            <a:schemeClr val="dk1"/>
+          </a:lnRef>
+          <a:fillRef idx="1">
+            <a:schemeClr val="lt1"/>
+          </a:fillRef>
+          <a:effectRef idx="0">
+            <a:schemeClr val="dk1"/>
+          </a:effectRef>
+          <a:fontRef idx="minor">
+            <a:schemeClr val="dk1"/>
+          </a:fontRef>
+        </p:style>
+        <p:txBody>
+          <a:bodyPr rtlCol="0" anchor="ctr"/>
+          <a:lstStyle/>
+          <a:p>
+            <a:pPr algn="ctr"/>
+            <a:r>
+              <a:rPr lang="en-US" sz="1400" dirty="0" smtClean="0"/>
+              <a:t>Feature Analysis</a:t>
+            </a:r>
+            <a:endParaRPr lang="en-US" sz="1400" dirty="0"/>
+          </a:p>
+        </p:txBody>
+      </p:sp>
+      <p:cxnSp>
+        <p:nvCxnSpPr>
+          <p:cNvPr id="15" name="Straight Connector 14"/>
+          <p:cNvCxnSpPr>
+            <a:stCxn id="4" idx="2"/>
+            <a:endCxn id="16" idx="0"/>
+          </p:cNvCxnSpPr>
+          <p:nvPr/>
+        </p:nvCxnSpPr>
+        <p:spPr>
+          <a:xfrm>
+            <a:off x="3523671" y="3731492"/>
+            <a:ext cx="651163" cy="591127"/>
+          </a:xfrm>
+          <a:prstGeom prst="line">
+            <a:avLst/>
+          </a:prstGeom>
+        </p:spPr>
+        <p:style>
+          <a:lnRef idx="1">
+            <a:schemeClr val="dk1"/>
+          </a:lnRef>
+          <a:fillRef idx="0">
+            <a:schemeClr val="dk1"/>
+          </a:fillRef>
+          <a:effectRef idx="0">
+            <a:schemeClr val="dk1"/>
+          </a:effectRef>
+          <a:fontRef idx="minor">
+            <a:schemeClr val="tx1"/>
+          </a:fontRef>
+        </p:style>
+      </p:cxnSp>
+      <p:sp>
+        <p:nvSpPr>
+          <p:cNvPr id="16" name="Rounded Rectangle 15"/>
+          <p:cNvSpPr/>
+          <p:nvPr/>
+        </p:nvSpPr>
+        <p:spPr>
+          <a:xfrm>
+            <a:off x="3537522" y="4322619"/>
+            <a:ext cx="1274623" cy="563417"/>
+          </a:xfrm>
+          <a:prstGeom prst="roundRect">
+            <a:avLst/>
+          </a:prstGeom>
+        </p:spPr>
+        <p:style>
+          <a:lnRef idx="2">
+            <a:schemeClr val="dk1"/>
+          </a:lnRef>
+          <a:fillRef idx="1">
+            <a:schemeClr val="lt1"/>
+          </a:fillRef>
+          <a:effectRef idx="0">
+            <a:schemeClr val="dk1"/>
+          </a:effectRef>
+          <a:fontRef idx="minor">
+            <a:schemeClr val="dk1"/>
+          </a:fontRef>
+        </p:style>
+        <p:txBody>
+          <a:bodyPr rtlCol="0" anchor="ctr"/>
+          <a:lstStyle/>
+          <a:p>
+            <a:pPr algn="ctr"/>
+            <a:r>
+              <a:rPr lang="en-US" sz="1400" dirty="0" smtClean="0"/>
+              <a:t>Feature Engineering</a:t>
+            </a:r>
+            <a:endParaRPr lang="en-US" sz="1400" dirty="0"/>
+          </a:p>
+        </p:txBody>
+      </p:sp>
+      <p:cxnSp>
+        <p:nvCxnSpPr>
+          <p:cNvPr id="19" name="Straight Connector 18"/>
+          <p:cNvCxnSpPr>
+            <a:stCxn id="20" idx="2"/>
+            <a:endCxn id="4" idx="0"/>
+          </p:cNvCxnSpPr>
+          <p:nvPr/>
+        </p:nvCxnSpPr>
+        <p:spPr>
+          <a:xfrm>
+            <a:off x="2630054" y="2549237"/>
+            <a:ext cx="893617" cy="591127"/>
+          </a:xfrm>
+          <a:prstGeom prst="line">
+            <a:avLst/>
+          </a:prstGeom>
+        </p:spPr>
+        <p:style>
+          <a:lnRef idx="1">
+            <a:schemeClr val="dk1"/>
+          </a:lnRef>
+          <a:fillRef idx="0">
+            <a:schemeClr val="dk1"/>
+          </a:fillRef>
+          <a:effectRef idx="0">
+            <a:schemeClr val="dk1"/>
+          </a:effectRef>
+          <a:fontRef idx="minor">
+            <a:schemeClr val="tx1"/>
+          </a:fontRef>
+        </p:style>
+      </p:cxnSp>
+      <p:sp>
+        <p:nvSpPr>
+          <p:cNvPr id="20" name="Rounded Rectangle 19"/>
+          <p:cNvSpPr/>
+          <p:nvPr/>
+        </p:nvSpPr>
+        <p:spPr>
+          <a:xfrm>
+            <a:off x="2032000" y="2032000"/>
+            <a:ext cx="1196108" cy="517237"/>
+          </a:xfrm>
+          <a:prstGeom prst="roundRect">
+            <a:avLst/>
+          </a:prstGeom>
+        </p:spPr>
+        <p:style>
+          <a:lnRef idx="2">
+            <a:schemeClr val="dk1"/>
+          </a:lnRef>
+          <a:fillRef idx="1">
+            <a:schemeClr val="lt1"/>
+          </a:fillRef>
+          <a:effectRef idx="0">
+            <a:schemeClr val="dk1"/>
+          </a:effectRef>
+          <a:fontRef idx="minor">
+            <a:schemeClr val="dk1"/>
+          </a:fontRef>
+        </p:style>
+        <p:txBody>
+          <a:bodyPr rtlCol="0" anchor="ctr"/>
+          <a:lstStyle/>
+          <a:p>
+            <a:pPr algn="ctr"/>
+            <a:r>
+              <a:rPr lang="en-US" sz="1400" dirty="0" smtClean="0"/>
+              <a:t>Feature Selection</a:t>
+            </a:r>
+            <a:endParaRPr lang="en-US" sz="1400" dirty="0"/>
+          </a:p>
+        </p:txBody>
+      </p:sp>
+      <p:sp>
+        <p:nvSpPr>
+          <p:cNvPr id="23" name="Rounded Rectangle 22"/>
+          <p:cNvSpPr/>
+          <p:nvPr/>
+        </p:nvSpPr>
+        <p:spPr>
+          <a:xfrm>
+            <a:off x="3537522" y="2032000"/>
+            <a:ext cx="1274623" cy="517237"/>
+          </a:xfrm>
+          <a:prstGeom prst="roundRect">
+            <a:avLst/>
+          </a:prstGeom>
+        </p:spPr>
+        <p:style>
+          <a:lnRef idx="2">
+            <a:schemeClr val="dk1"/>
+          </a:lnRef>
+          <a:fillRef idx="1">
+            <a:schemeClr val="lt1"/>
+          </a:fillRef>
+          <a:effectRef idx="0">
+            <a:schemeClr val="dk1"/>
+          </a:effectRef>
+          <a:fontRef idx="minor">
+            <a:schemeClr val="dk1"/>
+          </a:fontRef>
+        </p:style>
+        <p:txBody>
+          <a:bodyPr rtlCol="0" anchor="ctr"/>
+          <a:lstStyle/>
+          <a:p>
+            <a:pPr algn="ctr"/>
+            <a:r>
+              <a:rPr lang="en-US" sz="1400" dirty="0" smtClean="0"/>
+              <a:t>Data Preprocessing</a:t>
+            </a:r>
+            <a:endParaRPr lang="en-US" sz="1400" dirty="0"/>
+          </a:p>
+        </p:txBody>
+      </p:sp>
+      <p:cxnSp>
+        <p:nvCxnSpPr>
+          <p:cNvPr id="24" name="Straight Connector 23"/>
+          <p:cNvCxnSpPr>
+            <a:stCxn id="23" idx="2"/>
+            <a:endCxn id="4" idx="0"/>
+          </p:cNvCxnSpPr>
+          <p:nvPr/>
+        </p:nvCxnSpPr>
+        <p:spPr>
+          <a:xfrm flipH="1">
+            <a:off x="3523671" y="2549237"/>
+            <a:ext cx="651163" cy="591127"/>
+          </a:xfrm>
+          <a:prstGeom prst="line">
+            <a:avLst/>
+          </a:prstGeom>
+        </p:spPr>
+        <p:style>
+          <a:lnRef idx="1">
+            <a:schemeClr val="dk1"/>
+          </a:lnRef>
+          <a:fillRef idx="0">
+            <a:schemeClr val="dk1"/>
+          </a:fillRef>
+          <a:effectRef idx="0">
+            <a:schemeClr val="dk1"/>
+          </a:effectRef>
+          <a:fontRef idx="minor">
+            <a:schemeClr val="tx1"/>
+          </a:fontRef>
+        </p:style>
+      </p:cxnSp>
+      <p:cxnSp>
+        <p:nvCxnSpPr>
+          <p:cNvPr id="41" name="Straight Connector 40"/>
+          <p:cNvCxnSpPr>
+            <a:endCxn id="42" idx="0"/>
+          </p:cNvCxnSpPr>
+          <p:nvPr/>
+        </p:nvCxnSpPr>
+        <p:spPr>
+          <a:xfrm flipH="1">
+            <a:off x="5705768" y="3731492"/>
+            <a:ext cx="893617" cy="591127"/>
+          </a:xfrm>
+          <a:prstGeom prst="line">
+            <a:avLst/>
+          </a:prstGeom>
+        </p:spPr>
+        <p:style>
+          <a:lnRef idx="1">
+            <a:schemeClr val="dk1"/>
+          </a:lnRef>
+          <a:fillRef idx="0">
+            <a:schemeClr val="dk1"/>
+          </a:fillRef>
+          <a:effectRef idx="0">
+            <a:schemeClr val="dk1"/>
+          </a:effectRef>
+          <a:fontRef idx="minor">
+            <a:schemeClr val="tx1"/>
+          </a:fontRef>
+        </p:style>
+      </p:cxnSp>
+      <p:sp>
+        <p:nvSpPr>
+          <p:cNvPr id="42" name="Rounded Rectangle 41"/>
+          <p:cNvSpPr/>
+          <p:nvPr/>
+        </p:nvSpPr>
+        <p:spPr>
+          <a:xfrm>
+            <a:off x="5107714" y="4322619"/>
+            <a:ext cx="1196108" cy="563417"/>
+          </a:xfrm>
+          <a:prstGeom prst="roundRect">
+            <a:avLst/>
+          </a:prstGeom>
+        </p:spPr>
+        <p:style>
+          <a:lnRef idx="2">
+            <a:schemeClr val="dk1"/>
+          </a:lnRef>
+          <a:fillRef idx="1">
+            <a:schemeClr val="lt1"/>
+          </a:fillRef>
+          <a:effectRef idx="0">
+            <a:schemeClr val="dk1"/>
+          </a:effectRef>
+          <a:fontRef idx="minor">
+            <a:schemeClr val="dk1"/>
+          </a:fontRef>
+        </p:style>
+        <p:txBody>
+          <a:bodyPr rtlCol="0" anchor="ctr"/>
+          <a:lstStyle/>
+          <a:p>
+            <a:pPr algn="ctr"/>
+            <a:r>
+              <a:rPr lang="en-US" sz="1400" dirty="0" smtClean="0"/>
+              <a:t>Model Training</a:t>
+            </a:r>
+            <a:endParaRPr lang="en-US" sz="1400" dirty="0"/>
+          </a:p>
+        </p:txBody>
+      </p:sp>
+      <p:cxnSp>
+        <p:nvCxnSpPr>
+          <p:cNvPr id="43" name="Straight Connector 42"/>
+          <p:cNvCxnSpPr>
+            <a:endCxn id="44" idx="0"/>
+          </p:cNvCxnSpPr>
+          <p:nvPr/>
+        </p:nvCxnSpPr>
+        <p:spPr>
+          <a:xfrm>
+            <a:off x="6599385" y="3731492"/>
+            <a:ext cx="651163" cy="591127"/>
+          </a:xfrm>
+          <a:prstGeom prst="line">
+            <a:avLst/>
+          </a:prstGeom>
+        </p:spPr>
+        <p:style>
+          <a:lnRef idx="1">
+            <a:schemeClr val="dk1"/>
+          </a:lnRef>
+          <a:fillRef idx="0">
+            <a:schemeClr val="dk1"/>
+          </a:fillRef>
+          <a:effectRef idx="0">
+            <a:schemeClr val="dk1"/>
+          </a:effectRef>
+          <a:fontRef idx="minor">
+            <a:schemeClr val="tx1"/>
+          </a:fontRef>
+        </p:style>
+      </p:cxnSp>
+      <p:sp>
+        <p:nvSpPr>
+          <p:cNvPr id="44" name="Rounded Rectangle 43"/>
+          <p:cNvSpPr/>
+          <p:nvPr/>
+        </p:nvSpPr>
+        <p:spPr>
+          <a:xfrm>
+            <a:off x="6613236" y="4322619"/>
+            <a:ext cx="1274623" cy="563417"/>
+          </a:xfrm>
+          <a:prstGeom prst="roundRect">
+            <a:avLst/>
+          </a:prstGeom>
+        </p:spPr>
+        <p:style>
+          <a:lnRef idx="2">
+            <a:schemeClr val="dk1"/>
+          </a:lnRef>
+          <a:fillRef idx="1">
+            <a:schemeClr val="lt1"/>
+          </a:fillRef>
+          <a:effectRef idx="0">
+            <a:schemeClr val="dk1"/>
+          </a:effectRef>
+          <a:fontRef idx="minor">
+            <a:schemeClr val="dk1"/>
+          </a:fontRef>
+        </p:style>
+        <p:txBody>
+          <a:bodyPr rtlCol="0" anchor="ctr"/>
+          <a:lstStyle/>
+          <a:p>
+            <a:pPr algn="ctr"/>
+            <a:r>
+              <a:rPr lang="en-US" sz="1400" dirty="0" err="1" smtClean="0"/>
+              <a:t>Hyperparams</a:t>
+            </a:r>
+            <a:endParaRPr lang="en-US" sz="1400" dirty="0" smtClean="0"/>
+          </a:p>
+          <a:p>
+            <a:pPr algn="ctr"/>
+            <a:r>
+              <a:rPr lang="en-US" sz="1400" dirty="0" smtClean="0"/>
+              <a:t>Optimization</a:t>
+            </a:r>
+            <a:endParaRPr lang="en-US" sz="1400" dirty="0"/>
+          </a:p>
+        </p:txBody>
+      </p:sp>
+      <p:sp>
+        <p:nvSpPr>
+          <p:cNvPr id="45" name="Rounded Rectangle 44"/>
+          <p:cNvSpPr/>
+          <p:nvPr/>
+        </p:nvSpPr>
+        <p:spPr>
+          <a:xfrm>
+            <a:off x="5107714" y="2022764"/>
+            <a:ext cx="1196108" cy="517237"/>
+          </a:xfrm>
+          <a:prstGeom prst="roundRect">
+            <a:avLst/>
+          </a:prstGeom>
+        </p:spPr>
+        <p:style>
+          <a:lnRef idx="2">
+            <a:schemeClr val="dk1"/>
+          </a:lnRef>
+          <a:fillRef idx="1">
+            <a:schemeClr val="lt1"/>
+          </a:fillRef>
+          <a:effectRef idx="0">
+            <a:schemeClr val="dk1"/>
+          </a:effectRef>
+          <a:fontRef idx="minor">
+            <a:schemeClr val="dk1"/>
+          </a:fontRef>
+        </p:style>
+        <p:txBody>
+          <a:bodyPr rtlCol="0" anchor="ctr"/>
+          <a:lstStyle/>
+          <a:p>
+            <a:pPr algn="ctr"/>
+            <a:r>
+              <a:rPr lang="en-US" sz="1400" dirty="0" smtClean="0"/>
+              <a:t>Model Comparison</a:t>
+            </a:r>
+            <a:endParaRPr lang="en-US" sz="1400" dirty="0"/>
+          </a:p>
+        </p:txBody>
+      </p:sp>
+      <p:sp>
+        <p:nvSpPr>
+          <p:cNvPr id="46" name="Rounded Rectangle 45"/>
+          <p:cNvSpPr/>
+          <p:nvPr/>
+        </p:nvSpPr>
+        <p:spPr>
+          <a:xfrm>
+            <a:off x="6613236" y="2022764"/>
+            <a:ext cx="1274623" cy="517237"/>
+          </a:xfrm>
+          <a:prstGeom prst="roundRect">
+            <a:avLst/>
+          </a:prstGeom>
+        </p:spPr>
+        <p:style>
+          <a:lnRef idx="2">
+            <a:schemeClr val="dk1"/>
+          </a:lnRef>
+          <a:fillRef idx="1">
+            <a:schemeClr val="lt1"/>
+          </a:fillRef>
+          <a:effectRef idx="0">
+            <a:schemeClr val="dk1"/>
+          </a:effectRef>
+          <a:fontRef idx="minor">
+            <a:schemeClr val="dk1"/>
+          </a:fontRef>
+        </p:style>
+        <p:txBody>
+          <a:bodyPr rtlCol="0" anchor="ctr"/>
+          <a:lstStyle/>
+          <a:p>
+            <a:pPr algn="ctr"/>
+            <a:r>
+              <a:rPr lang="en-US" sz="1400" dirty="0" smtClean="0"/>
+              <a:t>Model Selection</a:t>
+            </a:r>
+            <a:endParaRPr lang="en-US" sz="1400" dirty="0"/>
+          </a:p>
+        </p:txBody>
+      </p:sp>
+      <p:cxnSp>
+        <p:nvCxnSpPr>
+          <p:cNvPr id="48" name="Straight Connector 47"/>
+          <p:cNvCxnSpPr/>
+          <p:nvPr/>
+        </p:nvCxnSpPr>
+        <p:spPr>
+          <a:xfrm>
+            <a:off x="5736935" y="2535383"/>
+            <a:ext cx="893617" cy="591127"/>
+          </a:xfrm>
+          <a:prstGeom prst="line">
+            <a:avLst/>
+          </a:prstGeom>
+        </p:spPr>
+        <p:style>
+          <a:lnRef idx="1">
+            <a:schemeClr val="dk1"/>
+          </a:lnRef>
+          <a:fillRef idx="0">
+            <a:schemeClr val="dk1"/>
+          </a:fillRef>
+          <a:effectRef idx="0">
+            <a:schemeClr val="dk1"/>
+          </a:effectRef>
+          <a:fontRef idx="minor">
+            <a:schemeClr val="tx1"/>
+          </a:fontRef>
+        </p:style>
+      </p:cxnSp>
+      <p:cxnSp>
+        <p:nvCxnSpPr>
+          <p:cNvPr id="49" name="Straight Connector 48"/>
+          <p:cNvCxnSpPr/>
+          <p:nvPr/>
+        </p:nvCxnSpPr>
+        <p:spPr>
+          <a:xfrm flipH="1">
+            <a:off x="6630552" y="2535383"/>
+            <a:ext cx="651163" cy="591127"/>
+          </a:xfrm>
+          <a:prstGeom prst="line">
+            <a:avLst/>
+          </a:prstGeom>
+        </p:spPr>
+        <p:style>
+          <a:lnRef idx="1">
+            <a:schemeClr val="dk1"/>
+          </a:lnRef>
+          <a:fillRef idx="0">
+            <a:schemeClr val="dk1"/>
+          </a:fillRef>
+          <a:effectRef idx="0">
+            <a:schemeClr val="dk1"/>
+          </a:effectRef>
+          <a:fontRef idx="minor">
+            <a:schemeClr val="tx1"/>
+          </a:fontRef>
+        </p:style>
+      </p:cxnSp>
+      <p:cxnSp>
+        <p:nvCxnSpPr>
+          <p:cNvPr id="52" name="Straight Arrow Connector 51"/>
+          <p:cNvCxnSpPr>
+            <a:endCxn id="53" idx="1"/>
+          </p:cNvCxnSpPr>
+          <p:nvPr/>
+        </p:nvCxnSpPr>
+        <p:spPr>
+          <a:xfrm flipV="1">
+            <a:off x="7513781" y="3417456"/>
+            <a:ext cx="1288474" cy="9236"/>
+          </a:xfrm>
+          <a:prstGeom prst="straightConnector1">
+            <a:avLst/>
+          </a:prstGeom>
+          <a:ln>
+            <a:tailEnd type="triangle"/>
+          </a:ln>
+        </p:spPr>
+        <p:style>
+          <a:lnRef idx="1">
+            <a:schemeClr val="dk1"/>
+          </a:lnRef>
+          <a:fillRef idx="0">
+            <a:schemeClr val="dk1"/>
+          </a:fillRef>
+          <a:effectRef idx="0">
+            <a:schemeClr val="dk1"/>
+          </a:effectRef>
+          <a:fontRef idx="minor">
+            <a:schemeClr val="tx1"/>
+          </a:fontRef>
+        </p:style>
+      </p:cxnSp>
+      <p:sp>
+        <p:nvSpPr>
+          <p:cNvPr id="53" name="Rounded Rectangle 52"/>
+          <p:cNvSpPr/>
+          <p:nvPr/>
+        </p:nvSpPr>
+        <p:spPr>
+          <a:xfrm>
+            <a:off x="8802255" y="3121892"/>
+            <a:ext cx="1801091" cy="591128"/>
+          </a:xfrm>
+          <a:prstGeom prst="roundRect">
+            <a:avLst/>
+          </a:prstGeom>
+        </p:spPr>
+        <p:style>
+          <a:lnRef idx="2">
+            <a:schemeClr val="dk1"/>
+          </a:lnRef>
+          <a:fillRef idx="1">
+            <a:schemeClr val="lt1"/>
+          </a:fillRef>
+          <a:effectRef idx="0">
+            <a:schemeClr val="dk1"/>
+          </a:effectRef>
+          <a:fontRef idx="minor">
+            <a:schemeClr val="dk1"/>
+          </a:fontRef>
+        </p:style>
+        <p:txBody>
+          <a:bodyPr rtlCol="0" anchor="ctr"/>
+          <a:lstStyle/>
+          <a:p>
+            <a:pPr algn="ctr"/>
+            <a:r>
+              <a:rPr lang="en-US" dirty="0" smtClean="0"/>
+              <a:t>Model Save</a:t>
+            </a:r>
+            <a:endParaRPr lang="en-US" dirty="0"/>
+          </a:p>
+        </p:txBody>
+      </p:sp>
+      <p:sp>
+        <p:nvSpPr>
+          <p:cNvPr id="54" name="TextBox 53"/>
+          <p:cNvSpPr txBox="1"/>
+          <p:nvPr/>
+        </p:nvSpPr>
+        <p:spPr>
+          <a:xfrm>
+            <a:off x="785094" y="619220"/>
+            <a:ext cx="11296073" cy="707886"/>
+          </a:xfrm>
+          <a:prstGeom prst="rect">
+            <a:avLst/>
+          </a:prstGeom>
+          <a:noFill/>
+        </p:spPr>
+        <p:txBody>
+          <a:bodyPr wrap="square" rtlCol="0">
+            <a:spAutoFit/>
+          </a:bodyPr>
+          <a:lstStyle/>
+          <a:p>
+            <a:r>
+              <a:rPr lang="en-US" sz="4000" dirty="0">
+                <a:latin typeface="+mj-lt"/>
+                <a:ea typeface="+mj-ea"/>
+                <a:cs typeface="+mj-cs"/>
+              </a:rPr>
+              <a:t>Data Analysis &amp; Model Development</a:t>
+            </a:r>
+          </a:p>
+        </p:txBody>
+      </p:sp>
+    </p:spTree>
+    <p:extLst>
+      <p:ext uri="{BB962C8B-B14F-4D97-AF65-F5344CB8AC3E}">
+        <p14:creationId xmlns:p14="http://schemas.microsoft.com/office/powerpoint/2010/main" val="1475865652"/>
+      </p:ext>
+    </p:extLst>
+  </p:cSld>
+  <p:clrMapOvr>
+    <a:masterClrMapping/>
+  </p:clrMapOvr>
+</p:sld>
+</file>
+
+<file path=ppt/slides/slide3.xml><?xml version="1.0" encoding="utf-8"?>
+<p:sld xmlns:a="http://schemas.openxmlformats.org/drawingml/2006/main" xmlns:r="http://schemas.openxmlformats.org/officeDocument/2006/relationships" xmlns:p="http://schemas.openxmlformats.org/presentationml/2006/main">
+  <p:cSld>
+    <p:spTree>
+      <p:nvGrpSpPr>
+        <p:cNvPr id="1" name=""/>
+        <p:cNvGrpSpPr/>
+        <p:nvPr/>
+      </p:nvGrpSpPr>
+      <p:grpSpPr>
+        <a:xfrm>
+          <a:off x="0" y="0"/>
+          <a:ext cx="0" cy="0"/>
+          <a:chOff x="0" y="0"/>
+          <a:chExt cx="0" cy="0"/>
+        </a:xfrm>
+      </p:grpSpPr>
+      <p:sp>
+        <p:nvSpPr>
+          <p:cNvPr id="2" name="Title 1"/>
+          <p:cNvSpPr>
+            <a:spLocks noGrp="1"/>
+          </p:cNvSpPr>
+          <p:nvPr>
+            <p:ph type="title"/>
+          </p:nvPr>
+        </p:nvSpPr>
+        <p:spPr/>
+        <p:txBody>
+          <a:bodyPr/>
+          <a:lstStyle/>
+          <a:p>
+            <a:r>
+              <a:rPr lang="en-US" dirty="0" smtClean="0"/>
+              <a:t>Data Analysis</a:t>
+            </a:r>
+            <a:endParaRPr lang="en-US" dirty="0"/>
+          </a:p>
+        </p:txBody>
+      </p:sp>
+      <p:pic>
+        <p:nvPicPr>
+          <p:cNvPr id="4" name="Content Placeholder 3"/>
+          <p:cNvPicPr>
+            <a:picLocks noGrp="1" noChangeAspect="1"/>
+          </p:cNvPicPr>
+          <p:nvPr>
+            <p:ph idx="1"/>
+          </p:nvPr>
+        </p:nvPicPr>
+        <p:blipFill>
+          <a:blip r:embed="rId2"/>
+          <a:stretch>
+            <a:fillRect/>
+          </a:stretch>
+        </p:blipFill>
+        <p:spPr>
+          <a:xfrm>
+            <a:off x="645819" y="1690688"/>
+            <a:ext cx="4026517" cy="3934257"/>
+          </a:xfrm>
+          <a:prstGeom prst="rect">
+            <a:avLst/>
+          </a:prstGeom>
+        </p:spPr>
+      </p:pic>
+      <p:sp>
+        <p:nvSpPr>
+          <p:cNvPr id="5" name="TextBox 4"/>
+          <p:cNvSpPr txBox="1"/>
+          <p:nvPr/>
+        </p:nvSpPr>
+        <p:spPr>
+          <a:xfrm>
+            <a:off x="645819" y="5624945"/>
+            <a:ext cx="4996873" cy="646331"/>
+          </a:xfrm>
+          <a:prstGeom prst="rect">
+            <a:avLst/>
+          </a:prstGeom>
+          <a:noFill/>
+        </p:spPr>
+        <p:txBody>
+          <a:bodyPr wrap="square" rtlCol="0">
+            <a:spAutoFit/>
+          </a:bodyPr>
+          <a:lstStyle/>
+          <a:p>
+            <a:pPr marL="285750" indent="-285750">
+              <a:buFont typeface="Arial" panose="020B0604020202020204" pitchFamily="34" charset="0"/>
+              <a:buChar char="•"/>
+            </a:pPr>
+            <a:r>
+              <a:rPr lang="en-US" dirty="0" smtClean="0"/>
+              <a:t>Highly imbalanced dataset</a:t>
+            </a:r>
+          </a:p>
+          <a:p>
+            <a:pPr marL="285750" indent="-285750">
+              <a:buFont typeface="Arial" panose="020B0604020202020204" pitchFamily="34" charset="0"/>
+              <a:buChar char="•"/>
+            </a:pPr>
+            <a:r>
+              <a:rPr lang="en-US" dirty="0" smtClean="0"/>
+              <a:t>5.82% data available for damage class</a:t>
+            </a:r>
+            <a:endParaRPr lang="en-US" dirty="0"/>
+          </a:p>
+        </p:txBody>
+      </p:sp>
+      <p:pic>
+        <p:nvPicPr>
+          <p:cNvPr id="6" name="Picture 5"/>
+          <p:cNvPicPr>
+            <a:picLocks noChangeAspect="1"/>
+          </p:cNvPicPr>
+          <p:nvPr/>
+        </p:nvPicPr>
+        <p:blipFill>
+          <a:blip r:embed="rId3"/>
+          <a:stretch>
+            <a:fillRect/>
+          </a:stretch>
+        </p:blipFill>
+        <p:spPr>
+          <a:xfrm>
+            <a:off x="4861384" y="1403927"/>
+            <a:ext cx="7330616" cy="3879273"/>
+          </a:xfrm>
+          <a:prstGeom prst="rect">
+            <a:avLst/>
+          </a:prstGeom>
+        </p:spPr>
+      </p:pic>
+      <p:sp>
+        <p:nvSpPr>
+          <p:cNvPr id="7" name="Content Placeholder 2"/>
+          <p:cNvSpPr txBox="1">
+            <a:spLocks/>
+          </p:cNvSpPr>
+          <p:nvPr/>
+        </p:nvSpPr>
+        <p:spPr>
+          <a:xfrm>
+            <a:off x="5079999" y="5624945"/>
+            <a:ext cx="5772728" cy="983818"/>
+          </a:xfrm>
+          <a:prstGeom prst="rect">
+            <a:avLst/>
+          </a:prstGeom>
+        </p:spPr>
+        <p:txBody>
+          <a:bodyPr vert="horz" lIns="91440" tIns="45720" rIns="91440" bIns="45720" rtlCol="0">
+            <a:normAutofit/>
+          </a:bodyPr>
+          <a:lstStyle>
+            <a:lvl1pPr marL="228600" indent="-228600" algn="l" defTabSz="914400" rtl="0" eaLnBrk="1" latinLnBrk="0" hangingPunct="1">
+              <a:lnSpc>
+                <a:spcPct val="90000"/>
+              </a:lnSpc>
+              <a:spcBef>
+                <a:spcPts val="1000"/>
+              </a:spcBef>
+              <a:buFont typeface="Arial" panose="020B0604020202020204" pitchFamily="34" charset="0"/>
+              <a:buChar char="•"/>
+              <a:defRPr sz="2800" kern="1200">
+                <a:solidFill>
+                  <a:schemeClr val="tx1"/>
+                </a:solidFill>
+                <a:latin typeface="+mn-lt"/>
+                <a:ea typeface="+mn-ea"/>
+                <a:cs typeface="+mn-cs"/>
+              </a:defRPr>
+            </a:lvl1pPr>
+            <a:lvl2pPr marL="685800" indent="-228600" algn="l" defTabSz="914400" rtl="0" eaLnBrk="1" latinLnBrk="0" hangingPunct="1">
+              <a:lnSpc>
+                <a:spcPct val="90000"/>
+              </a:lnSpc>
+              <a:spcBef>
+                <a:spcPts val="500"/>
+              </a:spcBef>
+              <a:buFont typeface="Arial" panose="020B0604020202020204" pitchFamily="34" charset="0"/>
+              <a:buChar char="•"/>
+              <a:defRPr sz="2400" kern="1200">
+                <a:solidFill>
+                  <a:schemeClr val="tx1"/>
+                </a:solidFill>
+                <a:latin typeface="+mn-lt"/>
+                <a:ea typeface="+mn-ea"/>
+                <a:cs typeface="+mn-cs"/>
+              </a:defRPr>
+            </a:lvl2pPr>
+            <a:lvl3pPr marL="1143000" indent="-228600" algn="l" defTabSz="914400" rtl="0" eaLnBrk="1" latinLnBrk="0" hangingPunct="1">
+              <a:lnSpc>
+                <a:spcPct val="90000"/>
+              </a:lnSpc>
+              <a:spcBef>
+                <a:spcPts val="500"/>
+              </a:spcBef>
+              <a:buFont typeface="Arial" panose="020B0604020202020204" pitchFamily="34" charset="0"/>
+              <a:buChar char="•"/>
+              <a:defRPr sz="2000" kern="1200">
+                <a:solidFill>
+                  <a:schemeClr val="tx1"/>
+                </a:solidFill>
+                <a:latin typeface="+mn-lt"/>
+                <a:ea typeface="+mn-ea"/>
+                <a:cs typeface="+mn-cs"/>
+              </a:defRPr>
+            </a:lvl3pPr>
+            <a:lvl4pPr marL="1600200" indent="-228600" algn="l" defTabSz="914400" rtl="0" eaLnBrk="1" latinLnBrk="0" hangingPunct="1">
+              <a:lnSpc>
+                <a:spcPct val="90000"/>
+              </a:lnSpc>
+              <a:spcBef>
+                <a:spcPts val="500"/>
+              </a:spcBef>
+              <a:buFont typeface="Arial" panose="020B0604020202020204" pitchFamily="34" charset="0"/>
+              <a:buChar char="•"/>
+              <a:defRPr sz="1800" kern="1200">
+                <a:solidFill>
+                  <a:schemeClr val="tx1"/>
+                </a:solidFill>
+                <a:latin typeface="+mn-lt"/>
+                <a:ea typeface="+mn-ea"/>
+                <a:cs typeface="+mn-cs"/>
+              </a:defRPr>
+            </a:lvl4pPr>
+            <a:lvl5pPr marL="2057400" indent="-228600" algn="l" defTabSz="914400" rtl="0" eaLnBrk="1" latinLnBrk="0" hangingPunct="1">
+              <a:lnSpc>
+                <a:spcPct val="90000"/>
+              </a:lnSpc>
+              <a:spcBef>
+                <a:spcPts val="500"/>
+              </a:spcBef>
+              <a:buFont typeface="Arial" panose="020B0604020202020204" pitchFamily="34" charset="0"/>
+              <a:buChar char="•"/>
+              <a:defRPr sz="1800" kern="1200">
+                <a:solidFill>
+                  <a:schemeClr val="tx1"/>
+                </a:solidFill>
+                <a:latin typeface="+mn-lt"/>
+                <a:ea typeface="+mn-ea"/>
+                <a:cs typeface="+mn-cs"/>
+              </a:defRPr>
+            </a:lvl5pPr>
+            <a:lvl6pPr marL="2514600" indent="-228600" algn="l" defTabSz="914400" rtl="0" eaLnBrk="1" latinLnBrk="0" hangingPunct="1">
+              <a:lnSpc>
+                <a:spcPct val="90000"/>
+              </a:lnSpc>
+              <a:spcBef>
+                <a:spcPts val="500"/>
+              </a:spcBef>
+              <a:buFont typeface="Arial" panose="020B0604020202020204" pitchFamily="34" charset="0"/>
+              <a:buChar char="•"/>
+              <a:defRPr sz="1800" kern="1200">
+                <a:solidFill>
+                  <a:schemeClr val="tx1"/>
+                </a:solidFill>
+                <a:latin typeface="+mn-lt"/>
+                <a:ea typeface="+mn-ea"/>
+                <a:cs typeface="+mn-cs"/>
+              </a:defRPr>
+            </a:lvl6pPr>
+            <a:lvl7pPr marL="2971800" indent="-228600" algn="l" defTabSz="914400" rtl="0" eaLnBrk="1" latinLnBrk="0" hangingPunct="1">
+              <a:lnSpc>
+                <a:spcPct val="90000"/>
+              </a:lnSpc>
+              <a:spcBef>
+                <a:spcPts val="500"/>
+              </a:spcBef>
+              <a:buFont typeface="Arial" panose="020B0604020202020204" pitchFamily="34" charset="0"/>
+              <a:buChar char="•"/>
+              <a:defRPr sz="1800" kern="1200">
+                <a:solidFill>
+                  <a:schemeClr val="tx1"/>
+                </a:solidFill>
+                <a:latin typeface="+mn-lt"/>
+                <a:ea typeface="+mn-ea"/>
+                <a:cs typeface="+mn-cs"/>
+              </a:defRPr>
+            </a:lvl7pPr>
+            <a:lvl8pPr marL="3429000" indent="-228600" algn="l" defTabSz="914400" rtl="0" eaLnBrk="1" latinLnBrk="0" hangingPunct="1">
+              <a:lnSpc>
+                <a:spcPct val="90000"/>
+              </a:lnSpc>
+              <a:spcBef>
+                <a:spcPts val="500"/>
+              </a:spcBef>
+              <a:buFont typeface="Arial" panose="020B0604020202020204" pitchFamily="34" charset="0"/>
+              <a:buChar char="•"/>
+              <a:defRPr sz="1800" kern="1200">
+                <a:solidFill>
+                  <a:schemeClr val="tx1"/>
+                </a:solidFill>
+                <a:latin typeface="+mn-lt"/>
+                <a:ea typeface="+mn-ea"/>
+                <a:cs typeface="+mn-cs"/>
+              </a:defRPr>
+            </a:lvl8pPr>
+            <a:lvl9pPr marL="3886200" indent="-228600" algn="l" defTabSz="914400" rtl="0" eaLnBrk="1" latinLnBrk="0" hangingPunct="1">
+              <a:lnSpc>
+                <a:spcPct val="90000"/>
+              </a:lnSpc>
+              <a:spcBef>
+                <a:spcPts val="500"/>
+              </a:spcBef>
+              <a:buFont typeface="Arial" panose="020B0604020202020204" pitchFamily="34" charset="0"/>
+              <a:buChar char="•"/>
+              <a:defRPr sz="1800" kern="1200">
+                <a:solidFill>
+                  <a:schemeClr val="tx1"/>
+                </a:solidFill>
+                <a:latin typeface="+mn-lt"/>
+                <a:ea typeface="+mn-ea"/>
+                <a:cs typeface="+mn-cs"/>
+              </a:defRPr>
+            </a:lvl9pPr>
+          </a:lstStyle>
+          <a:p>
+            <a:r>
+              <a:rPr lang="en-US" sz="1600" dirty="0" smtClean="0"/>
+              <a:t>More than 90% of the data is missing for REPAIR_DATE and TACHOMETER_IN_KM variables</a:t>
+            </a:r>
+          </a:p>
+          <a:p>
+            <a:r>
+              <a:rPr lang="en-US" sz="1600" dirty="0" smtClean="0"/>
+              <a:t>No duplicate records</a:t>
+            </a:r>
+            <a:endParaRPr lang="en-US" sz="1600" dirty="0"/>
+          </a:p>
+        </p:txBody>
+      </p:sp>
+    </p:spTree>
+    <p:extLst>
+      <p:ext uri="{BB962C8B-B14F-4D97-AF65-F5344CB8AC3E}">
+        <p14:creationId xmlns:p14="http://schemas.microsoft.com/office/powerpoint/2010/main" val="2933806375"/>
+      </p:ext>
+    </p:extLst>
+  </p:cSld>
+  <p:clrMapOvr>
+    <a:masterClrMapping/>
+  </p:clrMapOvr>
+</p:sld>
+</file>
+
+<file path=ppt/slides/slide4.xml><?xml version="1.0" encoding="utf-8"?>
+<p:sld xmlns:a="http://schemas.openxmlformats.org/drawingml/2006/main" xmlns:r="http://schemas.openxmlformats.org/officeDocument/2006/relationships" xmlns:p="http://schemas.openxmlformats.org/presentationml/2006/main">
+  <p:cSld>
+    <p:spTree>
+      <p:nvGrpSpPr>
+        <p:cNvPr id="1" name=""/>
+        <p:cNvGrpSpPr/>
+        <p:nvPr/>
+      </p:nvGrpSpPr>
+      <p:grpSpPr>
+        <a:xfrm>
+          <a:off x="0" y="0"/>
+          <a:ext cx="0" cy="0"/>
+          <a:chOff x="0" y="0"/>
+          <a:chExt cx="0" cy="0"/>
+        </a:xfrm>
+      </p:grpSpPr>
+      <p:sp>
+        <p:nvSpPr>
+          <p:cNvPr id="2" name="Title 1"/>
+          <p:cNvSpPr>
+            <a:spLocks noGrp="1"/>
+          </p:cNvSpPr>
+          <p:nvPr>
+            <p:ph type="title"/>
+          </p:nvPr>
+        </p:nvSpPr>
+        <p:spPr/>
+        <p:txBody>
+          <a:bodyPr/>
+          <a:lstStyle/>
+          <a:p>
+            <a:r>
+              <a:rPr lang="en-US" dirty="0" smtClean="0"/>
+              <a:t>Data Variance</a:t>
+            </a:r>
+            <a:endParaRPr lang="en-US" dirty="0"/>
+          </a:p>
+        </p:txBody>
+      </p:sp>
+      <p:sp>
+        <p:nvSpPr>
+          <p:cNvPr id="5" name="Content Placeholder 4"/>
+          <p:cNvSpPr>
+            <a:spLocks noGrp="1"/>
+          </p:cNvSpPr>
+          <p:nvPr>
+            <p:ph idx="1"/>
+          </p:nvPr>
+        </p:nvSpPr>
+        <p:spPr>
+          <a:xfrm>
+            <a:off x="7354439" y="1795716"/>
+            <a:ext cx="3733800" cy="2674684"/>
+          </a:xfrm>
+        </p:spPr>
+        <p:txBody>
+          <a:bodyPr>
+            <a:normAutofit/>
+          </a:bodyPr>
+          <a:lstStyle/>
+          <a:p>
+            <a:r>
+              <a:rPr lang="en-US" sz="2000" dirty="0" smtClean="0"/>
+              <a:t>Variance is low for various features, e.g., EngSpDist_K14, AmbTempDist_K1, etc.</a:t>
+            </a:r>
+          </a:p>
+          <a:p>
+            <a:r>
+              <a:rPr lang="en-US" sz="2000" dirty="0" smtClean="0"/>
+              <a:t>Cut off at AmbTempDist_K4</a:t>
+            </a:r>
+            <a:endParaRPr lang="en-US" sz="2000" dirty="0"/>
+          </a:p>
+        </p:txBody>
+      </p:sp>
+      <p:pic>
+        <p:nvPicPr>
+          <p:cNvPr id="6" name="Picture 5"/>
+          <p:cNvPicPr>
+            <a:picLocks noChangeAspect="1"/>
+          </p:cNvPicPr>
+          <p:nvPr/>
+        </p:nvPicPr>
+        <p:blipFill>
+          <a:blip r:embed="rId2"/>
+          <a:stretch>
+            <a:fillRect/>
+          </a:stretch>
+        </p:blipFill>
+        <p:spPr>
+          <a:xfrm>
+            <a:off x="838200" y="1610808"/>
+            <a:ext cx="6250678" cy="2631064"/>
+          </a:xfrm>
+          <a:prstGeom prst="rect">
+            <a:avLst/>
+          </a:prstGeom>
+        </p:spPr>
+      </p:pic>
+      <p:pic>
+        <p:nvPicPr>
+          <p:cNvPr id="8" name="Picture 7"/>
+          <p:cNvPicPr>
+            <a:picLocks noChangeAspect="1"/>
+          </p:cNvPicPr>
+          <p:nvPr/>
+        </p:nvPicPr>
+        <p:blipFill>
+          <a:blip r:embed="rId3"/>
+          <a:stretch>
+            <a:fillRect/>
+          </a:stretch>
+        </p:blipFill>
+        <p:spPr>
+          <a:xfrm>
+            <a:off x="838200" y="4246387"/>
+            <a:ext cx="6250678" cy="2534997"/>
+          </a:xfrm>
+          <a:prstGeom prst="rect">
+            <a:avLst/>
+          </a:prstGeom>
+        </p:spPr>
+      </p:pic>
+    </p:spTree>
+    <p:extLst>
+      <p:ext uri="{BB962C8B-B14F-4D97-AF65-F5344CB8AC3E}">
+        <p14:creationId xmlns:p14="http://schemas.microsoft.com/office/powerpoint/2010/main" val="4283937463"/>
+      </p:ext>
+    </p:extLst>
+  </p:cSld>
+  <p:clrMapOvr>
+    <a:masterClrMapping/>
+  </p:clrMapOvr>
+</p:sld>
+</file>
+
+<file path=ppt/slides/slide5.xml><?xml version="1.0" encoding="utf-8"?>
+<p:sld xmlns:a="http://schemas.openxmlformats.org/drawingml/2006/main" xmlns:r="http://schemas.openxmlformats.org/officeDocument/2006/relationships" xmlns:p="http://schemas.openxmlformats.org/presentationml/2006/main">
+  <p:cSld>
+    <p:spTree>
+      <p:nvGrpSpPr>
+        <p:cNvPr id="1" name=""/>
+        <p:cNvGrpSpPr/>
+        <p:nvPr/>
+      </p:nvGrpSpPr>
+      <p:grpSpPr>
+        <a:xfrm>
+          <a:off x="0" y="0"/>
+          <a:ext cx="0" cy="0"/>
+          <a:chOff x="0" y="0"/>
+          <a:chExt cx="0" cy="0"/>
+        </a:xfrm>
+      </p:grpSpPr>
+      <p:sp>
+        <p:nvSpPr>
+          <p:cNvPr id="2" name="Title 1"/>
+          <p:cNvSpPr>
+            <a:spLocks noGrp="1"/>
+          </p:cNvSpPr>
+          <p:nvPr>
+            <p:ph type="title"/>
+          </p:nvPr>
+        </p:nvSpPr>
+        <p:spPr/>
+        <p:txBody>
+          <a:bodyPr/>
+          <a:lstStyle/>
+          <a:p>
+            <a:r>
+              <a:rPr lang="en-US" dirty="0" smtClean="0"/>
+              <a:t>Data Correctness</a:t>
+            </a:r>
+            <a:endParaRPr lang="en-US" dirty="0"/>
+          </a:p>
+        </p:txBody>
+      </p:sp>
+      <p:pic>
+        <p:nvPicPr>
+          <p:cNvPr id="4" name="Content Placeholder 3"/>
+          <p:cNvPicPr>
+            <a:picLocks noGrp="1" noChangeAspect="1"/>
+          </p:cNvPicPr>
+          <p:nvPr>
+            <p:ph idx="1"/>
+          </p:nvPr>
+        </p:nvPicPr>
+        <p:blipFill>
+          <a:blip r:embed="rId2"/>
+          <a:stretch>
+            <a:fillRect/>
+          </a:stretch>
+        </p:blipFill>
+        <p:spPr>
+          <a:xfrm>
+            <a:off x="3183712" y="1363807"/>
+            <a:ext cx="9008288" cy="4351338"/>
+          </a:xfrm>
+          <a:prstGeom prst="rect">
+            <a:avLst/>
+          </a:prstGeom>
+        </p:spPr>
+      </p:pic>
+      <p:sp>
+        <p:nvSpPr>
+          <p:cNvPr id="5" name="Content Placeholder 4"/>
+          <p:cNvSpPr txBox="1">
+            <a:spLocks/>
+          </p:cNvSpPr>
+          <p:nvPr/>
+        </p:nvSpPr>
+        <p:spPr>
+          <a:xfrm>
+            <a:off x="270148" y="1363807"/>
+            <a:ext cx="2744108" cy="4383411"/>
+          </a:xfrm>
+          <a:prstGeom prst="rect">
+            <a:avLst/>
+          </a:prstGeom>
+        </p:spPr>
+        <p:txBody>
+          <a:bodyPr vert="horz" lIns="91440" tIns="45720" rIns="91440" bIns="45720" rtlCol="0">
+            <a:noAutofit/>
+          </a:bodyPr>
+          <a:lstStyle>
+            <a:lvl1pPr marL="228600" indent="-228600" algn="l" defTabSz="914400" rtl="0" eaLnBrk="1" latinLnBrk="0" hangingPunct="1">
+              <a:lnSpc>
+                <a:spcPct val="90000"/>
+              </a:lnSpc>
+              <a:spcBef>
+                <a:spcPts val="1000"/>
+              </a:spcBef>
+              <a:buFont typeface="Arial" panose="020B0604020202020204" pitchFamily="34" charset="0"/>
+              <a:buChar char="•"/>
+              <a:defRPr sz="2800" kern="1200">
+                <a:solidFill>
+                  <a:schemeClr val="tx1"/>
+                </a:solidFill>
+                <a:latin typeface="+mn-lt"/>
+                <a:ea typeface="+mn-ea"/>
+                <a:cs typeface="+mn-cs"/>
+              </a:defRPr>
+            </a:lvl1pPr>
+            <a:lvl2pPr marL="685800" indent="-228600" algn="l" defTabSz="914400" rtl="0" eaLnBrk="1" latinLnBrk="0" hangingPunct="1">
+              <a:lnSpc>
+                <a:spcPct val="90000"/>
+              </a:lnSpc>
+              <a:spcBef>
+                <a:spcPts val="500"/>
+              </a:spcBef>
+              <a:buFont typeface="Arial" panose="020B0604020202020204" pitchFamily="34" charset="0"/>
+              <a:buChar char="•"/>
+              <a:defRPr sz="2400" kern="1200">
+                <a:solidFill>
+                  <a:schemeClr val="tx1"/>
+                </a:solidFill>
+                <a:latin typeface="+mn-lt"/>
+                <a:ea typeface="+mn-ea"/>
+                <a:cs typeface="+mn-cs"/>
+              </a:defRPr>
+            </a:lvl2pPr>
+            <a:lvl3pPr marL="1143000" indent="-228600" algn="l" defTabSz="914400" rtl="0" eaLnBrk="1" latinLnBrk="0" hangingPunct="1">
+              <a:lnSpc>
+                <a:spcPct val="90000"/>
+              </a:lnSpc>
+              <a:spcBef>
+                <a:spcPts val="500"/>
+              </a:spcBef>
+              <a:buFont typeface="Arial" panose="020B0604020202020204" pitchFamily="34" charset="0"/>
+              <a:buChar char="•"/>
+              <a:defRPr sz="2000" kern="1200">
+                <a:solidFill>
+                  <a:schemeClr val="tx1"/>
+                </a:solidFill>
+                <a:latin typeface="+mn-lt"/>
+                <a:ea typeface="+mn-ea"/>
+                <a:cs typeface="+mn-cs"/>
+              </a:defRPr>
+            </a:lvl3pPr>
+            <a:lvl4pPr marL="1600200" indent="-228600" algn="l" defTabSz="914400" rtl="0" eaLnBrk="1" latinLnBrk="0" hangingPunct="1">
+              <a:lnSpc>
+                <a:spcPct val="90000"/>
+              </a:lnSpc>
+              <a:spcBef>
+                <a:spcPts val="500"/>
+              </a:spcBef>
+              <a:buFont typeface="Arial" panose="020B0604020202020204" pitchFamily="34" charset="0"/>
+              <a:buChar char="•"/>
+              <a:defRPr sz="1800" kern="1200">
+                <a:solidFill>
+                  <a:schemeClr val="tx1"/>
+                </a:solidFill>
+                <a:latin typeface="+mn-lt"/>
+                <a:ea typeface="+mn-ea"/>
+                <a:cs typeface="+mn-cs"/>
+              </a:defRPr>
+            </a:lvl4pPr>
+            <a:lvl5pPr marL="2057400" indent="-228600" algn="l" defTabSz="914400" rtl="0" eaLnBrk="1" latinLnBrk="0" hangingPunct="1">
+              <a:lnSpc>
+                <a:spcPct val="90000"/>
+              </a:lnSpc>
+              <a:spcBef>
+                <a:spcPts val="500"/>
+              </a:spcBef>
+              <a:buFont typeface="Arial" panose="020B0604020202020204" pitchFamily="34" charset="0"/>
+              <a:buChar char="•"/>
+              <a:defRPr sz="1800" kern="1200">
+                <a:solidFill>
+                  <a:schemeClr val="tx1"/>
+                </a:solidFill>
+                <a:latin typeface="+mn-lt"/>
+                <a:ea typeface="+mn-ea"/>
+                <a:cs typeface="+mn-cs"/>
+              </a:defRPr>
+            </a:lvl5pPr>
+            <a:lvl6pPr marL="2514600" indent="-228600" algn="l" defTabSz="914400" rtl="0" eaLnBrk="1" latinLnBrk="0" hangingPunct="1">
+              <a:lnSpc>
+                <a:spcPct val="90000"/>
+              </a:lnSpc>
+              <a:spcBef>
+                <a:spcPts val="500"/>
+              </a:spcBef>
+              <a:buFont typeface="Arial" panose="020B0604020202020204" pitchFamily="34" charset="0"/>
+              <a:buChar char="•"/>
+              <a:defRPr sz="1800" kern="1200">
+                <a:solidFill>
+                  <a:schemeClr val="tx1"/>
+                </a:solidFill>
+                <a:latin typeface="+mn-lt"/>
+                <a:ea typeface="+mn-ea"/>
+                <a:cs typeface="+mn-cs"/>
+              </a:defRPr>
+            </a:lvl6pPr>
+            <a:lvl7pPr marL="2971800" indent="-228600" algn="l" defTabSz="914400" rtl="0" eaLnBrk="1" latinLnBrk="0" hangingPunct="1">
+              <a:lnSpc>
+                <a:spcPct val="90000"/>
+              </a:lnSpc>
+              <a:spcBef>
+                <a:spcPts val="500"/>
+              </a:spcBef>
+              <a:buFont typeface="Arial" panose="020B0604020202020204" pitchFamily="34" charset="0"/>
+              <a:buChar char="•"/>
+              <a:defRPr sz="1800" kern="1200">
+                <a:solidFill>
+                  <a:schemeClr val="tx1"/>
+                </a:solidFill>
+                <a:latin typeface="+mn-lt"/>
+                <a:ea typeface="+mn-ea"/>
+                <a:cs typeface="+mn-cs"/>
+              </a:defRPr>
+            </a:lvl7pPr>
+            <a:lvl8pPr marL="3429000" indent="-228600" algn="l" defTabSz="914400" rtl="0" eaLnBrk="1" latinLnBrk="0" hangingPunct="1">
+              <a:lnSpc>
+                <a:spcPct val="90000"/>
+              </a:lnSpc>
+              <a:spcBef>
+                <a:spcPts val="500"/>
+              </a:spcBef>
+              <a:buFont typeface="Arial" panose="020B0604020202020204" pitchFamily="34" charset="0"/>
+              <a:buChar char="•"/>
+              <a:defRPr sz="1800" kern="1200">
+                <a:solidFill>
+                  <a:schemeClr val="tx1"/>
+                </a:solidFill>
+                <a:latin typeface="+mn-lt"/>
+                <a:ea typeface="+mn-ea"/>
+                <a:cs typeface="+mn-cs"/>
+              </a:defRPr>
+            </a:lvl8pPr>
+            <a:lvl9pPr marL="3886200" indent="-228600" algn="l" defTabSz="914400" rtl="0" eaLnBrk="1" latinLnBrk="0" hangingPunct="1">
+              <a:lnSpc>
+                <a:spcPct val="90000"/>
+              </a:lnSpc>
+              <a:spcBef>
+                <a:spcPts val="500"/>
+              </a:spcBef>
+              <a:buFont typeface="Arial" panose="020B0604020202020204" pitchFamily="34" charset="0"/>
+              <a:buChar char="•"/>
+              <a:defRPr sz="1800" kern="1200">
+                <a:solidFill>
+                  <a:schemeClr val="tx1"/>
+                </a:solidFill>
+                <a:latin typeface="+mn-lt"/>
+                <a:ea typeface="+mn-ea"/>
+                <a:cs typeface="+mn-cs"/>
+              </a:defRPr>
+            </a:lvl9pPr>
+          </a:lstStyle>
+          <a:p>
+            <a:r>
+              <a:rPr lang="en-US" sz="1800" dirty="0" smtClean="0"/>
+              <a:t>Plotting data points with </a:t>
+            </a:r>
+            <a:r>
+              <a:rPr lang="en-US" sz="1800" dirty="0" err="1" smtClean="0"/>
+              <a:t>idx</a:t>
+            </a:r>
+            <a:r>
+              <a:rPr lang="en-US" sz="1800" dirty="0" smtClean="0"/>
+              <a:t> and values to see the overall correctness of the data</a:t>
+            </a:r>
+          </a:p>
+          <a:p>
+            <a:r>
+              <a:rPr lang="en-US" sz="1800" dirty="0" smtClean="0"/>
+              <a:t>The data looks correct as the values are in specific range, there are outliers as the distribution are extremely +</a:t>
+            </a:r>
+            <a:r>
+              <a:rPr lang="en-US" sz="1800" dirty="0" err="1" smtClean="0"/>
+              <a:t>ve</a:t>
+            </a:r>
+            <a:r>
+              <a:rPr lang="en-US" sz="1800" dirty="0" smtClean="0"/>
+              <a:t> skewed</a:t>
+            </a:r>
+            <a:endParaRPr lang="en-US" sz="1800" dirty="0"/>
+          </a:p>
+        </p:txBody>
+      </p:sp>
+    </p:spTree>
+    <p:extLst>
+      <p:ext uri="{BB962C8B-B14F-4D97-AF65-F5344CB8AC3E}">
+        <p14:creationId xmlns:p14="http://schemas.microsoft.com/office/powerpoint/2010/main" val="66565394"/>
+      </p:ext>
+    </p:extLst>
+  </p:cSld>
+  <p:clrMapOvr>
+    <a:masterClrMapping/>
+  </p:clrMapOvr>
+</p:sld>
+</file>
+
+<file path=ppt/slides/slide6.xml><?xml version="1.0" encoding="utf-8"?>
+<p:sld xmlns:a="http://schemas.openxmlformats.org/drawingml/2006/main" xmlns:r="http://schemas.openxmlformats.org/officeDocument/2006/relationships" xmlns:p="http://schemas.openxmlformats.org/presentationml/2006/main">
+  <p:cSld>
+    <p:spTree>
+      <p:nvGrpSpPr>
+        <p:cNvPr id="1" name=""/>
+        <p:cNvGrpSpPr/>
+        <p:nvPr/>
+      </p:nvGrpSpPr>
+      <p:grpSpPr>
+        <a:xfrm>
+          <a:off x="0" y="0"/>
+          <a:ext cx="0" cy="0"/>
+          <a:chOff x="0" y="0"/>
+          <a:chExt cx="0" cy="0"/>
+        </a:xfrm>
+      </p:grpSpPr>
+      <p:sp>
+        <p:nvSpPr>
+          <p:cNvPr id="2" name="Title 1"/>
+          <p:cNvSpPr>
+            <a:spLocks noGrp="1"/>
+          </p:cNvSpPr>
+          <p:nvPr>
+            <p:ph type="title"/>
+          </p:nvPr>
+        </p:nvSpPr>
+        <p:spPr/>
+        <p:txBody>
+          <a:bodyPr/>
+          <a:lstStyle/>
+          <a:p>
+            <a:r>
+              <a:rPr lang="en-US" dirty="0" smtClean="0"/>
+              <a:t>Skew Analysis</a:t>
+            </a:r>
+            <a:endParaRPr lang="en-US" dirty="0"/>
+          </a:p>
+        </p:txBody>
+      </p:sp>
+      <p:pic>
+        <p:nvPicPr>
+          <p:cNvPr id="4" name="Picture 3"/>
+          <p:cNvPicPr>
+            <a:picLocks noChangeAspect="1"/>
+          </p:cNvPicPr>
+          <p:nvPr/>
+        </p:nvPicPr>
+        <p:blipFill>
+          <a:blip r:embed="rId2"/>
+          <a:stretch>
+            <a:fillRect/>
+          </a:stretch>
+        </p:blipFill>
+        <p:spPr>
+          <a:xfrm>
+            <a:off x="546677" y="1543706"/>
+            <a:ext cx="2933700" cy="3295650"/>
+          </a:xfrm>
+          <a:prstGeom prst="rect">
+            <a:avLst/>
+          </a:prstGeom>
+        </p:spPr>
+      </p:pic>
+      <p:pic>
+        <p:nvPicPr>
+          <p:cNvPr id="6" name="Content Placeholder 3"/>
+          <p:cNvPicPr>
+            <a:picLocks noGrp="1" noChangeAspect="1"/>
+          </p:cNvPicPr>
+          <p:nvPr>
+            <p:ph idx="1"/>
+          </p:nvPr>
+        </p:nvPicPr>
+        <p:blipFill>
+          <a:blip r:embed="rId3"/>
+          <a:stretch>
+            <a:fillRect/>
+          </a:stretch>
+        </p:blipFill>
+        <p:spPr>
+          <a:xfrm>
+            <a:off x="3800974" y="1510369"/>
+            <a:ext cx="3904012" cy="1803465"/>
+          </a:xfrm>
+          <a:prstGeom prst="rect">
+            <a:avLst/>
+          </a:prstGeom>
+        </p:spPr>
+      </p:pic>
+      <p:pic>
+        <p:nvPicPr>
+          <p:cNvPr id="7" name="Picture 6"/>
+          <p:cNvPicPr>
+            <a:picLocks noChangeAspect="1"/>
+          </p:cNvPicPr>
+          <p:nvPr/>
+        </p:nvPicPr>
+        <p:blipFill>
+          <a:blip r:embed="rId4"/>
+          <a:stretch>
+            <a:fillRect/>
+          </a:stretch>
+        </p:blipFill>
+        <p:spPr>
+          <a:xfrm>
+            <a:off x="8025583" y="1543706"/>
+            <a:ext cx="3939548" cy="1770128"/>
+          </a:xfrm>
+          <a:prstGeom prst="rect">
+            <a:avLst/>
+          </a:prstGeom>
+        </p:spPr>
+      </p:pic>
+      <p:pic>
+        <p:nvPicPr>
+          <p:cNvPr id="8" name="Picture 7"/>
+          <p:cNvPicPr>
+            <a:picLocks noChangeAspect="1"/>
+          </p:cNvPicPr>
+          <p:nvPr/>
+        </p:nvPicPr>
+        <p:blipFill>
+          <a:blip r:embed="rId5"/>
+          <a:stretch>
+            <a:fillRect/>
+          </a:stretch>
+        </p:blipFill>
+        <p:spPr>
+          <a:xfrm>
+            <a:off x="3800975" y="3440192"/>
+            <a:ext cx="3904012" cy="1707786"/>
+          </a:xfrm>
+          <a:prstGeom prst="rect">
+            <a:avLst/>
+          </a:prstGeom>
+        </p:spPr>
+      </p:pic>
+      <p:pic>
+        <p:nvPicPr>
+          <p:cNvPr id="9" name="Picture 8"/>
+          <p:cNvPicPr>
+            <a:picLocks noChangeAspect="1"/>
+          </p:cNvPicPr>
+          <p:nvPr/>
+        </p:nvPicPr>
+        <p:blipFill>
+          <a:blip r:embed="rId6"/>
+          <a:stretch>
+            <a:fillRect/>
+          </a:stretch>
+        </p:blipFill>
+        <p:spPr>
+          <a:xfrm>
+            <a:off x="8025583" y="3440191"/>
+            <a:ext cx="3939548" cy="1778353"/>
+          </a:xfrm>
+          <a:prstGeom prst="rect">
+            <a:avLst/>
+          </a:prstGeom>
+        </p:spPr>
+      </p:pic>
+      <p:pic>
+        <p:nvPicPr>
+          <p:cNvPr id="10" name="Picture 9"/>
+          <p:cNvPicPr>
+            <a:picLocks noChangeAspect="1"/>
+          </p:cNvPicPr>
+          <p:nvPr/>
+        </p:nvPicPr>
+        <p:blipFill>
+          <a:blip r:embed="rId7"/>
+          <a:stretch>
+            <a:fillRect/>
+          </a:stretch>
+        </p:blipFill>
+        <p:spPr>
+          <a:xfrm>
+            <a:off x="3800972" y="5218544"/>
+            <a:ext cx="3904013" cy="1533238"/>
+          </a:xfrm>
+          <a:prstGeom prst="rect">
+            <a:avLst/>
+          </a:prstGeom>
+        </p:spPr>
+      </p:pic>
+      <p:pic>
+        <p:nvPicPr>
+          <p:cNvPr id="11" name="Picture 10"/>
+          <p:cNvPicPr>
+            <a:picLocks noChangeAspect="1"/>
+          </p:cNvPicPr>
+          <p:nvPr/>
+        </p:nvPicPr>
+        <p:blipFill>
+          <a:blip r:embed="rId8"/>
+          <a:stretch>
+            <a:fillRect/>
+          </a:stretch>
+        </p:blipFill>
+        <p:spPr>
+          <a:xfrm>
+            <a:off x="8025580" y="5228613"/>
+            <a:ext cx="3939551" cy="1523169"/>
+          </a:xfrm>
+          <a:prstGeom prst="rect">
+            <a:avLst/>
+          </a:prstGeom>
+        </p:spPr>
+      </p:pic>
+      <p:sp>
+        <p:nvSpPr>
+          <p:cNvPr id="12" name="Content Placeholder 4"/>
+          <p:cNvSpPr txBox="1">
+            <a:spLocks/>
+          </p:cNvSpPr>
+          <p:nvPr/>
+        </p:nvSpPr>
+        <p:spPr>
+          <a:xfrm>
+            <a:off x="6756277" y="1197898"/>
+            <a:ext cx="1999796" cy="312471"/>
+          </a:xfrm>
+          <a:prstGeom prst="rect">
+            <a:avLst/>
+          </a:prstGeom>
+        </p:spPr>
+        <p:txBody>
+          <a:bodyPr vert="horz" lIns="91440" tIns="45720" rIns="91440" bIns="45720" rtlCol="0">
+            <a:normAutofit lnSpcReduction="10000"/>
+          </a:bodyPr>
+          <a:lstStyle>
+            <a:lvl1pPr marL="228600" indent="-228600" algn="l" defTabSz="914400" rtl="0" eaLnBrk="1" latinLnBrk="0" hangingPunct="1">
+              <a:lnSpc>
+                <a:spcPct val="90000"/>
+              </a:lnSpc>
+              <a:spcBef>
+                <a:spcPts val="1000"/>
+              </a:spcBef>
+              <a:buFont typeface="Arial" panose="020B0604020202020204" pitchFamily="34" charset="0"/>
+              <a:buChar char="•"/>
+              <a:defRPr sz="2800" kern="1200">
+                <a:solidFill>
+                  <a:schemeClr val="tx1"/>
+                </a:solidFill>
+                <a:latin typeface="+mn-lt"/>
+                <a:ea typeface="+mn-ea"/>
+                <a:cs typeface="+mn-cs"/>
+              </a:defRPr>
+            </a:lvl1pPr>
+            <a:lvl2pPr marL="685800" indent="-228600" algn="l" defTabSz="914400" rtl="0" eaLnBrk="1" latinLnBrk="0" hangingPunct="1">
+              <a:lnSpc>
+                <a:spcPct val="90000"/>
+              </a:lnSpc>
+              <a:spcBef>
+                <a:spcPts val="500"/>
+              </a:spcBef>
+              <a:buFont typeface="Arial" panose="020B0604020202020204" pitchFamily="34" charset="0"/>
+              <a:buChar char="•"/>
+              <a:defRPr sz="2400" kern="1200">
+                <a:solidFill>
+                  <a:schemeClr val="tx1"/>
+                </a:solidFill>
+                <a:latin typeface="+mn-lt"/>
+                <a:ea typeface="+mn-ea"/>
+                <a:cs typeface="+mn-cs"/>
+              </a:defRPr>
+            </a:lvl2pPr>
+            <a:lvl3pPr marL="1143000" indent="-228600" algn="l" defTabSz="914400" rtl="0" eaLnBrk="1" latinLnBrk="0" hangingPunct="1">
+              <a:lnSpc>
+                <a:spcPct val="90000"/>
+              </a:lnSpc>
+              <a:spcBef>
+                <a:spcPts val="500"/>
+              </a:spcBef>
+              <a:buFont typeface="Arial" panose="020B0604020202020204" pitchFamily="34" charset="0"/>
+              <a:buChar char="•"/>
+              <a:defRPr sz="2000" kern="1200">
+                <a:solidFill>
+                  <a:schemeClr val="tx1"/>
+                </a:solidFill>
+                <a:latin typeface="+mn-lt"/>
+                <a:ea typeface="+mn-ea"/>
+                <a:cs typeface="+mn-cs"/>
+              </a:defRPr>
+            </a:lvl3pPr>
+            <a:lvl4pPr marL="1600200" indent="-228600" algn="l" defTabSz="914400" rtl="0" eaLnBrk="1" latinLnBrk="0" hangingPunct="1">
+              <a:lnSpc>
+                <a:spcPct val="90000"/>
+              </a:lnSpc>
+              <a:spcBef>
+                <a:spcPts val="500"/>
+              </a:spcBef>
+              <a:buFont typeface="Arial" panose="020B0604020202020204" pitchFamily="34" charset="0"/>
+              <a:buChar char="•"/>
+              <a:defRPr sz="1800" kern="1200">
+                <a:solidFill>
+                  <a:schemeClr val="tx1"/>
+                </a:solidFill>
+                <a:latin typeface="+mn-lt"/>
+                <a:ea typeface="+mn-ea"/>
+                <a:cs typeface="+mn-cs"/>
+              </a:defRPr>
+            </a:lvl4pPr>
+            <a:lvl5pPr marL="2057400" indent="-228600" algn="l" defTabSz="914400" rtl="0" eaLnBrk="1" latinLnBrk="0" hangingPunct="1">
+              <a:lnSpc>
+                <a:spcPct val="90000"/>
+              </a:lnSpc>
+              <a:spcBef>
+                <a:spcPts val="500"/>
+              </a:spcBef>
+              <a:buFont typeface="Arial" panose="020B0604020202020204" pitchFamily="34" charset="0"/>
+              <a:buChar char="•"/>
+              <a:defRPr sz="1800" kern="1200">
+                <a:solidFill>
+                  <a:schemeClr val="tx1"/>
+                </a:solidFill>
+                <a:latin typeface="+mn-lt"/>
+                <a:ea typeface="+mn-ea"/>
+                <a:cs typeface="+mn-cs"/>
+              </a:defRPr>
+            </a:lvl5pPr>
+            <a:lvl6pPr marL="2514600" indent="-228600" algn="l" defTabSz="914400" rtl="0" eaLnBrk="1" latinLnBrk="0" hangingPunct="1">
+              <a:lnSpc>
+                <a:spcPct val="90000"/>
+              </a:lnSpc>
+              <a:spcBef>
+                <a:spcPts val="500"/>
+              </a:spcBef>
+              <a:buFont typeface="Arial" panose="020B0604020202020204" pitchFamily="34" charset="0"/>
+              <a:buChar char="•"/>
+              <a:defRPr sz="1800" kern="1200">
+                <a:solidFill>
+                  <a:schemeClr val="tx1"/>
+                </a:solidFill>
+                <a:latin typeface="+mn-lt"/>
+                <a:ea typeface="+mn-ea"/>
+                <a:cs typeface="+mn-cs"/>
+              </a:defRPr>
+            </a:lvl6pPr>
+            <a:lvl7pPr marL="2971800" indent="-228600" algn="l" defTabSz="914400" rtl="0" eaLnBrk="1" latinLnBrk="0" hangingPunct="1">
+              <a:lnSpc>
+                <a:spcPct val="90000"/>
+              </a:lnSpc>
+              <a:spcBef>
+                <a:spcPts val="500"/>
+              </a:spcBef>
+              <a:buFont typeface="Arial" panose="020B0604020202020204" pitchFamily="34" charset="0"/>
+              <a:buChar char="•"/>
+              <a:defRPr sz="1800" kern="1200">
+                <a:solidFill>
+                  <a:schemeClr val="tx1"/>
+                </a:solidFill>
+                <a:latin typeface="+mn-lt"/>
+                <a:ea typeface="+mn-ea"/>
+                <a:cs typeface="+mn-cs"/>
+              </a:defRPr>
+            </a:lvl7pPr>
+            <a:lvl8pPr marL="3429000" indent="-228600" algn="l" defTabSz="914400" rtl="0" eaLnBrk="1" latinLnBrk="0" hangingPunct="1">
+              <a:lnSpc>
+                <a:spcPct val="90000"/>
+              </a:lnSpc>
+              <a:spcBef>
+                <a:spcPts val="500"/>
+              </a:spcBef>
+              <a:buFont typeface="Arial" panose="020B0604020202020204" pitchFamily="34" charset="0"/>
+              <a:buChar char="•"/>
+              <a:defRPr sz="1800" kern="1200">
+                <a:solidFill>
+                  <a:schemeClr val="tx1"/>
+                </a:solidFill>
+                <a:latin typeface="+mn-lt"/>
+                <a:ea typeface="+mn-ea"/>
+                <a:cs typeface="+mn-cs"/>
+              </a:defRPr>
+            </a:lvl8pPr>
+            <a:lvl9pPr marL="3886200" indent="-228600" algn="l" defTabSz="914400" rtl="0" eaLnBrk="1" latinLnBrk="0" hangingPunct="1">
+              <a:lnSpc>
+                <a:spcPct val="90000"/>
+              </a:lnSpc>
+              <a:spcBef>
+                <a:spcPts val="500"/>
+              </a:spcBef>
+              <a:buFont typeface="Arial" panose="020B0604020202020204" pitchFamily="34" charset="0"/>
+              <a:buChar char="•"/>
+              <a:defRPr sz="1800" kern="1200">
+                <a:solidFill>
+                  <a:schemeClr val="tx1"/>
+                </a:solidFill>
+                <a:latin typeface="+mn-lt"/>
+                <a:ea typeface="+mn-ea"/>
+                <a:cs typeface="+mn-cs"/>
+              </a:defRPr>
+            </a:lvl9pPr>
+          </a:lstStyle>
+          <a:p>
+            <a:pPr marL="0" indent="0">
+              <a:buNone/>
+            </a:pPr>
+            <a:r>
+              <a:rPr lang="en-US" sz="1800" dirty="0" smtClean="0"/>
+              <a:t>Log transformation</a:t>
+            </a:r>
+            <a:endParaRPr lang="en-US" sz="1800" dirty="0"/>
+          </a:p>
+        </p:txBody>
+      </p:sp>
+    </p:spTree>
+    <p:extLst>
+      <p:ext uri="{BB962C8B-B14F-4D97-AF65-F5344CB8AC3E}">
+        <p14:creationId xmlns:p14="http://schemas.microsoft.com/office/powerpoint/2010/main" val="3019843512"/>
+      </p:ext>
+    </p:extLst>
+  </p:cSld>
+  <p:clrMapOvr>
+    <a:masterClrMapping/>
+  </p:clrMapOvr>
+</p:sld>
+</file>
+
+<file path=ppt/slides/slide7.xml><?xml version="1.0" encoding="utf-8"?>
+<p:sld xmlns:a="http://schemas.openxmlformats.org/drawingml/2006/main" xmlns:r="http://schemas.openxmlformats.org/officeDocument/2006/relationships" xmlns:p="http://schemas.openxmlformats.org/presentationml/2006/main">
+  <p:cSld>
+    <p:spTree>
+      <p:nvGrpSpPr>
+        <p:cNvPr id="1" name=""/>
+        <p:cNvGrpSpPr/>
+        <p:nvPr/>
+      </p:nvGrpSpPr>
+      <p:grpSpPr>
+        <a:xfrm>
+          <a:off x="0" y="0"/>
+          <a:ext cx="0" cy="0"/>
+          <a:chOff x="0" y="0"/>
+          <a:chExt cx="0" cy="0"/>
+        </a:xfrm>
+      </p:grpSpPr>
+      <p:sp>
+        <p:nvSpPr>
+          <p:cNvPr id="2" name="Title 1"/>
+          <p:cNvSpPr>
+            <a:spLocks noGrp="1"/>
+          </p:cNvSpPr>
+          <p:nvPr>
+            <p:ph type="title"/>
+          </p:nvPr>
+        </p:nvSpPr>
+        <p:spPr/>
+        <p:txBody>
+          <a:bodyPr/>
+          <a:lstStyle/>
+          <a:p>
+            <a:r>
+              <a:rPr lang="en-US" dirty="0" smtClean="0"/>
+              <a:t>Correlation Analysis.</a:t>
+            </a:r>
+            <a:endParaRPr lang="en-US" dirty="0"/>
+          </a:p>
+        </p:txBody>
+      </p:sp>
+      <p:sp>
+        <p:nvSpPr>
+          <p:cNvPr id="5" name="Content Placeholder 4"/>
+          <p:cNvSpPr>
+            <a:spLocks noGrp="1"/>
+          </p:cNvSpPr>
+          <p:nvPr>
+            <p:ph idx="1"/>
+          </p:nvPr>
+        </p:nvSpPr>
+        <p:spPr>
+          <a:xfrm>
+            <a:off x="838200" y="1825625"/>
+            <a:ext cx="4094018" cy="4455102"/>
+          </a:xfrm>
+        </p:spPr>
+        <p:txBody>
+          <a:bodyPr>
+            <a:normAutofit fontScale="92500" lnSpcReduction="10000"/>
+          </a:bodyPr>
+          <a:lstStyle/>
+          <a:p>
+            <a:r>
+              <a:rPr lang="en-US" sz="1800" dirty="0" smtClean="0"/>
+              <a:t>Many features are highly correlated</a:t>
+            </a:r>
+          </a:p>
+          <a:p>
+            <a:r>
+              <a:rPr lang="en-US" sz="1800" dirty="0" smtClean="0"/>
+              <a:t>Drop one from each with more than 95% correlation</a:t>
+            </a:r>
+          </a:p>
+          <a:p>
+            <a:r>
+              <a:rPr lang="en-US" sz="1800" dirty="0" smtClean="0"/>
+              <a:t>Following features are dropped based on correlation analysis</a:t>
+            </a:r>
+          </a:p>
+          <a:p>
+            <a:endParaRPr lang="en-US" sz="1800" dirty="0"/>
+          </a:p>
+          <a:p>
+            <a:endParaRPr lang="en-US" sz="1800" dirty="0" smtClean="0"/>
+          </a:p>
+          <a:p>
+            <a:endParaRPr lang="en-US" sz="1800" dirty="0"/>
+          </a:p>
+          <a:p>
+            <a:endParaRPr lang="en-US" sz="1800" dirty="0" smtClean="0"/>
+          </a:p>
+          <a:p>
+            <a:endParaRPr lang="en-US" sz="1800" dirty="0"/>
+          </a:p>
+          <a:p>
+            <a:endParaRPr lang="en-US" sz="1800" dirty="0" smtClean="0"/>
+          </a:p>
+          <a:p>
+            <a:pPr marL="0" indent="0">
+              <a:buNone/>
+            </a:pPr>
+            <a:endParaRPr lang="en-US" sz="1800" dirty="0"/>
+          </a:p>
+          <a:p>
+            <a:r>
+              <a:rPr lang="en-US" sz="1800" dirty="0"/>
+              <a:t>17 features left including dependent variable</a:t>
+            </a:r>
+          </a:p>
+          <a:p>
+            <a:endParaRPr lang="en-US" sz="1800" dirty="0" smtClean="0"/>
+          </a:p>
+          <a:p>
+            <a:endParaRPr lang="en-US" sz="1800" dirty="0" smtClean="0"/>
+          </a:p>
+          <a:p>
+            <a:endParaRPr lang="en-US" sz="1800" dirty="0"/>
+          </a:p>
+        </p:txBody>
+      </p:sp>
+      <p:pic>
+        <p:nvPicPr>
+          <p:cNvPr id="6" name="Picture 5"/>
+          <p:cNvPicPr>
+            <a:picLocks noChangeAspect="1"/>
+          </p:cNvPicPr>
+          <p:nvPr/>
+        </p:nvPicPr>
+        <p:blipFill>
+          <a:blip r:embed="rId2"/>
+          <a:stretch>
+            <a:fillRect/>
+          </a:stretch>
+        </p:blipFill>
+        <p:spPr>
+          <a:xfrm>
+            <a:off x="5379300" y="1528474"/>
+            <a:ext cx="5974500" cy="5329526"/>
+          </a:xfrm>
+          <a:prstGeom prst="rect">
+            <a:avLst/>
+          </a:prstGeom>
+        </p:spPr>
+      </p:pic>
+      <p:sp>
+        <p:nvSpPr>
+          <p:cNvPr id="7" name="Rectangle 1"/>
+          <p:cNvSpPr>
+            <a:spLocks noChangeArrowheads="1"/>
+          </p:cNvSpPr>
+          <p:nvPr/>
+        </p:nvSpPr>
+        <p:spPr bwMode="auto">
+          <a:xfrm>
+            <a:off x="1133762" y="3526475"/>
+            <a:ext cx="2413001" cy="1661993"/>
+          </a:xfrm>
+          <a:prstGeom prst="rect">
+            <a:avLst/>
+          </a:prstGeom>
+          <a:solidFill>
+            <a:srgbClr val="FFFFFF"/>
+          </a:solidFill>
+          <a:ln>
+            <a:noFill/>
+          </a:ln>
+          <a:effectLst/>
+          <a:extLst>
+            <a:ext uri="{91240B29-F687-4F45-9708-019B960494DF}">
+              <a14:hiddenLine xmlns:a14="http://schemas.microsoft.com/office/drawing/2010/main" w="9525">
+                <a:solidFill>
+                  <a:schemeClr val="tx1"/>
+                </a:solidFill>
+                <a:miter lim="800000"/>
+                <a:headEnd/>
+                <a:tailEnd/>
+              </a14:hiddenLine>
+            </a:ext>
+            <a:ext uri="{AF507438-7753-43E0-B8FC-AC1667EBCBE1}">
+              <a14:hiddenEffects xmlns:a14="http://schemas.microsoft.com/office/drawing/2010/main">
+                <a:effectLst>
+                  <a:outerShdw dist="35921" dir="2700000" algn="ctr" rotWithShape="0">
+                    <a:schemeClr val="bg2"/>
+                  </a:outerShdw>
+                </a:effectLst>
+              </a14:hiddenEffects>
+            </a:ext>
+          </a:extLst>
+        </p:spPr>
+        <p:txBody>
+          <a:bodyPr vert="horz" wrap="square" lIns="0" tIns="0" rIns="0" bIns="0" numCol="1" anchor="ctr" anchorCtr="0" compatLnSpc="1">
+            <a:prstTxWarp prst="textNoShape">
+              <a:avLst/>
+            </a:prstTxWarp>
+            <a:spAutoFit/>
+          </a:bodyPr>
+          <a:lstStyle/>
+          <a:p>
+            <a:pPr marL="0" marR="0" lvl="0" indent="0" algn="l" defTabSz="914400" rtl="0" eaLnBrk="0" fontAlgn="base" latinLnBrk="0" hangingPunct="0">
+              <a:lnSpc>
+                <a:spcPct val="100000"/>
+              </a:lnSpc>
+              <a:spcBef>
+                <a:spcPct val="0"/>
+              </a:spcBef>
+              <a:spcAft>
+                <a:spcPct val="0"/>
+              </a:spcAft>
+              <a:buClrTx/>
+              <a:buSzTx/>
+              <a:buFontTx/>
+              <a:buNone/>
+              <a:tabLst/>
+            </a:pPr>
+            <a:r>
+              <a:rPr kumimoji="0" lang="en-US" altLang="en-US" b="1" i="0" u="none" strike="noStrike" cap="none" normalizeH="0" baseline="0" dirty="0" smtClean="0">
+                <a:ln>
+                  <a:noFill/>
+                </a:ln>
+                <a:solidFill>
+                  <a:srgbClr val="000000"/>
+                </a:solidFill>
+                <a:effectLst/>
+                <a:latin typeface="Courier New" panose="02070309020205020404" pitchFamily="49" charset="0"/>
+              </a:rPr>
+              <a:t>'EngSpDist_K8', 'EngSpDist_K9', 'EngSpDist_K10', 'EngSpDist_K11', 'EngSpDist_K12', '</a:t>
+            </a:r>
+            <a:r>
+              <a:rPr kumimoji="0" lang="en-US" altLang="en-US" b="1" i="0" u="none" strike="noStrike" cap="none" normalizeH="0" baseline="0" dirty="0" err="1" smtClean="0">
+                <a:ln>
+                  <a:noFill/>
+                </a:ln>
+                <a:solidFill>
+                  <a:srgbClr val="000000"/>
+                </a:solidFill>
+                <a:effectLst/>
+                <a:latin typeface="Courier New" panose="02070309020205020404" pitchFamily="49" charset="0"/>
+              </a:rPr>
+              <a:t>SlopeEngSpDist</a:t>
+            </a:r>
+            <a:r>
+              <a:rPr kumimoji="0" lang="en-US" altLang="en-US" b="1" i="0" u="none" strike="noStrike" cap="none" normalizeH="0" baseline="0" dirty="0" smtClean="0">
+                <a:ln>
+                  <a:noFill/>
+                </a:ln>
+                <a:solidFill>
+                  <a:srgbClr val="000000"/>
+                </a:solidFill>
+                <a:effectLst/>
+                <a:latin typeface="Courier New" panose="02070309020205020404" pitchFamily="49" charset="0"/>
+              </a:rPr>
+              <a:t>'</a:t>
+            </a:r>
+            <a:r>
+              <a:rPr kumimoji="0" lang="en-US" altLang="en-US" sz="1400" b="1" i="0" u="none" strike="noStrike" cap="none" normalizeH="0" baseline="0" dirty="0" smtClean="0">
+                <a:ln>
+                  <a:noFill/>
+                </a:ln>
+                <a:solidFill>
+                  <a:schemeClr val="tx1"/>
+                </a:solidFill>
+                <a:effectLst/>
+              </a:rPr>
+              <a:t> </a:t>
+            </a:r>
+            <a:endParaRPr kumimoji="0" lang="en-US" altLang="en-US" sz="4000" b="1" i="0" u="none" strike="noStrike" cap="none" normalizeH="0" baseline="0" dirty="0" smtClean="0">
+              <a:ln>
+                <a:noFill/>
+              </a:ln>
+              <a:solidFill>
+                <a:schemeClr val="tx1"/>
+              </a:solidFill>
+              <a:effectLst/>
+              <a:latin typeface="Arial" panose="020B0604020202020204" pitchFamily="34" charset="0"/>
+            </a:endParaRPr>
+          </a:p>
+        </p:txBody>
+      </p:sp>
+    </p:spTree>
+    <p:extLst>
+      <p:ext uri="{BB962C8B-B14F-4D97-AF65-F5344CB8AC3E}">
+        <p14:creationId xmlns:p14="http://schemas.microsoft.com/office/powerpoint/2010/main" val="414154802"/>
+      </p:ext>
+    </p:extLst>
+  </p:cSld>
+  <p:clrMapOvr>
+    <a:masterClrMapping/>
+  </p:clrMapOvr>
+</p:sld>
+</file>
+
+<file path=ppt/slides/slide8.xml><?xml version="1.0" encoding="utf-8"?>
+<p:sld xmlns:a="http://schemas.openxmlformats.org/drawingml/2006/main" xmlns:r="http://schemas.openxmlformats.org/officeDocument/2006/relationships" xmlns:p="http://schemas.openxmlformats.org/presentationml/2006/main">
+  <p:cSld>
+    <p:spTree>
+      <p:nvGrpSpPr>
+        <p:cNvPr id="1" name=""/>
+        <p:cNvGrpSpPr/>
+        <p:nvPr/>
+      </p:nvGrpSpPr>
+      <p:grpSpPr>
+        <a:xfrm>
+          <a:off x="0" y="0"/>
+          <a:ext cx="0" cy="0"/>
+          <a:chOff x="0" y="0"/>
+          <a:chExt cx="0" cy="0"/>
+        </a:xfrm>
+      </p:grpSpPr>
+      <p:sp>
+        <p:nvSpPr>
+          <p:cNvPr id="2" name="Title 1"/>
+          <p:cNvSpPr>
+            <a:spLocks noGrp="1"/>
+          </p:cNvSpPr>
+          <p:nvPr>
+            <p:ph type="title"/>
+          </p:nvPr>
+        </p:nvSpPr>
+        <p:spPr/>
+        <p:txBody>
+          <a:bodyPr/>
+          <a:lstStyle/>
+          <a:p>
+            <a:r>
+              <a:rPr lang="en-US" dirty="0" smtClean="0"/>
+              <a:t>Distribution w.r.t. Dependent Variable</a:t>
+            </a:r>
+            <a:endParaRPr lang="en-US" dirty="0"/>
+          </a:p>
+        </p:txBody>
+      </p:sp>
+      <p:pic>
+        <p:nvPicPr>
+          <p:cNvPr id="4" name="Content Placeholder 3"/>
+          <p:cNvPicPr>
+            <a:picLocks noGrp="1" noChangeAspect="1"/>
+          </p:cNvPicPr>
+          <p:nvPr>
+            <p:ph idx="1"/>
+          </p:nvPr>
+        </p:nvPicPr>
+        <p:blipFill>
+          <a:blip r:embed="rId2"/>
+          <a:stretch>
+            <a:fillRect/>
+          </a:stretch>
+        </p:blipFill>
+        <p:spPr>
+          <a:xfrm>
+            <a:off x="612178" y="1690688"/>
+            <a:ext cx="4595366" cy="2805690"/>
+          </a:xfrm>
+          <a:prstGeom prst="rect">
+            <a:avLst/>
+          </a:prstGeom>
+        </p:spPr>
+      </p:pic>
+      <p:pic>
+        <p:nvPicPr>
+          <p:cNvPr id="5" name="Picture 4"/>
+          <p:cNvPicPr>
+            <a:picLocks noChangeAspect="1"/>
+          </p:cNvPicPr>
+          <p:nvPr/>
+        </p:nvPicPr>
+        <p:blipFill>
+          <a:blip r:embed="rId3"/>
+          <a:stretch>
+            <a:fillRect/>
+          </a:stretch>
+        </p:blipFill>
+        <p:spPr>
+          <a:xfrm>
+            <a:off x="5740928" y="1625600"/>
+            <a:ext cx="4622271" cy="2866324"/>
+          </a:xfrm>
+          <a:prstGeom prst="rect">
+            <a:avLst/>
+          </a:prstGeom>
+        </p:spPr>
+      </p:pic>
+      <p:pic>
+        <p:nvPicPr>
+          <p:cNvPr id="6" name="Picture 5"/>
+          <p:cNvPicPr>
+            <a:picLocks noChangeAspect="1"/>
+          </p:cNvPicPr>
+          <p:nvPr/>
+        </p:nvPicPr>
+        <p:blipFill>
+          <a:blip r:embed="rId4"/>
+          <a:stretch>
+            <a:fillRect/>
+          </a:stretch>
+        </p:blipFill>
+        <p:spPr>
+          <a:xfrm>
+            <a:off x="612178" y="4848370"/>
+            <a:ext cx="4640728" cy="1469247"/>
+          </a:xfrm>
+          <a:prstGeom prst="rect">
+            <a:avLst/>
+          </a:prstGeom>
+        </p:spPr>
+      </p:pic>
+      <p:pic>
+        <p:nvPicPr>
+          <p:cNvPr id="7" name="Picture 6"/>
+          <p:cNvPicPr>
+            <a:picLocks noChangeAspect="1"/>
+          </p:cNvPicPr>
+          <p:nvPr/>
+        </p:nvPicPr>
+        <p:blipFill>
+          <a:blip r:embed="rId5"/>
+          <a:stretch>
+            <a:fillRect/>
+          </a:stretch>
+        </p:blipFill>
+        <p:spPr>
+          <a:xfrm>
+            <a:off x="5887188" y="4848369"/>
+            <a:ext cx="1576991" cy="1469247"/>
+          </a:xfrm>
+          <a:prstGeom prst="rect">
+            <a:avLst/>
+          </a:prstGeom>
+        </p:spPr>
+      </p:pic>
+    </p:spTree>
+    <p:extLst>
+      <p:ext uri="{BB962C8B-B14F-4D97-AF65-F5344CB8AC3E}">
+        <p14:creationId xmlns:p14="http://schemas.microsoft.com/office/powerpoint/2010/main" val="3541888333"/>
+      </p:ext>
+    </p:extLst>
+  </p:cSld>
+  <p:clrMapOvr>
+    <a:masterClrMapping/>
+  </p:clrMapOvr>
+</p:sld>
+</file>
+
+<file path=ppt/slides/slide9.xml><?xml version="1.0" encoding="utf-8"?>
+<p:sld xmlns:a="http://schemas.openxmlformats.org/drawingml/2006/main" xmlns:r="http://schemas.openxmlformats.org/officeDocument/2006/relationships" xmlns:p="http://schemas.openxmlformats.org/presentationml/2006/main">
+  <p:cSld>
+    <p:spTree>
+      <p:nvGrpSpPr>
+        <p:cNvPr id="1" name=""/>
+        <p:cNvGrpSpPr/>
+        <p:nvPr/>
+      </p:nvGrpSpPr>
+      <p:grpSpPr>
+        <a:xfrm>
+          <a:off x="0" y="0"/>
+          <a:ext cx="0" cy="0"/>
+          <a:chOff x="0" y="0"/>
+          <a:chExt cx="0" cy="0"/>
+        </a:xfrm>
+      </p:grpSpPr>
+      <p:sp>
+        <p:nvSpPr>
+          <p:cNvPr id="2" name="Title 1"/>
+          <p:cNvSpPr>
+            <a:spLocks noGrp="1"/>
+          </p:cNvSpPr>
+          <p:nvPr>
+            <p:ph type="title"/>
+          </p:nvPr>
+        </p:nvSpPr>
+        <p:spPr/>
+        <p:txBody>
+          <a:bodyPr/>
+          <a:lstStyle/>
+          <a:p>
+            <a:r>
+              <a:rPr lang="en-US" dirty="0" smtClean="0"/>
+              <a:t>PCA Analysis</a:t>
+            </a:r>
+            <a:endParaRPr lang="en-US" dirty="0"/>
+          </a:p>
+        </p:txBody>
+      </p:sp>
+      <p:pic>
+        <p:nvPicPr>
+          <p:cNvPr id="4" name="Picture 3"/>
+          <p:cNvPicPr>
+            <a:picLocks noChangeAspect="1"/>
+          </p:cNvPicPr>
+          <p:nvPr/>
+        </p:nvPicPr>
+        <p:blipFill>
+          <a:blip r:embed="rId2"/>
+          <a:stretch>
+            <a:fillRect/>
+          </a:stretch>
+        </p:blipFill>
+        <p:spPr>
+          <a:xfrm>
+            <a:off x="3980504" y="1357745"/>
+            <a:ext cx="7980587" cy="4104675"/>
+          </a:xfrm>
+          <a:prstGeom prst="rect">
+            <a:avLst/>
+          </a:prstGeom>
+        </p:spPr>
+      </p:pic>
+      <p:sp>
+        <p:nvSpPr>
+          <p:cNvPr id="5" name="Content Placeholder 4"/>
+          <p:cNvSpPr txBox="1">
+            <a:spLocks/>
+          </p:cNvSpPr>
+          <p:nvPr/>
+        </p:nvSpPr>
+        <p:spPr>
+          <a:xfrm>
+            <a:off x="629105" y="1690688"/>
+            <a:ext cx="2744108" cy="4383411"/>
+          </a:xfrm>
+          <a:prstGeom prst="rect">
+            <a:avLst/>
+          </a:prstGeom>
+        </p:spPr>
+        <p:txBody>
+          <a:bodyPr vert="horz" lIns="91440" tIns="45720" rIns="91440" bIns="45720" rtlCol="0">
+            <a:noAutofit/>
+          </a:bodyPr>
+          <a:lstStyle>
+            <a:lvl1pPr marL="228600" indent="-228600" algn="l" defTabSz="914400" rtl="0" eaLnBrk="1" latinLnBrk="0" hangingPunct="1">
+              <a:lnSpc>
+                <a:spcPct val="90000"/>
+              </a:lnSpc>
+              <a:spcBef>
+                <a:spcPts val="1000"/>
+              </a:spcBef>
+              <a:buFont typeface="Arial" panose="020B0604020202020204" pitchFamily="34" charset="0"/>
+              <a:buChar char="•"/>
+              <a:defRPr sz="2800" kern="1200">
+                <a:solidFill>
+                  <a:schemeClr val="tx1"/>
+                </a:solidFill>
+                <a:latin typeface="+mn-lt"/>
+                <a:ea typeface="+mn-ea"/>
+                <a:cs typeface="+mn-cs"/>
+              </a:defRPr>
+            </a:lvl1pPr>
+            <a:lvl2pPr marL="685800" indent="-228600" algn="l" defTabSz="914400" rtl="0" eaLnBrk="1" latinLnBrk="0" hangingPunct="1">
+              <a:lnSpc>
+                <a:spcPct val="90000"/>
+              </a:lnSpc>
+              <a:spcBef>
+                <a:spcPts val="500"/>
+              </a:spcBef>
+              <a:buFont typeface="Arial" panose="020B0604020202020204" pitchFamily="34" charset="0"/>
+              <a:buChar char="•"/>
+              <a:defRPr sz="2400" kern="1200">
+                <a:solidFill>
+                  <a:schemeClr val="tx1"/>
+                </a:solidFill>
+                <a:latin typeface="+mn-lt"/>
+                <a:ea typeface="+mn-ea"/>
+                <a:cs typeface="+mn-cs"/>
+              </a:defRPr>
+            </a:lvl2pPr>
+            <a:lvl3pPr marL="1143000" indent="-228600" algn="l" defTabSz="914400" rtl="0" eaLnBrk="1" latinLnBrk="0" hangingPunct="1">
+              <a:lnSpc>
+                <a:spcPct val="90000"/>
+              </a:lnSpc>
+              <a:spcBef>
+                <a:spcPts val="500"/>
+              </a:spcBef>
+              <a:buFont typeface="Arial" panose="020B0604020202020204" pitchFamily="34" charset="0"/>
+              <a:buChar char="•"/>
+              <a:defRPr sz="2000" kern="1200">
+                <a:solidFill>
+                  <a:schemeClr val="tx1"/>
+                </a:solidFill>
+                <a:latin typeface="+mn-lt"/>
+                <a:ea typeface="+mn-ea"/>
+                <a:cs typeface="+mn-cs"/>
+              </a:defRPr>
+            </a:lvl3pPr>
+            <a:lvl4pPr marL="1600200" indent="-228600" algn="l" defTabSz="914400" rtl="0" eaLnBrk="1" latinLnBrk="0" hangingPunct="1">
+              <a:lnSpc>
+                <a:spcPct val="90000"/>
+              </a:lnSpc>
+              <a:spcBef>
+                <a:spcPts val="500"/>
+              </a:spcBef>
+              <a:buFont typeface="Arial" panose="020B0604020202020204" pitchFamily="34" charset="0"/>
+              <a:buChar char="•"/>
+              <a:defRPr sz="1800" kern="1200">
+                <a:solidFill>
+                  <a:schemeClr val="tx1"/>
+                </a:solidFill>
+                <a:latin typeface="+mn-lt"/>
+                <a:ea typeface="+mn-ea"/>
+                <a:cs typeface="+mn-cs"/>
+              </a:defRPr>
+            </a:lvl4pPr>
+            <a:lvl5pPr marL="2057400" indent="-228600" algn="l" defTabSz="914400" rtl="0" eaLnBrk="1" latinLnBrk="0" hangingPunct="1">
+              <a:lnSpc>
+                <a:spcPct val="90000"/>
+              </a:lnSpc>
+              <a:spcBef>
+                <a:spcPts val="500"/>
+              </a:spcBef>
+              <a:buFont typeface="Arial" panose="020B0604020202020204" pitchFamily="34" charset="0"/>
+              <a:buChar char="•"/>
+              <a:defRPr sz="1800" kern="1200">
+                <a:solidFill>
+                  <a:schemeClr val="tx1"/>
+                </a:solidFill>
+                <a:latin typeface="+mn-lt"/>
+                <a:ea typeface="+mn-ea"/>
+                <a:cs typeface="+mn-cs"/>
+              </a:defRPr>
+            </a:lvl5pPr>
+            <a:lvl6pPr marL="2514600" indent="-228600" algn="l" defTabSz="914400" rtl="0" eaLnBrk="1" latinLnBrk="0" hangingPunct="1">
+              <a:lnSpc>
+                <a:spcPct val="90000"/>
+              </a:lnSpc>
+              <a:spcBef>
+                <a:spcPts val="500"/>
+              </a:spcBef>
+              <a:buFont typeface="Arial" panose="020B0604020202020204" pitchFamily="34" charset="0"/>
+              <a:buChar char="•"/>
+              <a:defRPr sz="1800" kern="1200">
+                <a:solidFill>
+                  <a:schemeClr val="tx1"/>
+                </a:solidFill>
+                <a:latin typeface="+mn-lt"/>
+                <a:ea typeface="+mn-ea"/>
+                <a:cs typeface="+mn-cs"/>
+              </a:defRPr>
+            </a:lvl6pPr>
+            <a:lvl7pPr marL="2971800" indent="-228600" algn="l" defTabSz="914400" rtl="0" eaLnBrk="1" latinLnBrk="0" hangingPunct="1">
+              <a:lnSpc>
+                <a:spcPct val="90000"/>
+              </a:lnSpc>
+              <a:spcBef>
+                <a:spcPts val="500"/>
+              </a:spcBef>
+              <a:buFont typeface="Arial" panose="020B0604020202020204" pitchFamily="34" charset="0"/>
+              <a:buChar char="•"/>
+              <a:defRPr sz="1800" kern="1200">
+                <a:solidFill>
+                  <a:schemeClr val="tx1"/>
+                </a:solidFill>
+                <a:latin typeface="+mn-lt"/>
+                <a:ea typeface="+mn-ea"/>
+                <a:cs typeface="+mn-cs"/>
+              </a:defRPr>
+            </a:lvl7pPr>
+            <a:lvl8pPr marL="3429000" indent="-228600" algn="l" defTabSz="914400" rtl="0" eaLnBrk="1" latinLnBrk="0" hangingPunct="1">
+              <a:lnSpc>
+                <a:spcPct val="90000"/>
+              </a:lnSpc>
+              <a:spcBef>
+                <a:spcPts val="500"/>
+              </a:spcBef>
+              <a:buFont typeface="Arial" panose="020B0604020202020204" pitchFamily="34" charset="0"/>
+              <a:buChar char="•"/>
+              <a:defRPr sz="1800" kern="1200">
+                <a:solidFill>
+                  <a:schemeClr val="tx1"/>
+                </a:solidFill>
+                <a:latin typeface="+mn-lt"/>
+                <a:ea typeface="+mn-ea"/>
+                <a:cs typeface="+mn-cs"/>
+              </a:defRPr>
+            </a:lvl8pPr>
+            <a:lvl9pPr marL="3886200" indent="-228600" algn="l" defTabSz="914400" rtl="0" eaLnBrk="1" latinLnBrk="0" hangingPunct="1">
+              <a:lnSpc>
+                <a:spcPct val="90000"/>
+              </a:lnSpc>
+              <a:spcBef>
+                <a:spcPts val="500"/>
+              </a:spcBef>
+              <a:buFont typeface="Arial" panose="020B0604020202020204" pitchFamily="34" charset="0"/>
+              <a:buChar char="•"/>
+              <a:defRPr sz="1800" kern="1200">
+                <a:solidFill>
+                  <a:schemeClr val="tx1"/>
+                </a:solidFill>
+                <a:latin typeface="+mn-lt"/>
+                <a:ea typeface="+mn-ea"/>
+                <a:cs typeface="+mn-cs"/>
+              </a:defRPr>
+            </a:lvl9pPr>
+          </a:lstStyle>
+          <a:p>
+            <a:r>
+              <a:rPr lang="en-US" sz="1800" dirty="0" smtClean="0"/>
+              <a:t>Top 4 components represent the distribution w.r.t. to the dependent variable</a:t>
+            </a:r>
+          </a:p>
+          <a:p>
+            <a:r>
+              <a:rPr lang="en-US" sz="1800" dirty="0" smtClean="0"/>
+              <a:t>Both classes overlaps with few exception </a:t>
+            </a:r>
+          </a:p>
+          <a:p>
+            <a:pPr marL="0" indent="0">
+              <a:buNone/>
+            </a:pPr>
+            <a:endParaRPr lang="en-US" sz="1800" dirty="0"/>
+          </a:p>
+        </p:txBody>
+      </p:sp>
+    </p:spTree>
+    <p:extLst>
+      <p:ext uri="{BB962C8B-B14F-4D97-AF65-F5344CB8AC3E}">
+        <p14:creationId xmlns:p14="http://schemas.microsoft.com/office/powerpoint/2010/main" val="826730782"/>
       </p:ext>
     </p:extLst>
   </p:cSld>

--- a/docs/Presentation.pptx
+++ b/docs/Presentation.pptx
@@ -5,21 +5,22 @@
     <p:sldMasterId id="2147483648" r:id="rId1"/>
   </p:sldMasterIdLst>
   <p:sldIdLst>
-    <p:sldId id="258" r:id="rId2"/>
-    <p:sldId id="256" r:id="rId3"/>
-    <p:sldId id="259" r:id="rId4"/>
-    <p:sldId id="260" r:id="rId5"/>
-    <p:sldId id="261" r:id="rId6"/>
-    <p:sldId id="262" r:id="rId7"/>
-    <p:sldId id="263" r:id="rId8"/>
-    <p:sldId id="264" r:id="rId9"/>
-    <p:sldId id="265" r:id="rId10"/>
-    <p:sldId id="266" r:id="rId11"/>
-    <p:sldId id="267" r:id="rId12"/>
-    <p:sldId id="268" r:id="rId13"/>
-    <p:sldId id="269" r:id="rId14"/>
-    <p:sldId id="270" r:id="rId15"/>
-    <p:sldId id="257" r:id="rId16"/>
+    <p:sldId id="271" r:id="rId2"/>
+    <p:sldId id="258" r:id="rId3"/>
+    <p:sldId id="256" r:id="rId4"/>
+    <p:sldId id="259" r:id="rId5"/>
+    <p:sldId id="260" r:id="rId6"/>
+    <p:sldId id="261" r:id="rId7"/>
+    <p:sldId id="262" r:id="rId8"/>
+    <p:sldId id="263" r:id="rId9"/>
+    <p:sldId id="264" r:id="rId10"/>
+    <p:sldId id="265" r:id="rId11"/>
+    <p:sldId id="266" r:id="rId12"/>
+    <p:sldId id="267" r:id="rId13"/>
+    <p:sldId id="268" r:id="rId14"/>
+    <p:sldId id="269" r:id="rId15"/>
+    <p:sldId id="270" r:id="rId16"/>
+    <p:sldId id="257" r:id="rId17"/>
   </p:sldIdLst>
   <p:sldSz cx="12192000" cy="6858000"/>
   <p:notesSz cx="6858000" cy="9144000"/>
@@ -2993,87 +2994,44 @@
             <p:ph type="title"/>
           </p:nvPr>
         </p:nvSpPr>
-        <p:spPr/>
+        <p:spPr>
+          <a:xfrm>
+            <a:off x="838200" y="365125"/>
+            <a:ext cx="10515600" cy="6100330"/>
+          </a:xfrm>
+        </p:spPr>
         <p:txBody>
           <a:bodyPr/>
           <a:lstStyle/>
           <a:p>
+            <a:pPr algn="ctr"/>
             <a:r>
               <a:rPr lang="en-US" dirty="0" smtClean="0"/>
-              <a:t>Vehicle Damage Classification</a:t>
-            </a:r>
-            <a:endParaRPr lang="en-US" dirty="0"/>
-          </a:p>
-        </p:txBody>
-      </p:sp>
-      <p:sp>
-        <p:nvSpPr>
-          <p:cNvPr id="3" name="Content Placeholder 2"/>
-          <p:cNvSpPr>
-            <a:spLocks noGrp="1"/>
-          </p:cNvSpPr>
-          <p:nvPr>
-            <p:ph idx="1"/>
-          </p:nvPr>
-        </p:nvSpPr>
-        <p:spPr/>
-        <p:txBody>
-          <a:bodyPr/>
-          <a:lstStyle/>
-          <a:p>
-            <a:pPr marL="0" indent="0">
-              <a:buNone/>
-            </a:pPr>
-            <a:r>
-              <a:rPr lang="en-US" b="1" dirty="0" smtClean="0"/>
-              <a:t>Task completed</a:t>
-            </a:r>
-          </a:p>
-          <a:p>
+              <a:t>AVL </a:t>
+            </a:r>
+            <a:r>
+              <a:rPr lang="en-AT" dirty="0" smtClean="0"/>
+              <a:t>–</a:t>
+            </a:r>
             <a:r>
               <a:rPr lang="en-US" dirty="0" smtClean="0"/>
-              <a:t>Data Analysis</a:t>
-            </a:r>
-          </a:p>
-          <a:p>
-            <a:r>
+              <a:t> Challenge</a:t>
+            </a:r>
+            <a:br>
               <a:rPr lang="en-US" dirty="0" smtClean="0"/>
-              <a:t>Model Selection and Development</a:t>
-            </a:r>
-          </a:p>
-          <a:p>
-            <a:r>
-              <a:rPr lang="en-US" dirty="0" smtClean="0"/>
-              <a:t>REST APIs</a:t>
-            </a:r>
-          </a:p>
-          <a:p>
-            <a:r>
-              <a:rPr lang="en-US" dirty="0" smtClean="0"/>
-              <a:t>MongoDB</a:t>
-            </a:r>
-          </a:p>
-          <a:p>
-            <a:r>
-              <a:rPr lang="en-US" dirty="0" smtClean="0"/>
-              <a:t>Logging data for future model improvements along with predictions</a:t>
-            </a:r>
-          </a:p>
-          <a:p>
-            <a:r>
-              <a:rPr lang="en-US" dirty="0" smtClean="0"/>
-              <a:t>Image and containerization</a:t>
-            </a:r>
-          </a:p>
-          <a:p>
-            <a:endParaRPr lang="en-US" dirty="0"/>
+            </a:br>
+            <a:r>
+              <a:rPr lang="en-US" sz="1800" dirty="0" smtClean="0"/>
+              <a:t>Adil Mukhtar (adilmukhtar600@gmail.com)</a:t>
+            </a:r>
+            <a:endParaRPr lang="en-US" sz="1800" dirty="0"/>
           </a:p>
         </p:txBody>
       </p:sp>
     </p:spTree>
     <p:extLst>
       <p:ext uri="{BB962C8B-B14F-4D97-AF65-F5344CB8AC3E}">
-        <p14:creationId xmlns:p14="http://schemas.microsoft.com/office/powerpoint/2010/main" val="3446290683"/>
+        <p14:creationId xmlns:p14="http://schemas.microsoft.com/office/powerpoint/2010/main" val="2670319870"/>
       </p:ext>
     </p:extLst>
   </p:cSld>
@@ -3117,7 +3075,7 @@
           <a:p>
             <a:r>
               <a:rPr lang="en-US" dirty="0" smtClean="0"/>
-              <a:t>Feature Importance</a:t>
+              <a:t>PCA Analysis</a:t>
             </a:r>
             <a:endParaRPr lang="en-US" dirty="0"/>
           </a:p>
@@ -3125,13 +3083,11 @@
       </p:sp>
       <p:pic>
         <p:nvPicPr>
-          <p:cNvPr id="4" name="Content Placeholder 3"/>
+          <p:cNvPr id="4" name="Picture 3"/>
           <p:cNvPicPr>
-            <a:picLocks noGrp="1" noChangeAspect="1"/>
+            <a:picLocks noChangeAspect="1"/>
           </p:cNvPicPr>
-          <p:nvPr>
-            <p:ph idx="1"/>
-          </p:nvPr>
+          <p:nvPr/>
         </p:nvPicPr>
         <p:blipFill>
           <a:blip r:embed="rId2"/>
@@ -3141,41 +3097,17 @@
         </p:blipFill>
         <p:spPr>
           <a:xfrm>
-            <a:off x="6251508" y="1357745"/>
-            <a:ext cx="4538283" cy="2574781"/>
+            <a:off x="3980504" y="1357745"/>
+            <a:ext cx="7980587" cy="4104675"/>
           </a:xfrm>
           <a:prstGeom prst="rect">
             <a:avLst/>
           </a:prstGeom>
         </p:spPr>
       </p:pic>
-      <p:pic>
-        <p:nvPicPr>
-          <p:cNvPr id="5" name="Picture 4"/>
-          <p:cNvPicPr>
-            <a:picLocks noChangeAspect="1"/>
-          </p:cNvPicPr>
-          <p:nvPr/>
-        </p:nvPicPr>
-        <p:blipFill>
-          <a:blip r:embed="rId3"/>
-          <a:stretch>
-            <a:fillRect/>
-          </a:stretch>
-        </p:blipFill>
-        <p:spPr>
-          <a:xfrm>
-            <a:off x="6251509" y="4394509"/>
-            <a:ext cx="4538283" cy="2332881"/>
-          </a:xfrm>
-          <a:prstGeom prst="rect">
-            <a:avLst/>
-          </a:prstGeom>
-        </p:spPr>
-      </p:pic>
-      <p:sp>
-        <p:nvSpPr>
-          <p:cNvPr id="6" name="Content Placeholder 4"/>
+      <p:sp>
+        <p:nvSpPr>
+          <p:cNvPr id="5" name="Content Placeholder 4"/>
           <p:cNvSpPr txBox="1">
             <a:spLocks/>
           </p:cNvSpPr>
@@ -3361,7 +3293,13 @@
           <a:p>
             <a:r>
               <a:rPr lang="en-US" sz="1800" dirty="0" smtClean="0"/>
-              <a:t>Although both techniques rank the same features with high importance, i.e., cut off at first 2 features from top, but I would include 17 features for modeling as the data is overlapping for the dependent variable</a:t>
+              <a:t>Top 4 components represent the distribution w.r.t. to the dependent variable</a:t>
+            </a:r>
+          </a:p>
+          <a:p>
+            <a:r>
+              <a:rPr lang="en-US" sz="1800" dirty="0" smtClean="0"/>
+              <a:t>Both classes overlaps with few exception </a:t>
             </a:r>
           </a:p>
           <a:p>
@@ -3375,7 +3313,7 @@
     </p:spTree>
     <p:extLst>
       <p:ext uri="{BB962C8B-B14F-4D97-AF65-F5344CB8AC3E}">
-        <p14:creationId xmlns:p14="http://schemas.microsoft.com/office/powerpoint/2010/main" val="2303032485"/>
+        <p14:creationId xmlns:p14="http://schemas.microsoft.com/office/powerpoint/2010/main" val="826730782"/>
       </p:ext>
     </p:extLst>
   </p:cSld>
@@ -3419,50 +3357,7 @@
           <a:p>
             <a:r>
               <a:rPr lang="en-US" dirty="0" smtClean="0"/>
-              <a:t>Modeling</a:t>
-            </a:r>
-            <a:endParaRPr lang="en-US" dirty="0"/>
-          </a:p>
-        </p:txBody>
-      </p:sp>
-      <p:sp>
-        <p:nvSpPr>
-          <p:cNvPr id="3" name="Content Placeholder 2"/>
-          <p:cNvSpPr>
-            <a:spLocks noGrp="1"/>
-          </p:cNvSpPr>
-          <p:nvPr>
-            <p:ph idx="1"/>
-          </p:nvPr>
-        </p:nvSpPr>
-        <p:spPr>
-          <a:xfrm>
-            <a:off x="838200" y="1825625"/>
-            <a:ext cx="3798455" cy="4351338"/>
-          </a:xfrm>
-        </p:spPr>
-        <p:txBody>
-          <a:bodyPr/>
-          <a:lstStyle/>
-          <a:p>
-            <a:endParaRPr lang="en-US" dirty="0" smtClean="0"/>
-          </a:p>
-          <a:p>
-            <a:r>
-              <a:rPr lang="en-US" dirty="0" smtClean="0"/>
-              <a:t>Train, Validation, Test</a:t>
-            </a:r>
-          </a:p>
-          <a:p>
-            <a:r>
-              <a:rPr lang="en-US" dirty="0" smtClean="0"/>
-              <a:t>Standardization</a:t>
-            </a:r>
-          </a:p>
-          <a:p>
-            <a:r>
-              <a:rPr lang="en-US" dirty="0" smtClean="0"/>
-              <a:t>10-Fold cross validation</a:t>
+              <a:t>Feature Importance</a:t>
             </a:r>
             <a:endParaRPr lang="en-US" dirty="0"/>
           </a:p>
@@ -3470,11 +3365,13 @@
       </p:sp>
       <p:pic>
         <p:nvPicPr>
-          <p:cNvPr id="4" name="Picture 3"/>
+          <p:cNvPr id="4" name="Content Placeholder 3"/>
           <p:cNvPicPr>
-            <a:picLocks noChangeAspect="1"/>
+            <a:picLocks noGrp="1" noChangeAspect="1"/>
           </p:cNvPicPr>
-          <p:nvPr/>
+          <p:nvPr>
+            <p:ph idx="1"/>
+          </p:nvPr>
         </p:nvPicPr>
         <p:blipFill>
           <a:blip r:embed="rId2"/>
@@ -3484,48 +3381,241 @@
         </p:blipFill>
         <p:spPr>
           <a:xfrm>
-            <a:off x="5430981" y="2361749"/>
-            <a:ext cx="5190837" cy="4227777"/>
+            <a:off x="6251508" y="1357745"/>
+            <a:ext cx="4538283" cy="2574781"/>
           </a:xfrm>
           <a:prstGeom prst="rect">
             <a:avLst/>
           </a:prstGeom>
         </p:spPr>
       </p:pic>
-      <p:sp>
-        <p:nvSpPr>
-          <p:cNvPr id="5" name="TextBox 4"/>
-          <p:cNvSpPr txBox="1"/>
+      <p:pic>
+        <p:nvPicPr>
+          <p:cNvPr id="5" name="Picture 4"/>
+          <p:cNvPicPr>
+            <a:picLocks noChangeAspect="1"/>
+          </p:cNvPicPr>
           <p:nvPr/>
-        </p:nvSpPr>
-        <p:spPr>
-          <a:xfrm>
-            <a:off x="7527636" y="1758341"/>
-            <a:ext cx="2004291" cy="461665"/>
+        </p:nvPicPr>
+        <p:blipFill>
+          <a:blip r:embed="rId3"/>
+          <a:stretch>
+            <a:fillRect/>
+          </a:stretch>
+        </p:blipFill>
+        <p:spPr>
+          <a:xfrm>
+            <a:off x="6251509" y="4394509"/>
+            <a:ext cx="4538283" cy="2332881"/>
           </a:xfrm>
           <a:prstGeom prst="rect">
             <a:avLst/>
           </a:prstGeom>
-          <a:noFill/>
-        </p:spPr>
-        <p:txBody>
-          <a:bodyPr wrap="square" rtlCol="0">
-            <a:spAutoFit/>
+        </p:spPr>
+      </p:pic>
+      <p:sp>
+        <p:nvSpPr>
+          <p:cNvPr id="6" name="Content Placeholder 4"/>
+          <p:cNvSpPr txBox="1">
+            <a:spLocks/>
+          </p:cNvSpPr>
+          <p:nvPr/>
+        </p:nvSpPr>
+        <p:spPr>
+          <a:xfrm>
+            <a:off x="629105" y="1690688"/>
+            <a:ext cx="2744108" cy="4383411"/>
+          </a:xfrm>
+          <a:prstGeom prst="rect">
+            <a:avLst/>
+          </a:prstGeom>
+        </p:spPr>
+        <p:txBody>
+          <a:bodyPr vert="horz" lIns="91440" tIns="45720" rIns="91440" bIns="45720" rtlCol="0">
+            <a:noAutofit/>
           </a:bodyPr>
-          <a:lstStyle/>
-          <a:p>
-            <a:r>
-              <a:rPr lang="en-US" sz="2400" dirty="0" smtClean="0"/>
-              <a:t>Baselines</a:t>
-            </a:r>
-            <a:endParaRPr lang="en-US" sz="2400" dirty="0"/>
+          <a:lstStyle>
+            <a:lvl1pPr marL="228600" indent="-228600" algn="l" defTabSz="914400" rtl="0" eaLnBrk="1" latinLnBrk="0" hangingPunct="1">
+              <a:lnSpc>
+                <a:spcPct val="90000"/>
+              </a:lnSpc>
+              <a:spcBef>
+                <a:spcPts val="1000"/>
+              </a:spcBef>
+              <a:buFont typeface="Arial" panose="020B0604020202020204" pitchFamily="34" charset="0"/>
+              <a:buChar char="•"/>
+              <a:defRPr sz="2800" kern="1200">
+                <a:solidFill>
+                  <a:schemeClr val="tx1"/>
+                </a:solidFill>
+                <a:latin typeface="+mn-lt"/>
+                <a:ea typeface="+mn-ea"/>
+                <a:cs typeface="+mn-cs"/>
+              </a:defRPr>
+            </a:lvl1pPr>
+            <a:lvl2pPr marL="685800" indent="-228600" algn="l" defTabSz="914400" rtl="0" eaLnBrk="1" latinLnBrk="0" hangingPunct="1">
+              <a:lnSpc>
+                <a:spcPct val="90000"/>
+              </a:lnSpc>
+              <a:spcBef>
+                <a:spcPts val="500"/>
+              </a:spcBef>
+              <a:buFont typeface="Arial" panose="020B0604020202020204" pitchFamily="34" charset="0"/>
+              <a:buChar char="•"/>
+              <a:defRPr sz="2400" kern="1200">
+                <a:solidFill>
+                  <a:schemeClr val="tx1"/>
+                </a:solidFill>
+                <a:latin typeface="+mn-lt"/>
+                <a:ea typeface="+mn-ea"/>
+                <a:cs typeface="+mn-cs"/>
+              </a:defRPr>
+            </a:lvl2pPr>
+            <a:lvl3pPr marL="1143000" indent="-228600" algn="l" defTabSz="914400" rtl="0" eaLnBrk="1" latinLnBrk="0" hangingPunct="1">
+              <a:lnSpc>
+                <a:spcPct val="90000"/>
+              </a:lnSpc>
+              <a:spcBef>
+                <a:spcPts val="500"/>
+              </a:spcBef>
+              <a:buFont typeface="Arial" panose="020B0604020202020204" pitchFamily="34" charset="0"/>
+              <a:buChar char="•"/>
+              <a:defRPr sz="2000" kern="1200">
+                <a:solidFill>
+                  <a:schemeClr val="tx1"/>
+                </a:solidFill>
+                <a:latin typeface="+mn-lt"/>
+                <a:ea typeface="+mn-ea"/>
+                <a:cs typeface="+mn-cs"/>
+              </a:defRPr>
+            </a:lvl3pPr>
+            <a:lvl4pPr marL="1600200" indent="-228600" algn="l" defTabSz="914400" rtl="0" eaLnBrk="1" latinLnBrk="0" hangingPunct="1">
+              <a:lnSpc>
+                <a:spcPct val="90000"/>
+              </a:lnSpc>
+              <a:spcBef>
+                <a:spcPts val="500"/>
+              </a:spcBef>
+              <a:buFont typeface="Arial" panose="020B0604020202020204" pitchFamily="34" charset="0"/>
+              <a:buChar char="•"/>
+              <a:defRPr sz="1800" kern="1200">
+                <a:solidFill>
+                  <a:schemeClr val="tx1"/>
+                </a:solidFill>
+                <a:latin typeface="+mn-lt"/>
+                <a:ea typeface="+mn-ea"/>
+                <a:cs typeface="+mn-cs"/>
+              </a:defRPr>
+            </a:lvl4pPr>
+            <a:lvl5pPr marL="2057400" indent="-228600" algn="l" defTabSz="914400" rtl="0" eaLnBrk="1" latinLnBrk="0" hangingPunct="1">
+              <a:lnSpc>
+                <a:spcPct val="90000"/>
+              </a:lnSpc>
+              <a:spcBef>
+                <a:spcPts val="500"/>
+              </a:spcBef>
+              <a:buFont typeface="Arial" panose="020B0604020202020204" pitchFamily="34" charset="0"/>
+              <a:buChar char="•"/>
+              <a:defRPr sz="1800" kern="1200">
+                <a:solidFill>
+                  <a:schemeClr val="tx1"/>
+                </a:solidFill>
+                <a:latin typeface="+mn-lt"/>
+                <a:ea typeface="+mn-ea"/>
+                <a:cs typeface="+mn-cs"/>
+              </a:defRPr>
+            </a:lvl5pPr>
+            <a:lvl6pPr marL="2514600" indent="-228600" algn="l" defTabSz="914400" rtl="0" eaLnBrk="1" latinLnBrk="0" hangingPunct="1">
+              <a:lnSpc>
+                <a:spcPct val="90000"/>
+              </a:lnSpc>
+              <a:spcBef>
+                <a:spcPts val="500"/>
+              </a:spcBef>
+              <a:buFont typeface="Arial" panose="020B0604020202020204" pitchFamily="34" charset="0"/>
+              <a:buChar char="•"/>
+              <a:defRPr sz="1800" kern="1200">
+                <a:solidFill>
+                  <a:schemeClr val="tx1"/>
+                </a:solidFill>
+                <a:latin typeface="+mn-lt"/>
+                <a:ea typeface="+mn-ea"/>
+                <a:cs typeface="+mn-cs"/>
+              </a:defRPr>
+            </a:lvl6pPr>
+            <a:lvl7pPr marL="2971800" indent="-228600" algn="l" defTabSz="914400" rtl="0" eaLnBrk="1" latinLnBrk="0" hangingPunct="1">
+              <a:lnSpc>
+                <a:spcPct val="90000"/>
+              </a:lnSpc>
+              <a:spcBef>
+                <a:spcPts val="500"/>
+              </a:spcBef>
+              <a:buFont typeface="Arial" panose="020B0604020202020204" pitchFamily="34" charset="0"/>
+              <a:buChar char="•"/>
+              <a:defRPr sz="1800" kern="1200">
+                <a:solidFill>
+                  <a:schemeClr val="tx1"/>
+                </a:solidFill>
+                <a:latin typeface="+mn-lt"/>
+                <a:ea typeface="+mn-ea"/>
+                <a:cs typeface="+mn-cs"/>
+              </a:defRPr>
+            </a:lvl7pPr>
+            <a:lvl8pPr marL="3429000" indent="-228600" algn="l" defTabSz="914400" rtl="0" eaLnBrk="1" latinLnBrk="0" hangingPunct="1">
+              <a:lnSpc>
+                <a:spcPct val="90000"/>
+              </a:lnSpc>
+              <a:spcBef>
+                <a:spcPts val="500"/>
+              </a:spcBef>
+              <a:buFont typeface="Arial" panose="020B0604020202020204" pitchFamily="34" charset="0"/>
+              <a:buChar char="•"/>
+              <a:defRPr sz="1800" kern="1200">
+                <a:solidFill>
+                  <a:schemeClr val="tx1"/>
+                </a:solidFill>
+                <a:latin typeface="+mn-lt"/>
+                <a:ea typeface="+mn-ea"/>
+                <a:cs typeface="+mn-cs"/>
+              </a:defRPr>
+            </a:lvl8pPr>
+            <a:lvl9pPr marL="3886200" indent="-228600" algn="l" defTabSz="914400" rtl="0" eaLnBrk="1" latinLnBrk="0" hangingPunct="1">
+              <a:lnSpc>
+                <a:spcPct val="90000"/>
+              </a:lnSpc>
+              <a:spcBef>
+                <a:spcPts val="500"/>
+              </a:spcBef>
+              <a:buFont typeface="Arial" panose="020B0604020202020204" pitchFamily="34" charset="0"/>
+              <a:buChar char="•"/>
+              <a:defRPr sz="1800" kern="1200">
+                <a:solidFill>
+                  <a:schemeClr val="tx1"/>
+                </a:solidFill>
+                <a:latin typeface="+mn-lt"/>
+                <a:ea typeface="+mn-ea"/>
+                <a:cs typeface="+mn-cs"/>
+              </a:defRPr>
+            </a:lvl9pPr>
+          </a:lstStyle>
+          <a:p>
+            <a:r>
+              <a:rPr lang="en-US" sz="1800" dirty="0" smtClean="0"/>
+              <a:t>Although both techniques rank the same features with high importance, i.e., cut off at first 2 features from top, but I would include 17 features for modeling as the data is overlapping for the dependent variable</a:t>
+            </a:r>
+          </a:p>
+          <a:p>
+            <a:pPr marL="0" indent="0">
+              <a:buNone/>
+            </a:pPr>
+            <a:endParaRPr lang="en-US" sz="1800" dirty="0"/>
           </a:p>
         </p:txBody>
       </p:sp>
     </p:spTree>
     <p:extLst>
       <p:ext uri="{BB962C8B-B14F-4D97-AF65-F5344CB8AC3E}">
-        <p14:creationId xmlns:p14="http://schemas.microsoft.com/office/powerpoint/2010/main" val="964798958"/>
+        <p14:creationId xmlns:p14="http://schemas.microsoft.com/office/powerpoint/2010/main" val="2303032485"/>
       </p:ext>
     </p:extLst>
   </p:cSld>
@@ -3569,7 +3659,7 @@
           <a:p>
             <a:r>
               <a:rPr lang="en-US" dirty="0" smtClean="0"/>
-              <a:t>Sampling without fine tuning</a:t>
+              <a:t>Modeling</a:t>
             </a:r>
             <a:endParaRPr lang="en-US" dirty="0"/>
           </a:p>
@@ -3585,110 +3675,97 @@
             <p:ph idx="1"/>
           </p:nvPr>
         </p:nvSpPr>
-        <p:spPr/>
+        <p:spPr>
+          <a:xfrm>
+            <a:off x="838200" y="1825625"/>
+            <a:ext cx="3798455" cy="4351338"/>
+          </a:xfrm>
+        </p:spPr>
         <p:txBody>
           <a:bodyPr/>
           <a:lstStyle/>
           <a:p>
+            <a:endParaRPr lang="en-US" dirty="0" smtClean="0"/>
+          </a:p>
+          <a:p>
             <a:r>
               <a:rPr lang="en-US" dirty="0" smtClean="0"/>
-              <a:t>Up Sampling (SMOTE)</a:t>
-            </a:r>
-          </a:p>
-          <a:p>
-            <a:pPr lvl="1"/>
+              <a:t>Train, Validation, Test</a:t>
+            </a:r>
+          </a:p>
+          <a:p>
             <a:r>
               <a:rPr lang="en-US" dirty="0" smtClean="0"/>
-              <a:t>F1 Scores:</a:t>
-            </a:r>
-          </a:p>
-          <a:p>
-            <a:pPr lvl="2"/>
+              <a:t>Standardization</a:t>
+            </a:r>
+          </a:p>
+          <a:p>
             <a:r>
               <a:rPr lang="en-US" dirty="0" smtClean="0"/>
-              <a:t>Logistic Regression: 0.38</a:t>
-            </a:r>
-          </a:p>
-          <a:p>
-            <a:pPr lvl="2"/>
-            <a:r>
-              <a:rPr lang="en-US" dirty="0" smtClean="0"/>
-              <a:t>Random Forest: 0.48</a:t>
-            </a:r>
-          </a:p>
-          <a:p>
-            <a:pPr lvl="2"/>
-            <a:r>
-              <a:rPr lang="en-US" dirty="0" smtClean="0"/>
-              <a:t>Support Vector Classifier: 0.42</a:t>
-            </a:r>
-          </a:p>
-          <a:p>
-            <a:r>
-              <a:rPr lang="en-US" dirty="0" smtClean="0"/>
-              <a:t>Under </a:t>
-            </a:r>
-            <a:r>
-              <a:rPr lang="en-US" dirty="0"/>
-              <a:t>Sampling </a:t>
-            </a:r>
-            <a:r>
-              <a:rPr lang="en-US" dirty="0" smtClean="0"/>
-              <a:t>(</a:t>
-            </a:r>
-            <a:r>
-              <a:rPr lang="en-US" dirty="0" err="1" smtClean="0"/>
-              <a:t>Tomek</a:t>
-            </a:r>
-            <a:r>
-              <a:rPr lang="en-US" dirty="0" smtClean="0"/>
-              <a:t>-Links)</a:t>
+              <a:t>10-Fold cross validation</a:t>
             </a:r>
             <a:endParaRPr lang="en-US" dirty="0"/>
           </a:p>
-          <a:p>
-            <a:pPr lvl="1"/>
-            <a:r>
-              <a:rPr lang="en-US" dirty="0"/>
-              <a:t>F1 Scores:</a:t>
-            </a:r>
-          </a:p>
-          <a:p>
-            <a:pPr lvl="2"/>
-            <a:r>
-              <a:rPr lang="en-US" dirty="0"/>
-              <a:t>Logistic Regression: </a:t>
-            </a:r>
-            <a:r>
-              <a:rPr lang="en-US" dirty="0" smtClean="0"/>
-              <a:t>0.48</a:t>
-            </a:r>
-            <a:endParaRPr lang="en-US" dirty="0"/>
-          </a:p>
-          <a:p>
-            <a:pPr lvl="2"/>
-            <a:r>
-              <a:rPr lang="en-US" dirty="0"/>
-              <a:t>Random Forest: 0.48</a:t>
-            </a:r>
-          </a:p>
-          <a:p>
-            <a:pPr lvl="2"/>
-            <a:r>
-              <a:rPr lang="en-US" dirty="0"/>
-              <a:t>Support Vector Classifier: </a:t>
-            </a:r>
-            <a:r>
-              <a:rPr lang="en-US" dirty="0" smtClean="0"/>
-              <a:t>0.37</a:t>
-            </a:r>
+        </p:txBody>
+      </p:sp>
+      <p:pic>
+        <p:nvPicPr>
+          <p:cNvPr id="4" name="Picture 3"/>
+          <p:cNvPicPr>
+            <a:picLocks noChangeAspect="1"/>
+          </p:cNvPicPr>
+          <p:nvPr/>
+        </p:nvPicPr>
+        <p:blipFill>
+          <a:blip r:embed="rId2"/>
+          <a:stretch>
+            <a:fillRect/>
+          </a:stretch>
+        </p:blipFill>
+        <p:spPr>
+          <a:xfrm>
+            <a:off x="5430981" y="2361749"/>
+            <a:ext cx="5190837" cy="4227777"/>
+          </a:xfrm>
+          <a:prstGeom prst="rect">
+            <a:avLst/>
+          </a:prstGeom>
+        </p:spPr>
+      </p:pic>
+      <p:sp>
+        <p:nvSpPr>
+          <p:cNvPr id="5" name="TextBox 4"/>
+          <p:cNvSpPr txBox="1"/>
+          <p:nvPr/>
+        </p:nvSpPr>
+        <p:spPr>
+          <a:xfrm>
+            <a:off x="7527636" y="1758341"/>
+            <a:ext cx="2004291" cy="461665"/>
+          </a:xfrm>
+          <a:prstGeom prst="rect">
+            <a:avLst/>
+          </a:prstGeom>
+          <a:noFill/>
+        </p:spPr>
+        <p:txBody>
+          <a:bodyPr wrap="square" rtlCol="0">
+            <a:spAutoFit/>
+          </a:bodyPr>
+          <a:lstStyle/>
+          <a:p>
+            <a:r>
+              <a:rPr lang="en-US" sz="2400" dirty="0" smtClean="0"/>
+              <a:t>Baselines</a:t>
+            </a:r>
+            <a:endParaRPr lang="en-US" sz="2400" dirty="0"/>
           </a:p>
         </p:txBody>
       </p:sp>
     </p:spTree>
     <p:extLst>
       <p:ext uri="{BB962C8B-B14F-4D97-AF65-F5344CB8AC3E}">
-        <p14:creationId xmlns:p14="http://schemas.microsoft.com/office/powerpoint/2010/main" val="3906548878"/>
+        <p14:creationId xmlns:p14="http://schemas.microsoft.com/office/powerpoint/2010/main" val="964798958"/>
       </p:ext>
     </p:extLst>
   </p:cSld>
@@ -3732,7 +3809,7 @@
           <a:p>
             <a:r>
               <a:rPr lang="en-US" dirty="0" smtClean="0"/>
-              <a:t>Random forest with Up Sampling and Fine tuning</a:t>
+              <a:t>Sampling without fine tuning</a:t>
             </a:r>
             <a:endParaRPr lang="en-US" dirty="0"/>
           </a:p>
@@ -3750,56 +3827,108 @@
         </p:nvSpPr>
         <p:spPr/>
         <p:txBody>
-          <a:bodyPr>
-            <a:normAutofit/>
-          </a:bodyPr>
-          <a:lstStyle/>
-          <a:p>
+          <a:bodyPr/>
+          <a:lstStyle/>
+          <a:p>
+            <a:r>
+              <a:rPr lang="en-US" dirty="0" smtClean="0"/>
+              <a:t>Up Sampling (SMOTE)</a:t>
+            </a:r>
+          </a:p>
+          <a:p>
+            <a:pPr lvl="1"/>
+            <a:r>
+              <a:rPr lang="en-US" dirty="0" smtClean="0"/>
+              <a:t>F1 Scores:</a:t>
+            </a:r>
+          </a:p>
+          <a:p>
+            <a:pPr lvl="2"/>
+            <a:r>
+              <a:rPr lang="en-US" dirty="0" smtClean="0"/>
+              <a:t>Logistic Regression: 0.38</a:t>
+            </a:r>
+          </a:p>
+          <a:p>
+            <a:pPr lvl="2"/>
+            <a:r>
+              <a:rPr lang="en-US" dirty="0" smtClean="0"/>
+              <a:t>Random Forest: 0.48</a:t>
+            </a:r>
+          </a:p>
+          <a:p>
+            <a:pPr lvl="2"/>
+            <a:r>
+              <a:rPr lang="en-US" dirty="0" smtClean="0"/>
+              <a:t>Support Vector Classifier: 0.42</a:t>
+            </a:r>
+          </a:p>
+          <a:p>
+            <a:r>
+              <a:rPr lang="en-US" dirty="0" smtClean="0"/>
+              <a:t>Under </a:t>
+            </a:r>
+            <a:r>
+              <a:rPr lang="en-US" dirty="0"/>
+              <a:t>Sampling </a:t>
+            </a:r>
+            <a:r>
+              <a:rPr lang="en-US" dirty="0" smtClean="0"/>
+              <a:t>(</a:t>
+            </a:r>
             <a:r>
               <a:rPr lang="en-US" dirty="0" err="1" smtClean="0"/>
-              <a:t>Ranomized</a:t>
+              <a:t>Tomek</a:t>
             </a:r>
             <a:r>
               <a:rPr lang="en-US" dirty="0" smtClean="0"/>
-              <a:t> Search Cross Validation</a:t>
-            </a:r>
-          </a:p>
-          <a:p>
+              <a:t>-Links)</a:t>
+            </a:r>
+            <a:endParaRPr lang="en-US" dirty="0"/>
+          </a:p>
+          <a:p>
+            <a:pPr lvl="1"/>
+            <a:r>
+              <a:rPr lang="en-US" dirty="0"/>
+              <a:t>F1 Scores:</a:t>
+            </a:r>
+          </a:p>
+          <a:p>
+            <a:pPr lvl="2"/>
+            <a:r>
+              <a:rPr lang="en-US" dirty="0"/>
+              <a:t>Logistic Regression: </a:t>
+            </a:r>
             <a:r>
               <a:rPr lang="en-US" dirty="0" smtClean="0"/>
-              <a:t>SMOTE</a:t>
-            </a:r>
-          </a:p>
-        </p:txBody>
-      </p:sp>
-      <p:pic>
-        <p:nvPicPr>
-          <p:cNvPr id="4" name="Picture 3"/>
-          <p:cNvPicPr>
-            <a:picLocks noChangeAspect="1"/>
-          </p:cNvPicPr>
-          <p:nvPr/>
-        </p:nvPicPr>
-        <p:blipFill>
-          <a:blip r:embed="rId2"/>
-          <a:stretch>
-            <a:fillRect/>
-          </a:stretch>
-        </p:blipFill>
-        <p:spPr>
-          <a:xfrm>
-            <a:off x="676275" y="3119871"/>
-            <a:ext cx="11515725" cy="3333750"/>
-          </a:xfrm>
-          <a:prstGeom prst="rect">
-            <a:avLst/>
-          </a:prstGeom>
-        </p:spPr>
-      </p:pic>
+              <a:t>0.48</a:t>
+            </a:r>
+            <a:endParaRPr lang="en-US" dirty="0"/>
+          </a:p>
+          <a:p>
+            <a:pPr lvl="2"/>
+            <a:r>
+              <a:rPr lang="en-US" dirty="0"/>
+              <a:t>Random Forest: 0.48</a:t>
+            </a:r>
+          </a:p>
+          <a:p>
+            <a:pPr lvl="2"/>
+            <a:r>
+              <a:rPr lang="en-US" dirty="0"/>
+              <a:t>Support Vector Classifier: </a:t>
+            </a:r>
+            <a:r>
+              <a:rPr lang="en-US" dirty="0" smtClean="0"/>
+              <a:t>0.37</a:t>
+            </a:r>
+          </a:p>
+        </p:txBody>
+      </p:sp>
     </p:spTree>
     <p:extLst>
       <p:ext uri="{BB962C8B-B14F-4D97-AF65-F5344CB8AC3E}">
-        <p14:creationId xmlns:p14="http://schemas.microsoft.com/office/powerpoint/2010/main" val="3709338763"/>
+        <p14:creationId xmlns:p14="http://schemas.microsoft.com/office/powerpoint/2010/main" val="3906548878"/>
       </p:ext>
     </p:extLst>
   </p:cSld>
@@ -3843,6 +3972,117 @@
           <a:p>
             <a:r>
               <a:rPr lang="en-US" dirty="0" smtClean="0"/>
+              <a:t>Random forest with Up Sampling and Fine tuning</a:t>
+            </a:r>
+            <a:endParaRPr lang="en-US" dirty="0"/>
+          </a:p>
+        </p:txBody>
+      </p:sp>
+      <p:sp>
+        <p:nvSpPr>
+          <p:cNvPr id="3" name="Content Placeholder 2"/>
+          <p:cNvSpPr>
+            <a:spLocks noGrp="1"/>
+          </p:cNvSpPr>
+          <p:nvPr>
+            <p:ph idx="1"/>
+          </p:nvPr>
+        </p:nvSpPr>
+        <p:spPr/>
+        <p:txBody>
+          <a:bodyPr>
+            <a:normAutofit/>
+          </a:bodyPr>
+          <a:lstStyle/>
+          <a:p>
+            <a:r>
+              <a:rPr lang="en-US" dirty="0" err="1" smtClean="0"/>
+              <a:t>Ranomized</a:t>
+            </a:r>
+            <a:r>
+              <a:rPr lang="en-US" dirty="0" smtClean="0"/>
+              <a:t> Search Cross Validation</a:t>
+            </a:r>
+          </a:p>
+          <a:p>
+            <a:r>
+              <a:rPr lang="en-US" dirty="0" smtClean="0"/>
+              <a:t>SMOTE</a:t>
+            </a:r>
+          </a:p>
+        </p:txBody>
+      </p:sp>
+      <p:pic>
+        <p:nvPicPr>
+          <p:cNvPr id="4" name="Picture 3"/>
+          <p:cNvPicPr>
+            <a:picLocks noChangeAspect="1"/>
+          </p:cNvPicPr>
+          <p:nvPr/>
+        </p:nvPicPr>
+        <p:blipFill>
+          <a:blip r:embed="rId2"/>
+          <a:stretch>
+            <a:fillRect/>
+          </a:stretch>
+        </p:blipFill>
+        <p:spPr>
+          <a:xfrm>
+            <a:off x="676275" y="3119871"/>
+            <a:ext cx="11515725" cy="3333750"/>
+          </a:xfrm>
+          <a:prstGeom prst="rect">
+            <a:avLst/>
+          </a:prstGeom>
+        </p:spPr>
+      </p:pic>
+    </p:spTree>
+    <p:extLst>
+      <p:ext uri="{BB962C8B-B14F-4D97-AF65-F5344CB8AC3E}">
+        <p14:creationId xmlns:p14="http://schemas.microsoft.com/office/powerpoint/2010/main" val="3709338763"/>
+      </p:ext>
+    </p:extLst>
+  </p:cSld>
+  <p:clrMapOvr>
+    <a:masterClrMapping/>
+  </p:clrMapOvr>
+</p:sld>
+</file>
+
+<file path=ppt/slides/slide15.xml><?xml version="1.0" encoding="utf-8"?>
+<p:sld xmlns:a="http://schemas.openxmlformats.org/drawingml/2006/main" xmlns:r="http://schemas.openxmlformats.org/officeDocument/2006/relationships" xmlns:p="http://schemas.openxmlformats.org/presentationml/2006/main">
+  <p:cSld>
+    <p:spTree>
+      <p:nvGrpSpPr>
+        <p:cNvPr id="1" name=""/>
+        <p:cNvGrpSpPr/>
+        <p:nvPr/>
+      </p:nvGrpSpPr>
+      <p:grpSpPr>
+        <a:xfrm>
+          <a:off x="0" y="0"/>
+          <a:ext cx="0" cy="0"/>
+          <a:chOff x="0" y="0"/>
+          <a:chExt cx="0" cy="0"/>
+        </a:xfrm>
+      </p:grpSpPr>
+      <p:sp>
+        <p:nvSpPr>
+          <p:cNvPr id="2" name="Title 1"/>
+          <p:cNvSpPr>
+            <a:spLocks noGrp="1"/>
+          </p:cNvSpPr>
+          <p:nvPr>
+            <p:ph type="title"/>
+          </p:nvPr>
+        </p:nvSpPr>
+        <p:spPr/>
+        <p:txBody>
+          <a:bodyPr/>
+          <a:lstStyle/>
+          <a:p>
+            <a:r>
+              <a:rPr lang="en-US" dirty="0" smtClean="0"/>
               <a:t>Cost Analysis</a:t>
             </a:r>
             <a:endParaRPr lang="en-US" dirty="0"/>
@@ -3968,15 +4208,7 @@
             </a:r>
             <a:r>
               <a:rPr lang="en-GB" sz="1800" dirty="0"/>
-              <a:t>): 47*2600 = </a:t>
-            </a:r>
-            <a:r>
-              <a:rPr lang="en-GB" sz="1800" dirty="0"/>
-              <a:t>€ </a:t>
-            </a:r>
-            <a:r>
-              <a:rPr lang="en-GB" sz="1800" dirty="0"/>
-              <a:t>122,200</a:t>
+              <a:t>): 47*2600 = € 122,200</a:t>
             </a:r>
           </a:p>
           <a:p>
@@ -4037,7 +4269,7 @@
 </p:sld>
 </file>
 
-<file path=ppt/slides/slide15.xml><?xml version="1.0" encoding="utf-8"?>
+<file path=ppt/slides/slide16.xml><?xml version="1.0" encoding="utf-8"?>
 <p:sld xmlns:a="http://schemas.openxmlformats.org/drawingml/2006/main" xmlns:r="http://schemas.openxmlformats.org/officeDocument/2006/relationships" xmlns:p="http://schemas.openxmlformats.org/presentationml/2006/main">
   <p:cSld>
     <p:spTree>
@@ -4431,6 +4663,123 @@
       </p:grpSpPr>
       <p:sp>
         <p:nvSpPr>
+          <p:cNvPr id="2" name="Title 1"/>
+          <p:cNvSpPr>
+            <a:spLocks noGrp="1"/>
+          </p:cNvSpPr>
+          <p:nvPr>
+            <p:ph type="title"/>
+          </p:nvPr>
+        </p:nvSpPr>
+        <p:spPr/>
+        <p:txBody>
+          <a:bodyPr/>
+          <a:lstStyle/>
+          <a:p>
+            <a:r>
+              <a:rPr lang="en-US" dirty="0" smtClean="0"/>
+              <a:t>Vehicle Damage Classification</a:t>
+            </a:r>
+            <a:endParaRPr lang="en-US" dirty="0"/>
+          </a:p>
+        </p:txBody>
+      </p:sp>
+      <p:sp>
+        <p:nvSpPr>
+          <p:cNvPr id="3" name="Content Placeholder 2"/>
+          <p:cNvSpPr>
+            <a:spLocks noGrp="1"/>
+          </p:cNvSpPr>
+          <p:nvPr>
+            <p:ph idx="1"/>
+          </p:nvPr>
+        </p:nvSpPr>
+        <p:spPr/>
+        <p:txBody>
+          <a:bodyPr/>
+          <a:lstStyle/>
+          <a:p>
+            <a:pPr marL="0" indent="0">
+              <a:buNone/>
+            </a:pPr>
+            <a:r>
+              <a:rPr lang="en-US" b="1" dirty="0" smtClean="0"/>
+              <a:t>Task completed</a:t>
+            </a:r>
+          </a:p>
+          <a:p>
+            <a:r>
+              <a:rPr lang="en-US" dirty="0" smtClean="0"/>
+              <a:t>Data Analysis</a:t>
+            </a:r>
+          </a:p>
+          <a:p>
+            <a:r>
+              <a:rPr lang="en-US" dirty="0" smtClean="0"/>
+              <a:t>Model Selection and Development</a:t>
+            </a:r>
+          </a:p>
+          <a:p>
+            <a:r>
+              <a:rPr lang="en-US" dirty="0" smtClean="0"/>
+              <a:t>REST APIs</a:t>
+            </a:r>
+          </a:p>
+          <a:p>
+            <a:r>
+              <a:rPr lang="en-US" dirty="0" smtClean="0"/>
+              <a:t>MongoDB</a:t>
+            </a:r>
+          </a:p>
+          <a:p>
+            <a:r>
+              <a:rPr lang="en-US" dirty="0" smtClean="0"/>
+              <a:t>Logging data for future model improvements along with predictions</a:t>
+            </a:r>
+          </a:p>
+          <a:p>
+            <a:r>
+              <a:rPr lang="en-US" dirty="0" smtClean="0"/>
+              <a:t>Image and containerization</a:t>
+            </a:r>
+          </a:p>
+          <a:p>
+            <a:endParaRPr lang="en-US" dirty="0"/>
+          </a:p>
+        </p:txBody>
+      </p:sp>
+    </p:spTree>
+    <p:extLst>
+      <p:ext uri="{BB962C8B-B14F-4D97-AF65-F5344CB8AC3E}">
+        <p14:creationId xmlns:p14="http://schemas.microsoft.com/office/powerpoint/2010/main" val="3446290683"/>
+      </p:ext>
+    </p:extLst>
+  </p:cSld>
+  <p:clrMapOvr>
+    <a:masterClrMapping/>
+  </p:clrMapOvr>
+</p:sld>
+</file>
+
+<file path=ppt/slides/slide3.xml><?xml version="1.0" encoding="utf-8"?>
+<p:sld xmlns:a="http://schemas.openxmlformats.org/drawingml/2006/main" xmlns:r="http://schemas.openxmlformats.org/officeDocument/2006/relationships" xmlns:p="http://schemas.openxmlformats.org/presentationml/2006/main">
+  <p:cSld>
+    <p:spTree>
+      <p:nvGrpSpPr>
+        <p:cNvPr id="1" name=""/>
+        <p:cNvGrpSpPr/>
+        <p:nvPr/>
+      </p:nvGrpSpPr>
+      <p:grpSpPr>
+        <a:xfrm>
+          <a:off x="0" y="0"/>
+          <a:ext cx="0" cy="0"/>
+          <a:chOff x="0" y="0"/>
+          <a:chExt cx="0" cy="0"/>
+        </a:xfrm>
+      </p:grpSpPr>
+      <p:sp>
+        <p:nvSpPr>
           <p:cNvPr id="4" name="Rounded Rectangle 3"/>
           <p:cNvSpPr/>
           <p:nvPr/>
@@ -5272,7 +5621,7 @@
 </p:sld>
 </file>
 
-<file path=ppt/slides/slide3.xml><?xml version="1.0" encoding="utf-8"?>
+<file path=ppt/slides/slide4.xml><?xml version="1.0" encoding="utf-8"?>
 <p:sld xmlns:a="http://schemas.openxmlformats.org/drawingml/2006/main" xmlns:r="http://schemas.openxmlformats.org/officeDocument/2006/relationships" xmlns:p="http://schemas.openxmlformats.org/presentationml/2006/main">
   <p:cSld>
     <p:spTree>
@@ -5619,7 +5968,7 @@
 </p:sld>
 </file>
 
-<file path=ppt/slides/slide4.xml><?xml version="1.0" encoding="utf-8"?>
+<file path=ppt/slides/slide5.xml><?xml version="1.0" encoding="utf-8"?>
 <p:sld xmlns:a="http://schemas.openxmlformats.org/drawingml/2006/main" xmlns:r="http://schemas.openxmlformats.org/officeDocument/2006/relationships" xmlns:p="http://schemas.openxmlformats.org/presentationml/2006/main">
   <p:cSld>
     <p:spTree>
@@ -5756,7 +6105,7 @@
 </p:sld>
 </file>
 
-<file path=ppt/slides/slide5.xml><?xml version="1.0" encoding="utf-8"?>
+<file path=ppt/slides/slide6.xml><?xml version="1.0" encoding="utf-8"?>
 <p:sld xmlns:a="http://schemas.openxmlformats.org/drawingml/2006/main" xmlns:r="http://schemas.openxmlformats.org/officeDocument/2006/relationships" xmlns:p="http://schemas.openxmlformats.org/presentationml/2006/main">
   <p:cSld>
     <p:spTree>
@@ -6051,7 +6400,7 @@
 </p:sld>
 </file>
 
-<file path=ppt/slides/slide6.xml><?xml version="1.0" encoding="utf-8"?>
+<file path=ppt/slides/slide7.xml><?xml version="1.0" encoding="utf-8"?>
 <p:sld xmlns:a="http://schemas.openxmlformats.org/drawingml/2006/main" xmlns:r="http://schemas.openxmlformats.org/officeDocument/2006/relationships" xmlns:p="http://schemas.openxmlformats.org/presentationml/2006/main">
   <p:cSld>
     <p:spTree>
@@ -6471,7 +6820,7 @@
 </p:sld>
 </file>
 
-<file path=ppt/slides/slide7.xml><?xml version="1.0" encoding="utf-8"?>
+<file path=ppt/slides/slide8.xml><?xml version="1.0" encoding="utf-8"?>
 <p:sld xmlns:a="http://schemas.openxmlformats.org/drawingml/2006/main" xmlns:r="http://schemas.openxmlformats.org/officeDocument/2006/relationships" xmlns:p="http://schemas.openxmlformats.org/presentationml/2006/main">
   <p:cSld>
     <p:spTree>
@@ -6762,157 +7111,6 @@
 </p:sld>
 </file>
 
-<file path=ppt/slides/slide8.xml><?xml version="1.0" encoding="utf-8"?>
-<p:sld xmlns:a="http://schemas.openxmlformats.org/drawingml/2006/main" xmlns:r="http://schemas.openxmlformats.org/officeDocument/2006/relationships" xmlns:p="http://schemas.openxmlformats.org/presentationml/2006/main">
-  <p:cSld>
-    <p:spTree>
-      <p:nvGrpSpPr>
-        <p:cNvPr id="1" name=""/>
-        <p:cNvGrpSpPr/>
-        <p:nvPr/>
-      </p:nvGrpSpPr>
-      <p:grpSpPr>
-        <a:xfrm>
-          <a:off x="0" y="0"/>
-          <a:ext cx="0" cy="0"/>
-          <a:chOff x="0" y="0"/>
-          <a:chExt cx="0" cy="0"/>
-        </a:xfrm>
-      </p:grpSpPr>
-      <p:sp>
-        <p:nvSpPr>
-          <p:cNvPr id="2" name="Title 1"/>
-          <p:cNvSpPr>
-            <a:spLocks noGrp="1"/>
-          </p:cNvSpPr>
-          <p:nvPr>
-            <p:ph type="title"/>
-          </p:nvPr>
-        </p:nvSpPr>
-        <p:spPr/>
-        <p:txBody>
-          <a:bodyPr/>
-          <a:lstStyle/>
-          <a:p>
-            <a:r>
-              <a:rPr lang="en-US" dirty="0" smtClean="0"/>
-              <a:t>Distribution w.r.t. Dependent Variable</a:t>
-            </a:r>
-            <a:endParaRPr lang="en-US" dirty="0"/>
-          </a:p>
-        </p:txBody>
-      </p:sp>
-      <p:pic>
-        <p:nvPicPr>
-          <p:cNvPr id="4" name="Content Placeholder 3"/>
-          <p:cNvPicPr>
-            <a:picLocks noGrp="1" noChangeAspect="1"/>
-          </p:cNvPicPr>
-          <p:nvPr>
-            <p:ph idx="1"/>
-          </p:nvPr>
-        </p:nvPicPr>
-        <p:blipFill>
-          <a:blip r:embed="rId2"/>
-          <a:stretch>
-            <a:fillRect/>
-          </a:stretch>
-        </p:blipFill>
-        <p:spPr>
-          <a:xfrm>
-            <a:off x="612178" y="1690688"/>
-            <a:ext cx="4595366" cy="2805690"/>
-          </a:xfrm>
-          <a:prstGeom prst="rect">
-            <a:avLst/>
-          </a:prstGeom>
-        </p:spPr>
-      </p:pic>
-      <p:pic>
-        <p:nvPicPr>
-          <p:cNvPr id="5" name="Picture 4"/>
-          <p:cNvPicPr>
-            <a:picLocks noChangeAspect="1"/>
-          </p:cNvPicPr>
-          <p:nvPr/>
-        </p:nvPicPr>
-        <p:blipFill>
-          <a:blip r:embed="rId3"/>
-          <a:stretch>
-            <a:fillRect/>
-          </a:stretch>
-        </p:blipFill>
-        <p:spPr>
-          <a:xfrm>
-            <a:off x="5740928" y="1625600"/>
-            <a:ext cx="4622271" cy="2866324"/>
-          </a:xfrm>
-          <a:prstGeom prst="rect">
-            <a:avLst/>
-          </a:prstGeom>
-        </p:spPr>
-      </p:pic>
-      <p:pic>
-        <p:nvPicPr>
-          <p:cNvPr id="6" name="Picture 5"/>
-          <p:cNvPicPr>
-            <a:picLocks noChangeAspect="1"/>
-          </p:cNvPicPr>
-          <p:nvPr/>
-        </p:nvPicPr>
-        <p:blipFill>
-          <a:blip r:embed="rId4"/>
-          <a:stretch>
-            <a:fillRect/>
-          </a:stretch>
-        </p:blipFill>
-        <p:spPr>
-          <a:xfrm>
-            <a:off x="612178" y="4848370"/>
-            <a:ext cx="4640728" cy="1469247"/>
-          </a:xfrm>
-          <a:prstGeom prst="rect">
-            <a:avLst/>
-          </a:prstGeom>
-        </p:spPr>
-      </p:pic>
-      <p:pic>
-        <p:nvPicPr>
-          <p:cNvPr id="7" name="Picture 6"/>
-          <p:cNvPicPr>
-            <a:picLocks noChangeAspect="1"/>
-          </p:cNvPicPr>
-          <p:nvPr/>
-        </p:nvPicPr>
-        <p:blipFill>
-          <a:blip r:embed="rId5"/>
-          <a:stretch>
-            <a:fillRect/>
-          </a:stretch>
-        </p:blipFill>
-        <p:spPr>
-          <a:xfrm>
-            <a:off x="5887188" y="4848369"/>
-            <a:ext cx="1576991" cy="1469247"/>
-          </a:xfrm>
-          <a:prstGeom prst="rect">
-            <a:avLst/>
-          </a:prstGeom>
-        </p:spPr>
-      </p:pic>
-    </p:spTree>
-    <p:extLst>
-      <p:ext uri="{BB962C8B-B14F-4D97-AF65-F5344CB8AC3E}">
-        <p14:creationId xmlns:p14="http://schemas.microsoft.com/office/powerpoint/2010/main" val="3541888333"/>
-      </p:ext>
-    </p:extLst>
-  </p:cSld>
-  <p:clrMapOvr>
-    <a:masterClrMapping/>
-  </p:clrMapOvr>
-</p:sld>
-</file>
-
 <file path=ppt/slides/slide9.xml><?xml version="1.0" encoding="utf-8"?>
 <p:sld xmlns:a="http://schemas.openxmlformats.org/drawingml/2006/main" xmlns:r="http://schemas.openxmlformats.org/officeDocument/2006/relationships" xmlns:p="http://schemas.openxmlformats.org/presentationml/2006/main">
   <p:cSld>
@@ -6947,7 +7145,7 @@
           <a:p>
             <a:r>
               <a:rPr lang="en-US" dirty="0" smtClean="0"/>
-              <a:t>PCA Analysis</a:t>
+              <a:t>Distribution w.r.t. Dependent Variable</a:t>
             </a:r>
             <a:endParaRPr lang="en-US" dirty="0"/>
           </a:p>
@@ -6955,11 +7153,13 @@
       </p:sp>
       <p:pic>
         <p:nvPicPr>
-          <p:cNvPr id="4" name="Picture 3"/>
+          <p:cNvPr id="4" name="Content Placeholder 3"/>
           <p:cNvPicPr>
-            <a:picLocks noChangeAspect="1"/>
+            <a:picLocks noGrp="1" noChangeAspect="1"/>
           </p:cNvPicPr>
-          <p:nvPr/>
+          <p:nvPr>
+            <p:ph idx="1"/>
+          </p:nvPr>
         </p:nvPicPr>
         <p:blipFill>
           <a:blip r:embed="rId2"/>
@@ -6969,223 +7169,90 @@
         </p:blipFill>
         <p:spPr>
           <a:xfrm>
-            <a:off x="3980504" y="1357745"/>
-            <a:ext cx="7980587" cy="4104675"/>
+            <a:off x="612178" y="1690688"/>
+            <a:ext cx="4595366" cy="2805690"/>
           </a:xfrm>
           <a:prstGeom prst="rect">
             <a:avLst/>
           </a:prstGeom>
         </p:spPr>
       </p:pic>
-      <p:sp>
-        <p:nvSpPr>
-          <p:cNvPr id="5" name="Content Placeholder 4"/>
-          <p:cNvSpPr txBox="1">
-            <a:spLocks/>
-          </p:cNvSpPr>
+      <p:pic>
+        <p:nvPicPr>
+          <p:cNvPr id="5" name="Picture 4"/>
+          <p:cNvPicPr>
+            <a:picLocks noChangeAspect="1"/>
+          </p:cNvPicPr>
           <p:nvPr/>
-        </p:nvSpPr>
-        <p:spPr>
-          <a:xfrm>
-            <a:off x="629105" y="1690688"/>
-            <a:ext cx="2744108" cy="4383411"/>
+        </p:nvPicPr>
+        <p:blipFill>
+          <a:blip r:embed="rId3"/>
+          <a:stretch>
+            <a:fillRect/>
+          </a:stretch>
+        </p:blipFill>
+        <p:spPr>
+          <a:xfrm>
+            <a:off x="5740928" y="1625600"/>
+            <a:ext cx="4622271" cy="2866324"/>
           </a:xfrm>
           <a:prstGeom prst="rect">
             <a:avLst/>
           </a:prstGeom>
         </p:spPr>
-        <p:txBody>
-          <a:bodyPr vert="horz" lIns="91440" tIns="45720" rIns="91440" bIns="45720" rtlCol="0">
-            <a:noAutofit/>
-          </a:bodyPr>
-          <a:lstStyle>
-            <a:lvl1pPr marL="228600" indent="-228600" algn="l" defTabSz="914400" rtl="0" eaLnBrk="1" latinLnBrk="0" hangingPunct="1">
-              <a:lnSpc>
-                <a:spcPct val="90000"/>
-              </a:lnSpc>
-              <a:spcBef>
-                <a:spcPts val="1000"/>
-              </a:spcBef>
-              <a:buFont typeface="Arial" panose="020B0604020202020204" pitchFamily="34" charset="0"/>
-              <a:buChar char="•"/>
-              <a:defRPr sz="2800" kern="1200">
-                <a:solidFill>
-                  <a:schemeClr val="tx1"/>
-                </a:solidFill>
-                <a:latin typeface="+mn-lt"/>
-                <a:ea typeface="+mn-ea"/>
-                <a:cs typeface="+mn-cs"/>
-              </a:defRPr>
-            </a:lvl1pPr>
-            <a:lvl2pPr marL="685800" indent="-228600" algn="l" defTabSz="914400" rtl="0" eaLnBrk="1" latinLnBrk="0" hangingPunct="1">
-              <a:lnSpc>
-                <a:spcPct val="90000"/>
-              </a:lnSpc>
-              <a:spcBef>
-                <a:spcPts val="500"/>
-              </a:spcBef>
-              <a:buFont typeface="Arial" panose="020B0604020202020204" pitchFamily="34" charset="0"/>
-              <a:buChar char="•"/>
-              <a:defRPr sz="2400" kern="1200">
-                <a:solidFill>
-                  <a:schemeClr val="tx1"/>
-                </a:solidFill>
-                <a:latin typeface="+mn-lt"/>
-                <a:ea typeface="+mn-ea"/>
-                <a:cs typeface="+mn-cs"/>
-              </a:defRPr>
-            </a:lvl2pPr>
-            <a:lvl3pPr marL="1143000" indent="-228600" algn="l" defTabSz="914400" rtl="0" eaLnBrk="1" latinLnBrk="0" hangingPunct="1">
-              <a:lnSpc>
-                <a:spcPct val="90000"/>
-              </a:lnSpc>
-              <a:spcBef>
-                <a:spcPts val="500"/>
-              </a:spcBef>
-              <a:buFont typeface="Arial" panose="020B0604020202020204" pitchFamily="34" charset="0"/>
-              <a:buChar char="•"/>
-              <a:defRPr sz="2000" kern="1200">
-                <a:solidFill>
-                  <a:schemeClr val="tx1"/>
-                </a:solidFill>
-                <a:latin typeface="+mn-lt"/>
-                <a:ea typeface="+mn-ea"/>
-                <a:cs typeface="+mn-cs"/>
-              </a:defRPr>
-            </a:lvl3pPr>
-            <a:lvl4pPr marL="1600200" indent="-228600" algn="l" defTabSz="914400" rtl="0" eaLnBrk="1" latinLnBrk="0" hangingPunct="1">
-              <a:lnSpc>
-                <a:spcPct val="90000"/>
-              </a:lnSpc>
-              <a:spcBef>
-                <a:spcPts val="500"/>
-              </a:spcBef>
-              <a:buFont typeface="Arial" panose="020B0604020202020204" pitchFamily="34" charset="0"/>
-              <a:buChar char="•"/>
-              <a:defRPr sz="1800" kern="1200">
-                <a:solidFill>
-                  <a:schemeClr val="tx1"/>
-                </a:solidFill>
-                <a:latin typeface="+mn-lt"/>
-                <a:ea typeface="+mn-ea"/>
-                <a:cs typeface="+mn-cs"/>
-              </a:defRPr>
-            </a:lvl4pPr>
-            <a:lvl5pPr marL="2057400" indent="-228600" algn="l" defTabSz="914400" rtl="0" eaLnBrk="1" latinLnBrk="0" hangingPunct="1">
-              <a:lnSpc>
-                <a:spcPct val="90000"/>
-              </a:lnSpc>
-              <a:spcBef>
-                <a:spcPts val="500"/>
-              </a:spcBef>
-              <a:buFont typeface="Arial" panose="020B0604020202020204" pitchFamily="34" charset="0"/>
-              <a:buChar char="•"/>
-              <a:defRPr sz="1800" kern="1200">
-                <a:solidFill>
-                  <a:schemeClr val="tx1"/>
-                </a:solidFill>
-                <a:latin typeface="+mn-lt"/>
-                <a:ea typeface="+mn-ea"/>
-                <a:cs typeface="+mn-cs"/>
-              </a:defRPr>
-            </a:lvl5pPr>
-            <a:lvl6pPr marL="2514600" indent="-228600" algn="l" defTabSz="914400" rtl="0" eaLnBrk="1" latinLnBrk="0" hangingPunct="1">
-              <a:lnSpc>
-                <a:spcPct val="90000"/>
-              </a:lnSpc>
-              <a:spcBef>
-                <a:spcPts val="500"/>
-              </a:spcBef>
-              <a:buFont typeface="Arial" panose="020B0604020202020204" pitchFamily="34" charset="0"/>
-              <a:buChar char="•"/>
-              <a:defRPr sz="1800" kern="1200">
-                <a:solidFill>
-                  <a:schemeClr val="tx1"/>
-                </a:solidFill>
-                <a:latin typeface="+mn-lt"/>
-                <a:ea typeface="+mn-ea"/>
-                <a:cs typeface="+mn-cs"/>
-              </a:defRPr>
-            </a:lvl6pPr>
-            <a:lvl7pPr marL="2971800" indent="-228600" algn="l" defTabSz="914400" rtl="0" eaLnBrk="1" latinLnBrk="0" hangingPunct="1">
-              <a:lnSpc>
-                <a:spcPct val="90000"/>
-              </a:lnSpc>
-              <a:spcBef>
-                <a:spcPts val="500"/>
-              </a:spcBef>
-              <a:buFont typeface="Arial" panose="020B0604020202020204" pitchFamily="34" charset="0"/>
-              <a:buChar char="•"/>
-              <a:defRPr sz="1800" kern="1200">
-                <a:solidFill>
-                  <a:schemeClr val="tx1"/>
-                </a:solidFill>
-                <a:latin typeface="+mn-lt"/>
-                <a:ea typeface="+mn-ea"/>
-                <a:cs typeface="+mn-cs"/>
-              </a:defRPr>
-            </a:lvl7pPr>
-            <a:lvl8pPr marL="3429000" indent="-228600" algn="l" defTabSz="914400" rtl="0" eaLnBrk="1" latinLnBrk="0" hangingPunct="1">
-              <a:lnSpc>
-                <a:spcPct val="90000"/>
-              </a:lnSpc>
-              <a:spcBef>
-                <a:spcPts val="500"/>
-              </a:spcBef>
-              <a:buFont typeface="Arial" panose="020B0604020202020204" pitchFamily="34" charset="0"/>
-              <a:buChar char="•"/>
-              <a:defRPr sz="1800" kern="1200">
-                <a:solidFill>
-                  <a:schemeClr val="tx1"/>
-                </a:solidFill>
-                <a:latin typeface="+mn-lt"/>
-                <a:ea typeface="+mn-ea"/>
-                <a:cs typeface="+mn-cs"/>
-              </a:defRPr>
-            </a:lvl8pPr>
-            <a:lvl9pPr marL="3886200" indent="-228600" algn="l" defTabSz="914400" rtl="0" eaLnBrk="1" latinLnBrk="0" hangingPunct="1">
-              <a:lnSpc>
-                <a:spcPct val="90000"/>
-              </a:lnSpc>
-              <a:spcBef>
-                <a:spcPts val="500"/>
-              </a:spcBef>
-              <a:buFont typeface="Arial" panose="020B0604020202020204" pitchFamily="34" charset="0"/>
-              <a:buChar char="•"/>
-              <a:defRPr sz="1800" kern="1200">
-                <a:solidFill>
-                  <a:schemeClr val="tx1"/>
-                </a:solidFill>
-                <a:latin typeface="+mn-lt"/>
-                <a:ea typeface="+mn-ea"/>
-                <a:cs typeface="+mn-cs"/>
-              </a:defRPr>
-            </a:lvl9pPr>
-          </a:lstStyle>
-          <a:p>
-            <a:r>
-              <a:rPr lang="en-US" sz="1800" dirty="0" smtClean="0"/>
-              <a:t>Top 4 components represent the distribution w.r.t. to the dependent variable</a:t>
-            </a:r>
-          </a:p>
-          <a:p>
-            <a:r>
-              <a:rPr lang="en-US" sz="1800" dirty="0" smtClean="0"/>
-              <a:t>Both classes overlaps with few exception </a:t>
-            </a:r>
-          </a:p>
-          <a:p>
-            <a:pPr marL="0" indent="0">
-              <a:buNone/>
-            </a:pPr>
-            <a:endParaRPr lang="en-US" sz="1800" dirty="0"/>
-          </a:p>
-        </p:txBody>
-      </p:sp>
+      </p:pic>
+      <p:pic>
+        <p:nvPicPr>
+          <p:cNvPr id="6" name="Picture 5"/>
+          <p:cNvPicPr>
+            <a:picLocks noChangeAspect="1"/>
+          </p:cNvPicPr>
+          <p:nvPr/>
+        </p:nvPicPr>
+        <p:blipFill>
+          <a:blip r:embed="rId4"/>
+          <a:stretch>
+            <a:fillRect/>
+          </a:stretch>
+        </p:blipFill>
+        <p:spPr>
+          <a:xfrm>
+            <a:off x="612178" y="4848370"/>
+            <a:ext cx="4640728" cy="1469247"/>
+          </a:xfrm>
+          <a:prstGeom prst="rect">
+            <a:avLst/>
+          </a:prstGeom>
+        </p:spPr>
+      </p:pic>
+      <p:pic>
+        <p:nvPicPr>
+          <p:cNvPr id="7" name="Picture 6"/>
+          <p:cNvPicPr>
+            <a:picLocks noChangeAspect="1"/>
+          </p:cNvPicPr>
+          <p:nvPr/>
+        </p:nvPicPr>
+        <p:blipFill>
+          <a:blip r:embed="rId5"/>
+          <a:stretch>
+            <a:fillRect/>
+          </a:stretch>
+        </p:blipFill>
+        <p:spPr>
+          <a:xfrm>
+            <a:off x="5887188" y="4848369"/>
+            <a:ext cx="1576991" cy="1469247"/>
+          </a:xfrm>
+          <a:prstGeom prst="rect">
+            <a:avLst/>
+          </a:prstGeom>
+        </p:spPr>
+      </p:pic>
     </p:spTree>
     <p:extLst>
       <p:ext uri="{BB962C8B-B14F-4D97-AF65-F5344CB8AC3E}">
-        <p14:creationId xmlns:p14="http://schemas.microsoft.com/office/powerpoint/2010/main" val="826730782"/>
+        <p14:creationId xmlns:p14="http://schemas.microsoft.com/office/powerpoint/2010/main" val="3541888333"/>
       </p:ext>
     </p:extLst>
   </p:cSld>

--- a/docs/Presentation.pptx
+++ b/docs/Presentation.pptx
@@ -3853,8 +3853,13 @@
             <a:pPr lvl="2"/>
             <a:r>
               <a:rPr lang="en-US" dirty="0" smtClean="0"/>
-              <a:t>Random Forest: 0.48</a:t>
-            </a:r>
+              <a:t>Random Forest: </a:t>
+            </a:r>
+            <a:r>
+              <a:rPr lang="en-US" dirty="0" smtClean="0"/>
+              <a:t>0.49</a:t>
+            </a:r>
+            <a:endParaRPr lang="en-US" dirty="0" smtClean="0"/>
           </a:p>
           <a:p>
             <a:pPr lvl="2"/>
@@ -3909,8 +3914,17 @@
             <a:pPr lvl="2"/>
             <a:r>
               <a:rPr lang="en-US" dirty="0"/>
-              <a:t>Random Forest: 0.48</a:t>
-            </a:r>
+              <a:t>Random Forest</a:t>
+            </a:r>
+            <a:r>
+              <a:rPr lang="en-US"/>
+              <a:t>: </a:t>
+            </a:r>
+            <a:r>
+              <a:rPr lang="en-US" smtClean="0"/>
+              <a:t>0.47</a:t>
+            </a:r>
+            <a:endParaRPr lang="en-US" dirty="0"/>
           </a:p>
           <a:p>
             <a:pPr lvl="2"/>

--- a/docs/Presentation.pptx
+++ b/docs/Presentation.pptx
@@ -13,14 +13,15 @@
     <p:sldId id="261" r:id="rId7"/>
     <p:sldId id="262" r:id="rId8"/>
     <p:sldId id="263" r:id="rId9"/>
-    <p:sldId id="264" r:id="rId10"/>
-    <p:sldId id="265" r:id="rId11"/>
-    <p:sldId id="266" r:id="rId12"/>
-    <p:sldId id="267" r:id="rId13"/>
-    <p:sldId id="268" r:id="rId14"/>
-    <p:sldId id="269" r:id="rId15"/>
-    <p:sldId id="270" r:id="rId16"/>
-    <p:sldId id="257" r:id="rId17"/>
+    <p:sldId id="272" r:id="rId10"/>
+    <p:sldId id="264" r:id="rId11"/>
+    <p:sldId id="265" r:id="rId12"/>
+    <p:sldId id="266" r:id="rId13"/>
+    <p:sldId id="267" r:id="rId14"/>
+    <p:sldId id="268" r:id="rId15"/>
+    <p:sldId id="269" r:id="rId16"/>
+    <p:sldId id="270" r:id="rId17"/>
+    <p:sldId id="257" r:id="rId18"/>
   </p:sldIdLst>
   <p:sldSz cx="12192000" cy="6858000"/>
   <p:notesSz cx="6858000" cy="9144000"/>
@@ -3075,6 +3076,157 @@
           <a:p>
             <a:r>
               <a:rPr lang="en-US" dirty="0" smtClean="0"/>
+              <a:t>Distribution w.r.t. Dependent Variable</a:t>
+            </a:r>
+            <a:endParaRPr lang="en-US" dirty="0"/>
+          </a:p>
+        </p:txBody>
+      </p:sp>
+      <p:pic>
+        <p:nvPicPr>
+          <p:cNvPr id="4" name="Content Placeholder 3"/>
+          <p:cNvPicPr>
+            <a:picLocks noGrp="1" noChangeAspect="1"/>
+          </p:cNvPicPr>
+          <p:nvPr>
+            <p:ph idx="1"/>
+          </p:nvPr>
+        </p:nvPicPr>
+        <p:blipFill>
+          <a:blip r:embed="rId2"/>
+          <a:stretch>
+            <a:fillRect/>
+          </a:stretch>
+        </p:blipFill>
+        <p:spPr>
+          <a:xfrm>
+            <a:off x="612178" y="1690688"/>
+            <a:ext cx="4595366" cy="2805690"/>
+          </a:xfrm>
+          <a:prstGeom prst="rect">
+            <a:avLst/>
+          </a:prstGeom>
+        </p:spPr>
+      </p:pic>
+      <p:pic>
+        <p:nvPicPr>
+          <p:cNvPr id="5" name="Picture 4"/>
+          <p:cNvPicPr>
+            <a:picLocks noChangeAspect="1"/>
+          </p:cNvPicPr>
+          <p:nvPr/>
+        </p:nvPicPr>
+        <p:blipFill>
+          <a:blip r:embed="rId3"/>
+          <a:stretch>
+            <a:fillRect/>
+          </a:stretch>
+        </p:blipFill>
+        <p:spPr>
+          <a:xfrm>
+            <a:off x="5740928" y="1625600"/>
+            <a:ext cx="4622271" cy="2866324"/>
+          </a:xfrm>
+          <a:prstGeom prst="rect">
+            <a:avLst/>
+          </a:prstGeom>
+        </p:spPr>
+      </p:pic>
+      <p:pic>
+        <p:nvPicPr>
+          <p:cNvPr id="6" name="Picture 5"/>
+          <p:cNvPicPr>
+            <a:picLocks noChangeAspect="1"/>
+          </p:cNvPicPr>
+          <p:nvPr/>
+        </p:nvPicPr>
+        <p:blipFill>
+          <a:blip r:embed="rId4"/>
+          <a:stretch>
+            <a:fillRect/>
+          </a:stretch>
+        </p:blipFill>
+        <p:spPr>
+          <a:xfrm>
+            <a:off x="612178" y="4848370"/>
+            <a:ext cx="4640728" cy="1469247"/>
+          </a:xfrm>
+          <a:prstGeom prst="rect">
+            <a:avLst/>
+          </a:prstGeom>
+        </p:spPr>
+      </p:pic>
+      <p:pic>
+        <p:nvPicPr>
+          <p:cNvPr id="7" name="Picture 6"/>
+          <p:cNvPicPr>
+            <a:picLocks noChangeAspect="1"/>
+          </p:cNvPicPr>
+          <p:nvPr/>
+        </p:nvPicPr>
+        <p:blipFill>
+          <a:blip r:embed="rId5"/>
+          <a:stretch>
+            <a:fillRect/>
+          </a:stretch>
+        </p:blipFill>
+        <p:spPr>
+          <a:xfrm>
+            <a:off x="5887188" y="4848369"/>
+            <a:ext cx="1576991" cy="1469247"/>
+          </a:xfrm>
+          <a:prstGeom prst="rect">
+            <a:avLst/>
+          </a:prstGeom>
+        </p:spPr>
+      </p:pic>
+    </p:spTree>
+    <p:extLst>
+      <p:ext uri="{BB962C8B-B14F-4D97-AF65-F5344CB8AC3E}">
+        <p14:creationId xmlns:p14="http://schemas.microsoft.com/office/powerpoint/2010/main" val="3541888333"/>
+      </p:ext>
+    </p:extLst>
+  </p:cSld>
+  <p:clrMapOvr>
+    <a:masterClrMapping/>
+  </p:clrMapOvr>
+</p:sld>
+</file>
+
+<file path=ppt/slides/slide11.xml><?xml version="1.0" encoding="utf-8"?>
+<p:sld xmlns:a="http://schemas.openxmlformats.org/drawingml/2006/main" xmlns:r="http://schemas.openxmlformats.org/officeDocument/2006/relationships" xmlns:p="http://schemas.openxmlformats.org/presentationml/2006/main">
+  <p:cSld>
+    <p:spTree>
+      <p:nvGrpSpPr>
+        <p:cNvPr id="1" name=""/>
+        <p:cNvGrpSpPr/>
+        <p:nvPr/>
+      </p:nvGrpSpPr>
+      <p:grpSpPr>
+        <a:xfrm>
+          <a:off x="0" y="0"/>
+          <a:ext cx="0" cy="0"/>
+          <a:chOff x="0" y="0"/>
+          <a:chExt cx="0" cy="0"/>
+        </a:xfrm>
+      </p:grpSpPr>
+      <p:sp>
+        <p:nvSpPr>
+          <p:cNvPr id="2" name="Title 1"/>
+          <p:cNvSpPr>
+            <a:spLocks noGrp="1"/>
+          </p:cNvSpPr>
+          <p:nvPr>
+            <p:ph type="title"/>
+          </p:nvPr>
+        </p:nvSpPr>
+        <p:spPr/>
+        <p:txBody>
+          <a:bodyPr/>
+          <a:lstStyle/>
+          <a:p>
+            <a:r>
+              <a:rPr lang="en-US" dirty="0" smtClean="0"/>
               <a:t>PCA Analysis</a:t>
             </a:r>
             <a:endParaRPr lang="en-US" dirty="0"/>
@@ -3323,7 +3475,7 @@
 </p:sld>
 </file>
 
-<file path=ppt/slides/slide11.xml><?xml version="1.0" encoding="utf-8"?>
+<file path=ppt/slides/slide12.xml><?xml version="1.0" encoding="utf-8"?>
 <p:sld xmlns:a="http://schemas.openxmlformats.org/drawingml/2006/main" xmlns:r="http://schemas.openxmlformats.org/officeDocument/2006/relationships" xmlns:p="http://schemas.openxmlformats.org/presentationml/2006/main">
   <p:cSld>
     <p:spTree>
@@ -3625,156 +3777,6 @@
 </p:sld>
 </file>
 
-<file path=ppt/slides/slide12.xml><?xml version="1.0" encoding="utf-8"?>
-<p:sld xmlns:a="http://schemas.openxmlformats.org/drawingml/2006/main" xmlns:r="http://schemas.openxmlformats.org/officeDocument/2006/relationships" xmlns:p="http://schemas.openxmlformats.org/presentationml/2006/main">
-  <p:cSld>
-    <p:spTree>
-      <p:nvGrpSpPr>
-        <p:cNvPr id="1" name=""/>
-        <p:cNvGrpSpPr/>
-        <p:nvPr/>
-      </p:nvGrpSpPr>
-      <p:grpSpPr>
-        <a:xfrm>
-          <a:off x="0" y="0"/>
-          <a:ext cx="0" cy="0"/>
-          <a:chOff x="0" y="0"/>
-          <a:chExt cx="0" cy="0"/>
-        </a:xfrm>
-      </p:grpSpPr>
-      <p:sp>
-        <p:nvSpPr>
-          <p:cNvPr id="2" name="Title 1"/>
-          <p:cNvSpPr>
-            <a:spLocks noGrp="1"/>
-          </p:cNvSpPr>
-          <p:nvPr>
-            <p:ph type="title"/>
-          </p:nvPr>
-        </p:nvSpPr>
-        <p:spPr/>
-        <p:txBody>
-          <a:bodyPr/>
-          <a:lstStyle/>
-          <a:p>
-            <a:r>
-              <a:rPr lang="en-US" dirty="0" smtClean="0"/>
-              <a:t>Modeling</a:t>
-            </a:r>
-            <a:endParaRPr lang="en-US" dirty="0"/>
-          </a:p>
-        </p:txBody>
-      </p:sp>
-      <p:sp>
-        <p:nvSpPr>
-          <p:cNvPr id="3" name="Content Placeholder 2"/>
-          <p:cNvSpPr>
-            <a:spLocks noGrp="1"/>
-          </p:cNvSpPr>
-          <p:nvPr>
-            <p:ph idx="1"/>
-          </p:nvPr>
-        </p:nvSpPr>
-        <p:spPr>
-          <a:xfrm>
-            <a:off x="838200" y="1825625"/>
-            <a:ext cx="3798455" cy="4351338"/>
-          </a:xfrm>
-        </p:spPr>
-        <p:txBody>
-          <a:bodyPr/>
-          <a:lstStyle/>
-          <a:p>
-            <a:endParaRPr lang="en-US" dirty="0" smtClean="0"/>
-          </a:p>
-          <a:p>
-            <a:r>
-              <a:rPr lang="en-US" dirty="0" smtClean="0"/>
-              <a:t>Train, Validation, Test</a:t>
-            </a:r>
-          </a:p>
-          <a:p>
-            <a:r>
-              <a:rPr lang="en-US" dirty="0" smtClean="0"/>
-              <a:t>Standardization</a:t>
-            </a:r>
-          </a:p>
-          <a:p>
-            <a:r>
-              <a:rPr lang="en-US" dirty="0" smtClean="0"/>
-              <a:t>10-Fold cross validation</a:t>
-            </a:r>
-            <a:endParaRPr lang="en-US" dirty="0"/>
-          </a:p>
-        </p:txBody>
-      </p:sp>
-      <p:pic>
-        <p:nvPicPr>
-          <p:cNvPr id="4" name="Picture 3"/>
-          <p:cNvPicPr>
-            <a:picLocks noChangeAspect="1"/>
-          </p:cNvPicPr>
-          <p:nvPr/>
-        </p:nvPicPr>
-        <p:blipFill>
-          <a:blip r:embed="rId2"/>
-          <a:stretch>
-            <a:fillRect/>
-          </a:stretch>
-        </p:blipFill>
-        <p:spPr>
-          <a:xfrm>
-            <a:off x="5430981" y="2361749"/>
-            <a:ext cx="5190837" cy="4227777"/>
-          </a:xfrm>
-          <a:prstGeom prst="rect">
-            <a:avLst/>
-          </a:prstGeom>
-        </p:spPr>
-      </p:pic>
-      <p:sp>
-        <p:nvSpPr>
-          <p:cNvPr id="5" name="TextBox 4"/>
-          <p:cNvSpPr txBox="1"/>
-          <p:nvPr/>
-        </p:nvSpPr>
-        <p:spPr>
-          <a:xfrm>
-            <a:off x="7527636" y="1758341"/>
-            <a:ext cx="2004291" cy="461665"/>
-          </a:xfrm>
-          <a:prstGeom prst="rect">
-            <a:avLst/>
-          </a:prstGeom>
-          <a:noFill/>
-        </p:spPr>
-        <p:txBody>
-          <a:bodyPr wrap="square" rtlCol="0">
-            <a:spAutoFit/>
-          </a:bodyPr>
-          <a:lstStyle/>
-          <a:p>
-            <a:r>
-              <a:rPr lang="en-US" sz="2400" dirty="0" smtClean="0"/>
-              <a:t>Baselines</a:t>
-            </a:r>
-            <a:endParaRPr lang="en-US" sz="2400" dirty="0"/>
-          </a:p>
-        </p:txBody>
-      </p:sp>
-    </p:spTree>
-    <p:extLst>
-      <p:ext uri="{BB962C8B-B14F-4D97-AF65-F5344CB8AC3E}">
-        <p14:creationId xmlns:p14="http://schemas.microsoft.com/office/powerpoint/2010/main" val="964798958"/>
-      </p:ext>
-    </p:extLst>
-  </p:cSld>
-  <p:clrMapOvr>
-    <a:masterClrMapping/>
-  </p:clrMapOvr>
-</p:sld>
-</file>
-
 <file path=ppt/slides/slide13.xml><?xml version="1.0" encoding="utf-8"?>
 <p:sld xmlns:a="http://schemas.openxmlformats.org/drawingml/2006/main" xmlns:r="http://schemas.openxmlformats.org/officeDocument/2006/relationships" xmlns:p="http://schemas.openxmlformats.org/presentationml/2006/main">
   <p:cSld>
@@ -3809,7 +3811,7 @@
           <a:p>
             <a:r>
               <a:rPr lang="en-US" dirty="0" smtClean="0"/>
-              <a:t>Sampling without fine tuning</a:t>
+              <a:t>Modeling</a:t>
             </a:r>
             <a:endParaRPr lang="en-US" dirty="0"/>
           </a:p>
@@ -3825,124 +3827,97 @@
             <p:ph idx="1"/>
           </p:nvPr>
         </p:nvSpPr>
-        <p:spPr/>
+        <p:spPr>
+          <a:xfrm>
+            <a:off x="838200" y="1825625"/>
+            <a:ext cx="3798455" cy="4351338"/>
+          </a:xfrm>
+        </p:spPr>
         <p:txBody>
           <a:bodyPr/>
           <a:lstStyle/>
           <a:p>
+            <a:endParaRPr lang="en-US" dirty="0" smtClean="0"/>
+          </a:p>
+          <a:p>
             <a:r>
               <a:rPr lang="en-US" dirty="0" smtClean="0"/>
-              <a:t>Up Sampling (SMOTE)</a:t>
-            </a:r>
-          </a:p>
-          <a:p>
-            <a:pPr lvl="1"/>
+              <a:t>Train, Validation, Test</a:t>
+            </a:r>
+          </a:p>
+          <a:p>
             <a:r>
               <a:rPr lang="en-US" dirty="0" smtClean="0"/>
-              <a:t>F1 Scores:</a:t>
-            </a:r>
-          </a:p>
-          <a:p>
-            <a:pPr lvl="2"/>
+              <a:t>Standardization</a:t>
+            </a:r>
+          </a:p>
+          <a:p>
             <a:r>
               <a:rPr lang="en-US" dirty="0" smtClean="0"/>
-              <a:t>Logistic Regression: 0.38</a:t>
-            </a:r>
-          </a:p>
-          <a:p>
-            <a:pPr lvl="2"/>
-            <a:r>
-              <a:rPr lang="en-US" dirty="0" smtClean="0"/>
-              <a:t>Random Forest: </a:t>
-            </a:r>
-            <a:r>
-              <a:rPr lang="en-US" dirty="0" smtClean="0"/>
-              <a:t>0.49</a:t>
-            </a:r>
-            <a:endParaRPr lang="en-US" dirty="0" smtClean="0"/>
-          </a:p>
-          <a:p>
-            <a:pPr lvl="2"/>
-            <a:r>
-              <a:rPr lang="en-US" dirty="0" smtClean="0"/>
-              <a:t>Support Vector Classifier: 0.42</a:t>
-            </a:r>
-          </a:p>
-          <a:p>
-            <a:r>
-              <a:rPr lang="en-US" dirty="0" smtClean="0"/>
-              <a:t>Under </a:t>
-            </a:r>
-            <a:r>
-              <a:rPr lang="en-US" dirty="0"/>
-              <a:t>Sampling </a:t>
-            </a:r>
-            <a:r>
-              <a:rPr lang="en-US" dirty="0" smtClean="0"/>
-              <a:t>(</a:t>
-            </a:r>
-            <a:r>
-              <a:rPr lang="en-US" dirty="0" err="1" smtClean="0"/>
-              <a:t>Tomek</a:t>
-            </a:r>
-            <a:r>
-              <a:rPr lang="en-US" dirty="0" smtClean="0"/>
-              <a:t>-Links)</a:t>
+              <a:t>10-Fold cross validation</a:t>
             </a:r>
             <a:endParaRPr lang="en-US" dirty="0"/>
           </a:p>
-          <a:p>
-            <a:pPr lvl="1"/>
-            <a:r>
-              <a:rPr lang="en-US" dirty="0"/>
-              <a:t>F1 Scores:</a:t>
-            </a:r>
-          </a:p>
-          <a:p>
-            <a:pPr lvl="2"/>
-            <a:r>
-              <a:rPr lang="en-US" dirty="0"/>
-              <a:t>Logistic Regression: </a:t>
-            </a:r>
-            <a:r>
-              <a:rPr lang="en-US" dirty="0" smtClean="0"/>
-              <a:t>0.48</a:t>
-            </a:r>
-            <a:endParaRPr lang="en-US" dirty="0"/>
-          </a:p>
-          <a:p>
-            <a:pPr lvl="2"/>
-            <a:r>
-              <a:rPr lang="en-US" dirty="0"/>
-              <a:t>Random Forest</a:t>
-            </a:r>
-            <a:r>
-              <a:rPr lang="en-US"/>
-              <a:t>: </a:t>
-            </a:r>
-            <a:r>
-              <a:rPr lang="en-US" smtClean="0"/>
-              <a:t>0.47</a:t>
-            </a:r>
-            <a:endParaRPr lang="en-US" dirty="0"/>
-          </a:p>
-          <a:p>
-            <a:pPr lvl="2"/>
-            <a:r>
-              <a:rPr lang="en-US" dirty="0"/>
-              <a:t>Support Vector Classifier: </a:t>
-            </a:r>
-            <a:r>
-              <a:rPr lang="en-US" dirty="0" smtClean="0"/>
-              <a:t>0.37</a:t>
-            </a:r>
+        </p:txBody>
+      </p:sp>
+      <p:pic>
+        <p:nvPicPr>
+          <p:cNvPr id="4" name="Picture 3"/>
+          <p:cNvPicPr>
+            <a:picLocks noChangeAspect="1"/>
+          </p:cNvPicPr>
+          <p:nvPr/>
+        </p:nvPicPr>
+        <p:blipFill>
+          <a:blip r:embed="rId2"/>
+          <a:stretch>
+            <a:fillRect/>
+          </a:stretch>
+        </p:blipFill>
+        <p:spPr>
+          <a:xfrm>
+            <a:off x="5430981" y="2361749"/>
+            <a:ext cx="5190837" cy="4227777"/>
+          </a:xfrm>
+          <a:prstGeom prst="rect">
+            <a:avLst/>
+          </a:prstGeom>
+        </p:spPr>
+      </p:pic>
+      <p:sp>
+        <p:nvSpPr>
+          <p:cNvPr id="5" name="TextBox 4"/>
+          <p:cNvSpPr txBox="1"/>
+          <p:nvPr/>
+        </p:nvSpPr>
+        <p:spPr>
+          <a:xfrm>
+            <a:off x="7527636" y="1758341"/>
+            <a:ext cx="2004291" cy="461665"/>
+          </a:xfrm>
+          <a:prstGeom prst="rect">
+            <a:avLst/>
+          </a:prstGeom>
+          <a:noFill/>
+        </p:spPr>
+        <p:txBody>
+          <a:bodyPr wrap="square" rtlCol="0">
+            <a:spAutoFit/>
+          </a:bodyPr>
+          <a:lstStyle/>
+          <a:p>
+            <a:r>
+              <a:rPr lang="en-US" sz="2400" dirty="0" smtClean="0"/>
+              <a:t>Baselines</a:t>
+            </a:r>
+            <a:endParaRPr lang="en-US" sz="2400" dirty="0"/>
           </a:p>
         </p:txBody>
       </p:sp>
     </p:spTree>
     <p:extLst>
       <p:ext uri="{BB962C8B-B14F-4D97-AF65-F5344CB8AC3E}">
-        <p14:creationId xmlns:p14="http://schemas.microsoft.com/office/powerpoint/2010/main" val="3906548878"/>
+        <p14:creationId xmlns:p14="http://schemas.microsoft.com/office/powerpoint/2010/main" val="964798958"/>
       </p:ext>
     </p:extLst>
   </p:cSld>
@@ -3986,7 +3961,7 @@
           <a:p>
             <a:r>
               <a:rPr lang="en-US" dirty="0" smtClean="0"/>
-              <a:t>Random forest with Up Sampling and Fine tuning</a:t>
+              <a:t>Sampling without fine tuning</a:t>
             </a:r>
             <a:endParaRPr lang="en-US" dirty="0"/>
           </a:p>
@@ -4004,56 +3979,117 @@
         </p:nvSpPr>
         <p:spPr/>
         <p:txBody>
-          <a:bodyPr>
-            <a:normAutofit/>
-          </a:bodyPr>
-          <a:lstStyle/>
-          <a:p>
+          <a:bodyPr/>
+          <a:lstStyle/>
+          <a:p>
+            <a:r>
+              <a:rPr lang="en-US" dirty="0" smtClean="0"/>
+              <a:t>Up Sampling (SMOTE)</a:t>
+            </a:r>
+          </a:p>
+          <a:p>
+            <a:pPr lvl="1"/>
+            <a:r>
+              <a:rPr lang="en-US" dirty="0" smtClean="0"/>
+              <a:t>F1 Scores:</a:t>
+            </a:r>
+          </a:p>
+          <a:p>
+            <a:pPr lvl="2"/>
+            <a:r>
+              <a:rPr lang="en-US" dirty="0" smtClean="0"/>
+              <a:t>Logistic Regression: 0.38</a:t>
+            </a:r>
+          </a:p>
+          <a:p>
+            <a:pPr lvl="2"/>
+            <a:r>
+              <a:rPr lang="en-US" dirty="0" smtClean="0"/>
+              <a:t>Random Forest: 0.49</a:t>
+            </a:r>
+          </a:p>
+          <a:p>
+            <a:pPr lvl="2"/>
+            <a:r>
+              <a:rPr lang="en-US" dirty="0" smtClean="0"/>
+              <a:t>Support Vector Classifier: 0.42</a:t>
+            </a:r>
+          </a:p>
+          <a:p>
+            <a:r>
+              <a:rPr lang="en-US" dirty="0" smtClean="0"/>
+              <a:t>Under </a:t>
+            </a:r>
+            <a:r>
+              <a:rPr lang="en-US" dirty="0"/>
+              <a:t>Sampling </a:t>
+            </a:r>
+            <a:r>
+              <a:rPr lang="en-US" dirty="0" smtClean="0"/>
+              <a:t>(</a:t>
+            </a:r>
             <a:r>
               <a:rPr lang="en-US" dirty="0" err="1" smtClean="0"/>
-              <a:t>Ranomized</a:t>
+              <a:t>Tomek</a:t>
             </a:r>
             <a:r>
               <a:rPr lang="en-US" dirty="0" smtClean="0"/>
-              <a:t> Search Cross Validation</a:t>
-            </a:r>
-          </a:p>
-          <a:p>
+              <a:t>-Links)</a:t>
+            </a:r>
+            <a:endParaRPr lang="en-US" dirty="0"/>
+          </a:p>
+          <a:p>
+            <a:pPr lvl="1"/>
+            <a:r>
+              <a:rPr lang="en-US" dirty="0"/>
+              <a:t>F1 Scores:</a:t>
+            </a:r>
+          </a:p>
+          <a:p>
+            <a:pPr lvl="2"/>
+            <a:r>
+              <a:rPr lang="en-US" dirty="0"/>
+              <a:t>Logistic Regression: </a:t>
+            </a:r>
             <a:r>
               <a:rPr lang="en-US" dirty="0" smtClean="0"/>
-              <a:t>SMOTE</a:t>
-            </a:r>
-          </a:p>
-        </p:txBody>
-      </p:sp>
-      <p:pic>
-        <p:nvPicPr>
-          <p:cNvPr id="4" name="Picture 3"/>
-          <p:cNvPicPr>
-            <a:picLocks noChangeAspect="1"/>
-          </p:cNvPicPr>
-          <p:nvPr/>
-        </p:nvPicPr>
-        <p:blipFill>
-          <a:blip r:embed="rId2"/>
-          <a:stretch>
-            <a:fillRect/>
-          </a:stretch>
-        </p:blipFill>
-        <p:spPr>
-          <a:xfrm>
-            <a:off x="676275" y="3119871"/>
-            <a:ext cx="11515725" cy="3333750"/>
-          </a:xfrm>
-          <a:prstGeom prst="rect">
-            <a:avLst/>
-          </a:prstGeom>
-        </p:spPr>
-      </p:pic>
+              <a:t>0.48</a:t>
+            </a:r>
+            <a:endParaRPr lang="en-US" dirty="0"/>
+          </a:p>
+          <a:p>
+            <a:pPr lvl="2"/>
+            <a:r>
+              <a:rPr lang="en-US" dirty="0"/>
+              <a:t>Random Forest</a:t>
+            </a:r>
+            <a:r>
+              <a:rPr lang="en-US"/>
+              <a:t>: </a:t>
+            </a:r>
+            <a:r>
+              <a:rPr lang="en-US" smtClean="0"/>
+              <a:t>0.47</a:t>
+            </a:r>
+            <a:endParaRPr lang="en-US" dirty="0"/>
+          </a:p>
+          <a:p>
+            <a:pPr lvl="2"/>
+            <a:r>
+              <a:rPr lang="en-US" dirty="0"/>
+              <a:t>Support Vector Classifier: </a:t>
+            </a:r>
+            <a:r>
+              <a:rPr lang="en-US" dirty="0" smtClean="0"/>
+              <a:t>0.37</a:t>
+            </a:r>
+          </a:p>
+        </p:txBody>
+      </p:sp>
     </p:spTree>
     <p:extLst>
       <p:ext uri="{BB962C8B-B14F-4D97-AF65-F5344CB8AC3E}">
-        <p14:creationId xmlns:p14="http://schemas.microsoft.com/office/powerpoint/2010/main" val="3709338763"/>
+        <p14:creationId xmlns:p14="http://schemas.microsoft.com/office/powerpoint/2010/main" val="3906548878"/>
       </p:ext>
     </p:extLst>
   </p:cSld>
@@ -4097,6 +4133,117 @@
           <a:p>
             <a:r>
               <a:rPr lang="en-US" dirty="0" smtClean="0"/>
+              <a:t>Random forest with Up Sampling and Fine tuning</a:t>
+            </a:r>
+            <a:endParaRPr lang="en-US" dirty="0"/>
+          </a:p>
+        </p:txBody>
+      </p:sp>
+      <p:sp>
+        <p:nvSpPr>
+          <p:cNvPr id="3" name="Content Placeholder 2"/>
+          <p:cNvSpPr>
+            <a:spLocks noGrp="1"/>
+          </p:cNvSpPr>
+          <p:nvPr>
+            <p:ph idx="1"/>
+          </p:nvPr>
+        </p:nvSpPr>
+        <p:spPr/>
+        <p:txBody>
+          <a:bodyPr>
+            <a:normAutofit/>
+          </a:bodyPr>
+          <a:lstStyle/>
+          <a:p>
+            <a:r>
+              <a:rPr lang="en-US" dirty="0" err="1" smtClean="0"/>
+              <a:t>Ranomized</a:t>
+            </a:r>
+            <a:r>
+              <a:rPr lang="en-US" dirty="0" smtClean="0"/>
+              <a:t> Search Cross Validation</a:t>
+            </a:r>
+          </a:p>
+          <a:p>
+            <a:r>
+              <a:rPr lang="en-US" dirty="0" smtClean="0"/>
+              <a:t>SMOTE</a:t>
+            </a:r>
+          </a:p>
+        </p:txBody>
+      </p:sp>
+      <p:pic>
+        <p:nvPicPr>
+          <p:cNvPr id="4" name="Picture 3"/>
+          <p:cNvPicPr>
+            <a:picLocks noChangeAspect="1"/>
+          </p:cNvPicPr>
+          <p:nvPr/>
+        </p:nvPicPr>
+        <p:blipFill>
+          <a:blip r:embed="rId2"/>
+          <a:stretch>
+            <a:fillRect/>
+          </a:stretch>
+        </p:blipFill>
+        <p:spPr>
+          <a:xfrm>
+            <a:off x="676275" y="3119871"/>
+            <a:ext cx="11515725" cy="3333750"/>
+          </a:xfrm>
+          <a:prstGeom prst="rect">
+            <a:avLst/>
+          </a:prstGeom>
+        </p:spPr>
+      </p:pic>
+    </p:spTree>
+    <p:extLst>
+      <p:ext uri="{BB962C8B-B14F-4D97-AF65-F5344CB8AC3E}">
+        <p14:creationId xmlns:p14="http://schemas.microsoft.com/office/powerpoint/2010/main" val="3709338763"/>
+      </p:ext>
+    </p:extLst>
+  </p:cSld>
+  <p:clrMapOvr>
+    <a:masterClrMapping/>
+  </p:clrMapOvr>
+</p:sld>
+</file>
+
+<file path=ppt/slides/slide16.xml><?xml version="1.0" encoding="utf-8"?>
+<p:sld xmlns:a="http://schemas.openxmlformats.org/drawingml/2006/main" xmlns:r="http://schemas.openxmlformats.org/officeDocument/2006/relationships" xmlns:p="http://schemas.openxmlformats.org/presentationml/2006/main">
+  <p:cSld>
+    <p:spTree>
+      <p:nvGrpSpPr>
+        <p:cNvPr id="1" name=""/>
+        <p:cNvGrpSpPr/>
+        <p:nvPr/>
+      </p:nvGrpSpPr>
+      <p:grpSpPr>
+        <a:xfrm>
+          <a:off x="0" y="0"/>
+          <a:ext cx="0" cy="0"/>
+          <a:chOff x="0" y="0"/>
+          <a:chExt cx="0" cy="0"/>
+        </a:xfrm>
+      </p:grpSpPr>
+      <p:sp>
+        <p:nvSpPr>
+          <p:cNvPr id="2" name="Title 1"/>
+          <p:cNvSpPr>
+            <a:spLocks noGrp="1"/>
+          </p:cNvSpPr>
+          <p:nvPr>
+            <p:ph type="title"/>
+          </p:nvPr>
+        </p:nvSpPr>
+        <p:spPr/>
+        <p:txBody>
+          <a:bodyPr/>
+          <a:lstStyle/>
+          <a:p>
+            <a:r>
+              <a:rPr lang="en-US" dirty="0" smtClean="0"/>
               <a:t>Cost Analysis</a:t>
             </a:r>
             <a:endParaRPr lang="en-US" dirty="0"/>
@@ -4283,7 +4430,7 @@
 </p:sld>
 </file>
 
-<file path=ppt/slides/slide16.xml><?xml version="1.0" encoding="utf-8"?>
+<file path=ppt/slides/slide17.xml><?xml version="1.0" encoding="utf-8"?>
 <p:sld xmlns:a="http://schemas.openxmlformats.org/drawingml/2006/main" xmlns:r="http://schemas.openxmlformats.org/officeDocument/2006/relationships" xmlns:p="http://schemas.openxmlformats.org/presentationml/2006/main">
   <p:cSld>
     <p:spTree>
@@ -7159,114 +7306,55 @@
           <a:p>
             <a:r>
               <a:rPr lang="en-US" dirty="0" smtClean="0"/>
-              <a:t>Distribution w.r.t. Dependent Variable</a:t>
+              <a:t>Feature Engineering</a:t>
             </a:r>
             <a:endParaRPr lang="en-US" dirty="0"/>
           </a:p>
         </p:txBody>
       </p:sp>
-      <p:pic>
-        <p:nvPicPr>
-          <p:cNvPr id="4" name="Content Placeholder 3"/>
-          <p:cNvPicPr>
-            <a:picLocks noGrp="1" noChangeAspect="1"/>
-          </p:cNvPicPr>
+      <p:sp>
+        <p:nvSpPr>
+          <p:cNvPr id="3" name="Content Placeholder 2"/>
+          <p:cNvSpPr>
+            <a:spLocks noGrp="1"/>
+          </p:cNvSpPr>
           <p:nvPr>
             <p:ph idx="1"/>
           </p:nvPr>
-        </p:nvPicPr>
-        <p:blipFill>
-          <a:blip r:embed="rId2"/>
-          <a:stretch>
-            <a:fillRect/>
-          </a:stretch>
-        </p:blipFill>
-        <p:spPr>
-          <a:xfrm>
-            <a:off x="612178" y="1690688"/>
-            <a:ext cx="4595366" cy="2805690"/>
-          </a:xfrm>
-          <a:prstGeom prst="rect">
-            <a:avLst/>
-          </a:prstGeom>
-        </p:spPr>
-      </p:pic>
-      <p:pic>
-        <p:nvPicPr>
-          <p:cNvPr id="5" name="Picture 4"/>
-          <p:cNvPicPr>
-            <a:picLocks noChangeAspect="1"/>
-          </p:cNvPicPr>
-          <p:nvPr/>
-        </p:nvPicPr>
-        <p:blipFill>
-          <a:blip r:embed="rId3"/>
-          <a:stretch>
-            <a:fillRect/>
-          </a:stretch>
-        </p:blipFill>
-        <p:spPr>
-          <a:xfrm>
-            <a:off x="5740928" y="1625600"/>
-            <a:ext cx="4622271" cy="2866324"/>
-          </a:xfrm>
-          <a:prstGeom prst="rect">
-            <a:avLst/>
-          </a:prstGeom>
-        </p:spPr>
-      </p:pic>
-      <p:pic>
-        <p:nvPicPr>
-          <p:cNvPr id="6" name="Picture 5"/>
-          <p:cNvPicPr>
-            <a:picLocks noChangeAspect="1"/>
-          </p:cNvPicPr>
-          <p:nvPr/>
-        </p:nvPicPr>
-        <p:blipFill>
-          <a:blip r:embed="rId4"/>
-          <a:stretch>
-            <a:fillRect/>
-          </a:stretch>
-        </p:blipFill>
-        <p:spPr>
-          <a:xfrm>
-            <a:off x="612178" y="4848370"/>
-            <a:ext cx="4640728" cy="1469247"/>
-          </a:xfrm>
-          <a:prstGeom prst="rect">
-            <a:avLst/>
-          </a:prstGeom>
-        </p:spPr>
-      </p:pic>
-      <p:pic>
-        <p:nvPicPr>
-          <p:cNvPr id="7" name="Picture 6"/>
-          <p:cNvPicPr>
-            <a:picLocks noChangeAspect="1"/>
-          </p:cNvPicPr>
-          <p:nvPr/>
-        </p:nvPicPr>
-        <p:blipFill>
-          <a:blip r:embed="rId5"/>
-          <a:stretch>
-            <a:fillRect/>
-          </a:stretch>
-        </p:blipFill>
-        <p:spPr>
-          <a:xfrm>
-            <a:off x="5887188" y="4848369"/>
-            <a:ext cx="1576991" cy="1469247"/>
-          </a:xfrm>
-          <a:prstGeom prst="rect">
-            <a:avLst/>
-          </a:prstGeom>
-        </p:spPr>
-      </p:pic>
+        </p:nvSpPr>
+        <p:spPr/>
+        <p:txBody>
+          <a:bodyPr/>
+          <a:lstStyle/>
+          <a:p>
+            <a:r>
+              <a:rPr lang="en-US" dirty="0" smtClean="0"/>
+              <a:t>Rate of change (slope)</a:t>
+            </a:r>
+          </a:p>
+          <a:p>
+            <a:r>
+              <a:rPr lang="en-US" dirty="0" smtClean="0"/>
+              <a:t>Speed</a:t>
+            </a:r>
+          </a:p>
+          <a:p>
+            <a:r>
+              <a:rPr lang="en-US" dirty="0" err="1" smtClean="0"/>
+              <a:t>Amb</a:t>
+            </a:r>
+            <a:r>
+              <a:rPr lang="en-US" dirty="0" smtClean="0"/>
+              <a:t> Temperature</a:t>
+            </a:r>
+            <a:endParaRPr lang="en-US" dirty="0"/>
+          </a:p>
+        </p:txBody>
+      </p:sp>
     </p:spTree>
     <p:extLst>
       <p:ext uri="{BB962C8B-B14F-4D97-AF65-F5344CB8AC3E}">
-        <p14:creationId xmlns:p14="http://schemas.microsoft.com/office/powerpoint/2010/main" val="3541888333"/>
+        <p14:creationId xmlns:p14="http://schemas.microsoft.com/office/powerpoint/2010/main" val="490142034"/>
       </p:ext>
     </p:extLst>
   </p:cSld>

--- a/docs/Presentation.pptx
+++ b/docs/Presentation.pptx
@@ -4324,14 +4324,18 @@
               <a:t>€ </a:t>
             </a:r>
             <a:r>
+              <a:rPr lang="en-US" sz="1800" smtClean="0"/>
+              <a:t>703,600   </a:t>
+            </a:r>
+          </a:p>
+          <a:p>
+            <a:r>
+              <a:rPr lang="en-US" sz="1800" smtClean="0"/>
+              <a:t>Amount </a:t>
+            </a:r>
+            <a:r>
               <a:rPr lang="en-US" sz="1800" dirty="0" smtClean="0"/>
-              <a:t>703,600</a:t>
-            </a:r>
-          </a:p>
-          <a:p>
-            <a:r>
-              <a:rPr lang="en-US" sz="1800" dirty="0" smtClean="0"/>
-              <a:t>Amount Wasted Technical Action (</a:t>
+              <a:t>Wasted Technical Action (</a:t>
             </a:r>
             <a:r>
               <a:rPr lang="en-US" sz="1800" dirty="0" err="1" smtClean="0"/>

--- a/docs/Presentation.pptx
+++ b/docs/Presentation.pptx
@@ -20,8 +20,7 @@
     <p:sldId id="267" r:id="rId14"/>
     <p:sldId id="268" r:id="rId15"/>
     <p:sldId id="269" r:id="rId16"/>
-    <p:sldId id="270" r:id="rId17"/>
-    <p:sldId id="257" r:id="rId18"/>
+    <p:sldId id="257" r:id="rId17"/>
   </p:sldIdLst>
   <p:sldSz cx="12192000" cy="6858000"/>
   <p:notesSz cx="6858000" cy="9144000"/>
@@ -259,7 +258,7 @@
           <a:p>
             <a:fld id="{E7890FD2-8DCB-4217-B99C-7F8FEFC43E96}" type="datetimeFigureOut">
               <a:rPr lang="en-US" smtClean="0"/>
-              <a:t>8/30/2023</a:t>
+              <a:t>8/31/2023</a:t>
             </a:fld>
             <a:endParaRPr lang="en-US"/>
           </a:p>
@@ -429,7 +428,7 @@
           <a:p>
             <a:fld id="{E7890FD2-8DCB-4217-B99C-7F8FEFC43E96}" type="datetimeFigureOut">
               <a:rPr lang="en-US" smtClean="0"/>
-              <a:t>8/30/2023</a:t>
+              <a:t>8/31/2023</a:t>
             </a:fld>
             <a:endParaRPr lang="en-US"/>
           </a:p>
@@ -609,7 +608,7 @@
           <a:p>
             <a:fld id="{E7890FD2-8DCB-4217-B99C-7F8FEFC43E96}" type="datetimeFigureOut">
               <a:rPr lang="en-US" smtClean="0"/>
-              <a:t>8/30/2023</a:t>
+              <a:t>8/31/2023</a:t>
             </a:fld>
             <a:endParaRPr lang="en-US"/>
           </a:p>
@@ -779,7 +778,7 @@
           <a:p>
             <a:fld id="{E7890FD2-8DCB-4217-B99C-7F8FEFC43E96}" type="datetimeFigureOut">
               <a:rPr lang="en-US" smtClean="0"/>
-              <a:t>8/30/2023</a:t>
+              <a:t>8/31/2023</a:t>
             </a:fld>
             <a:endParaRPr lang="en-US"/>
           </a:p>
@@ -1025,7 +1024,7 @@
           <a:p>
             <a:fld id="{E7890FD2-8DCB-4217-B99C-7F8FEFC43E96}" type="datetimeFigureOut">
               <a:rPr lang="en-US" smtClean="0"/>
-              <a:t>8/30/2023</a:t>
+              <a:t>8/31/2023</a:t>
             </a:fld>
             <a:endParaRPr lang="en-US"/>
           </a:p>
@@ -1257,7 +1256,7 @@
           <a:p>
             <a:fld id="{E7890FD2-8DCB-4217-B99C-7F8FEFC43E96}" type="datetimeFigureOut">
               <a:rPr lang="en-US" smtClean="0"/>
-              <a:t>8/30/2023</a:t>
+              <a:t>8/31/2023</a:t>
             </a:fld>
             <a:endParaRPr lang="en-US"/>
           </a:p>
@@ -1624,7 +1623,7 @@
           <a:p>
             <a:fld id="{E7890FD2-8DCB-4217-B99C-7F8FEFC43E96}" type="datetimeFigureOut">
               <a:rPr lang="en-US" smtClean="0"/>
-              <a:t>8/30/2023</a:t>
+              <a:t>8/31/2023</a:t>
             </a:fld>
             <a:endParaRPr lang="en-US"/>
           </a:p>
@@ -1742,7 +1741,7 @@
           <a:p>
             <a:fld id="{E7890FD2-8DCB-4217-B99C-7F8FEFC43E96}" type="datetimeFigureOut">
               <a:rPr lang="en-US" smtClean="0"/>
-              <a:t>8/30/2023</a:t>
+              <a:t>8/31/2023</a:t>
             </a:fld>
             <a:endParaRPr lang="en-US"/>
           </a:p>
@@ -1837,7 +1836,7 @@
           <a:p>
             <a:fld id="{E7890FD2-8DCB-4217-B99C-7F8FEFC43E96}" type="datetimeFigureOut">
               <a:rPr lang="en-US" smtClean="0"/>
-              <a:t>8/30/2023</a:t>
+              <a:t>8/31/2023</a:t>
             </a:fld>
             <a:endParaRPr lang="en-US"/>
           </a:p>
@@ -2114,7 +2113,7 @@
           <a:p>
             <a:fld id="{E7890FD2-8DCB-4217-B99C-7F8FEFC43E96}" type="datetimeFigureOut">
               <a:rPr lang="en-US" smtClean="0"/>
-              <a:t>8/30/2023</a:t>
+              <a:t>8/31/2023</a:t>
             </a:fld>
             <a:endParaRPr lang="en-US"/>
           </a:p>
@@ -2367,7 +2366,7 @@
           <a:p>
             <a:fld id="{E7890FD2-8DCB-4217-B99C-7F8FEFC43E96}" type="datetimeFigureOut">
               <a:rPr lang="en-US" smtClean="0"/>
-              <a:t>8/30/2023</a:t>
+              <a:t>8/31/2023</a:t>
             </a:fld>
             <a:endParaRPr lang="en-US"/>
           </a:p>
@@ -2580,7 +2579,7 @@
           <a:p>
             <a:fld id="{E7890FD2-8DCB-4217-B99C-7F8FEFC43E96}" type="datetimeFigureOut">
               <a:rPr lang="en-US" smtClean="0"/>
-              <a:t>8/30/2023</a:t>
+              <a:t>8/31/2023</a:t>
             </a:fld>
             <a:endParaRPr lang="en-US"/>
           </a:p>
@@ -4244,230 +4243,6 @@
           <a:p>
             <a:r>
               <a:rPr lang="en-US" dirty="0" smtClean="0"/>
-              <a:t>Cost Analysis</a:t>
-            </a:r>
-            <a:endParaRPr lang="en-US" dirty="0"/>
-          </a:p>
-        </p:txBody>
-      </p:sp>
-      <p:sp>
-        <p:nvSpPr>
-          <p:cNvPr id="3" name="Content Placeholder 2"/>
-          <p:cNvSpPr>
-            <a:spLocks noGrp="1"/>
-          </p:cNvSpPr>
-          <p:nvPr>
-            <p:ph idx="1"/>
-          </p:nvPr>
-        </p:nvSpPr>
-        <p:spPr/>
-        <p:txBody>
-          <a:bodyPr>
-            <a:normAutofit/>
-          </a:bodyPr>
-          <a:lstStyle/>
-          <a:p>
-            <a:r>
-              <a:rPr lang="en-US" sz="1800" dirty="0"/>
-              <a:t>Total Vehicles came for inspection: </a:t>
-            </a:r>
-            <a:r>
-              <a:rPr lang="en-US" sz="1800" dirty="0" smtClean="0"/>
-              <a:t>1156</a:t>
-            </a:r>
-          </a:p>
-          <a:p>
-            <a:r>
-              <a:rPr lang="en-US" sz="1800" dirty="0" smtClean="0"/>
-              <a:t>False Positives: 13</a:t>
-            </a:r>
-          </a:p>
-          <a:p>
-            <a:r>
-              <a:rPr lang="en-US" sz="1800" dirty="0" smtClean="0"/>
-              <a:t>True Positive: 23</a:t>
-            </a:r>
-          </a:p>
-          <a:p>
-            <a:r>
-              <a:rPr lang="en-US" sz="1800" dirty="0" smtClean="0"/>
-              <a:t>False Negatives: 47</a:t>
-            </a:r>
-          </a:p>
-          <a:p>
-            <a:r>
-              <a:rPr lang="en-US" sz="1800" dirty="0" smtClean="0"/>
-              <a:t>True Negatives: 1073</a:t>
-            </a:r>
-          </a:p>
-          <a:p>
-            <a:pPr marL="0" indent="0">
-              <a:buNone/>
-            </a:pPr>
-            <a:endParaRPr lang="en-US" sz="1800" dirty="0" smtClean="0"/>
-          </a:p>
-          <a:p>
-            <a:r>
-              <a:rPr lang="en-US" sz="1800" dirty="0" smtClean="0"/>
-              <a:t>Amount Saved (</a:t>
-            </a:r>
-            <a:r>
-              <a:rPr lang="en-US" sz="1800" dirty="0" err="1" smtClean="0"/>
-              <a:t>AmS</a:t>
-            </a:r>
-            <a:r>
-              <a:rPr lang="en-US" sz="1800" dirty="0" smtClean="0"/>
-              <a:t>): (1073*600) + (23*2600) = </a:t>
-            </a:r>
-            <a:r>
-              <a:rPr lang="en-GB" sz="1800" b="1" dirty="0"/>
-              <a:t>€ </a:t>
-            </a:r>
-            <a:r>
-              <a:rPr lang="en-US" sz="1800" smtClean="0"/>
-              <a:t>703,600   </a:t>
-            </a:r>
-          </a:p>
-          <a:p>
-            <a:r>
-              <a:rPr lang="en-US" sz="1800" smtClean="0"/>
-              <a:t>Amount </a:t>
-            </a:r>
-            <a:r>
-              <a:rPr lang="en-US" sz="1800" dirty="0" smtClean="0"/>
-              <a:t>Wasted Technical Action (</a:t>
-            </a:r>
-            <a:r>
-              <a:rPr lang="en-US" sz="1800" dirty="0" err="1" smtClean="0"/>
-              <a:t>AmWT</a:t>
-            </a:r>
-            <a:r>
-              <a:rPr lang="en-US" sz="1800" dirty="0" smtClean="0"/>
-              <a:t>): 13*600 = </a:t>
-            </a:r>
-            <a:r>
-              <a:rPr lang="en-GB" sz="1800" b="1" dirty="0" smtClean="0"/>
-              <a:t>€ </a:t>
-            </a:r>
-            <a:r>
-              <a:rPr lang="en-GB" sz="1800" dirty="0" smtClean="0"/>
-              <a:t>7,800 </a:t>
-            </a:r>
-            <a:r>
-              <a:rPr lang="en-GB" sz="1200" dirty="0" smtClean="0"/>
-              <a:t>( I am assuming vehicle which are flagged damaged will turn out to be non-damage during technical action phase)</a:t>
-            </a:r>
-          </a:p>
-          <a:p>
-            <a:r>
-              <a:rPr lang="en-GB" sz="1800" dirty="0" smtClean="0"/>
-              <a:t>Amount </a:t>
-            </a:r>
-            <a:r>
-              <a:rPr lang="en-GB" sz="1800" dirty="0"/>
-              <a:t>Wasted Technical Action and Repair (</a:t>
-            </a:r>
-            <a:r>
-              <a:rPr lang="en-GB" sz="1800" dirty="0" err="1"/>
-              <a:t>AmWTR</a:t>
-            </a:r>
-            <a:r>
-              <a:rPr lang="en-GB" sz="1800" dirty="0"/>
-              <a:t>): 47*2600 = € 122,200</a:t>
-            </a:r>
-          </a:p>
-          <a:p>
-            <a:r>
-              <a:rPr lang="en-GB" sz="2000" b="1" dirty="0" smtClean="0"/>
-              <a:t>Total Amount Saved: </a:t>
-            </a:r>
-            <a:r>
-              <a:rPr lang="en-GB" sz="2000" dirty="0" err="1" smtClean="0"/>
-              <a:t>AmS</a:t>
-            </a:r>
-            <a:r>
-              <a:rPr lang="en-GB" sz="2000" dirty="0" smtClean="0"/>
-              <a:t> </a:t>
-            </a:r>
-            <a:r>
-              <a:rPr lang="en-AT" sz="2000" dirty="0" smtClean="0"/>
-              <a:t>–</a:t>
-            </a:r>
-            <a:r>
-              <a:rPr lang="en-GB" sz="2000" dirty="0" smtClean="0"/>
-              <a:t> (</a:t>
-            </a:r>
-            <a:r>
-              <a:rPr lang="en-GB" sz="2000" dirty="0" err="1" smtClean="0"/>
-              <a:t>AmWT</a:t>
-            </a:r>
-            <a:r>
-              <a:rPr lang="en-GB" sz="2000" dirty="0" smtClean="0"/>
-              <a:t> + </a:t>
-            </a:r>
-            <a:r>
-              <a:rPr lang="en-GB" sz="2000" dirty="0" err="1" smtClean="0"/>
-              <a:t>AmWTR</a:t>
-            </a:r>
-            <a:r>
-              <a:rPr lang="en-GB" sz="2000" dirty="0" smtClean="0"/>
-              <a:t>) = </a:t>
-            </a:r>
-            <a:r>
-              <a:rPr lang="en-GB" sz="2000" b="1" dirty="0" smtClean="0"/>
-              <a:t>€ 573,600</a:t>
-            </a:r>
-            <a:endParaRPr lang="en-US" sz="2000" dirty="0"/>
-          </a:p>
-        </p:txBody>
-      </p:sp>
-    </p:spTree>
-    <p:extLst>
-      <p:ext uri="{BB962C8B-B14F-4D97-AF65-F5344CB8AC3E}">
-        <p14:creationId xmlns:p14="http://schemas.microsoft.com/office/powerpoint/2010/main" val="3039817953"/>
-      </p:ext>
-    </p:extLst>
-  </p:cSld>
-  <p:clrMapOvr>
-    <a:masterClrMapping/>
-  </p:clrMapOvr>
-</p:sld>
-</file>
-
-<file path=ppt/slides/slide17.xml><?xml version="1.0" encoding="utf-8"?>
-<p:sld xmlns:a="http://schemas.openxmlformats.org/drawingml/2006/main" xmlns:r="http://schemas.openxmlformats.org/officeDocument/2006/relationships" xmlns:p="http://schemas.openxmlformats.org/presentationml/2006/main">
-  <p:cSld>
-    <p:spTree>
-      <p:nvGrpSpPr>
-        <p:cNvPr id="1" name=""/>
-        <p:cNvGrpSpPr/>
-        <p:nvPr/>
-      </p:nvGrpSpPr>
-      <p:grpSpPr>
-        <a:xfrm>
-          <a:off x="0" y="0"/>
-          <a:ext cx="0" cy="0"/>
-          <a:chOff x="0" y="0"/>
-          <a:chExt cx="0" cy="0"/>
-        </a:xfrm>
-      </p:grpSpPr>
-      <p:sp>
-        <p:nvSpPr>
-          <p:cNvPr id="2" name="Title 1"/>
-          <p:cNvSpPr>
-            <a:spLocks noGrp="1"/>
-          </p:cNvSpPr>
-          <p:nvPr>
-            <p:ph type="title"/>
-          </p:nvPr>
-        </p:nvSpPr>
-        <p:spPr/>
-        <p:txBody>
-          <a:bodyPr/>
-          <a:lstStyle/>
-          <a:p>
-            <a:r>
-              <a:rPr lang="en-US" dirty="0" smtClean="0"/>
               <a:t>Architecture</a:t>
             </a:r>
             <a:endParaRPr lang="en-US" dirty="0"/>

--- a/docs/Presentation.pptx
+++ b/docs/Presentation.pptx
@@ -3022,7 +3022,25 @@
             </a:br>
             <a:r>
               <a:rPr lang="en-US" sz="1800" dirty="0" smtClean="0"/>
-              <a:t>Adil Mukhtar (adilmukhtar600@gmail.com)</a:t>
+              <a:t>Adil Mukhtar (adilmukhtar600@gmail.com</a:t>
+            </a:r>
+            <a:r>
+              <a:rPr lang="en-US" sz="1800" dirty="0" smtClean="0"/>
+              <a:t>)</a:t>
+            </a:r>
+            <a:br>
+              <a:rPr lang="en-US" sz="1800" dirty="0" smtClean="0"/>
+            </a:br>
+            <a:r>
+              <a:rPr lang="en-US" sz="1800" dirty="0"/>
+              <a:t/>
+            </a:r>
+            <a:br>
+              <a:rPr lang="en-US" sz="1800" dirty="0"/>
+            </a:br>
+            <a:r>
+              <a:rPr lang="en-US" sz="1800" dirty="0"/>
+              <a:t>https://github.com/adilmukhtar82/PdM</a:t>
             </a:r>
             <a:endParaRPr lang="en-US" sz="1800" dirty="0"/>
           </a:p>
